--- a/26 Совершенный код.pptx
+++ b/26 Совершенный код.pptx
@@ -70,9 +70,10 @@
     <p:sldId id="331" r:id="rId64"/>
     <p:sldId id="332" r:id="rId65"/>
     <p:sldId id="333" r:id="rId66"/>
-    <p:sldId id="268" r:id="rId67"/>
-    <p:sldId id="334" r:id="rId68"/>
-    <p:sldId id="277" r:id="rId69"/>
+    <p:sldId id="339" r:id="rId67"/>
+    <p:sldId id="277" r:id="rId68"/>
+    <p:sldId id="268" r:id="rId69"/>
+    <p:sldId id="334" r:id="rId70"/>
   </p:sldIdLst>
   <p:sldSz cx="12192000" cy="6858000"/>
   <p:notesSz cx="6858000" cy="9144000"/>
@@ -310,7 +311,7 @@
           <a:p>
             <a:fld id="{C13FB225-875C-44D8-A9DA-15258FC0B96E}" type="datetimeFigureOut">
               <a:rPr lang="ru-RU" smtClean="0"/>
-              <a:t>10.08.2020</a:t>
+              <a:t>10.09.2020</a:t>
             </a:fld>
             <a:endParaRPr lang="ru-RU"/>
           </a:p>
@@ -480,7 +481,7 @@
           <a:p>
             <a:fld id="{C13FB225-875C-44D8-A9DA-15258FC0B96E}" type="datetimeFigureOut">
               <a:rPr lang="ru-RU" smtClean="0"/>
-              <a:t>10.08.2020</a:t>
+              <a:t>10.09.2020</a:t>
             </a:fld>
             <a:endParaRPr lang="ru-RU"/>
           </a:p>
@@ -660,7 +661,7 @@
           <a:p>
             <a:fld id="{C13FB225-875C-44D8-A9DA-15258FC0B96E}" type="datetimeFigureOut">
               <a:rPr lang="ru-RU" smtClean="0"/>
-              <a:t>10.08.2020</a:t>
+              <a:t>10.09.2020</a:t>
             </a:fld>
             <a:endParaRPr lang="ru-RU"/>
           </a:p>
@@ -830,7 +831,7 @@
           <a:p>
             <a:fld id="{C13FB225-875C-44D8-A9DA-15258FC0B96E}" type="datetimeFigureOut">
               <a:rPr lang="ru-RU" smtClean="0"/>
-              <a:t>10.08.2020</a:t>
+              <a:t>10.09.2020</a:t>
             </a:fld>
             <a:endParaRPr lang="ru-RU"/>
           </a:p>
@@ -1076,7 +1077,7 @@
           <a:p>
             <a:fld id="{C13FB225-875C-44D8-A9DA-15258FC0B96E}" type="datetimeFigureOut">
               <a:rPr lang="ru-RU" smtClean="0"/>
-              <a:t>10.08.2020</a:t>
+              <a:t>10.09.2020</a:t>
             </a:fld>
             <a:endParaRPr lang="ru-RU"/>
           </a:p>
@@ -1308,7 +1309,7 @@
           <a:p>
             <a:fld id="{C13FB225-875C-44D8-A9DA-15258FC0B96E}" type="datetimeFigureOut">
               <a:rPr lang="ru-RU" smtClean="0"/>
-              <a:t>10.08.2020</a:t>
+              <a:t>10.09.2020</a:t>
             </a:fld>
             <a:endParaRPr lang="ru-RU"/>
           </a:p>
@@ -1675,7 +1676,7 @@
           <a:p>
             <a:fld id="{C13FB225-875C-44D8-A9DA-15258FC0B96E}" type="datetimeFigureOut">
               <a:rPr lang="ru-RU" smtClean="0"/>
-              <a:t>10.08.2020</a:t>
+              <a:t>10.09.2020</a:t>
             </a:fld>
             <a:endParaRPr lang="ru-RU"/>
           </a:p>
@@ -1793,7 +1794,7 @@
           <a:p>
             <a:fld id="{C13FB225-875C-44D8-A9DA-15258FC0B96E}" type="datetimeFigureOut">
               <a:rPr lang="ru-RU" smtClean="0"/>
-              <a:t>10.08.2020</a:t>
+              <a:t>10.09.2020</a:t>
             </a:fld>
             <a:endParaRPr lang="ru-RU"/>
           </a:p>
@@ -1888,7 +1889,7 @@
           <a:p>
             <a:fld id="{C13FB225-875C-44D8-A9DA-15258FC0B96E}" type="datetimeFigureOut">
               <a:rPr lang="ru-RU" smtClean="0"/>
-              <a:t>10.08.2020</a:t>
+              <a:t>10.09.2020</a:t>
             </a:fld>
             <a:endParaRPr lang="ru-RU"/>
           </a:p>
@@ -2165,7 +2166,7 @@
           <a:p>
             <a:fld id="{C13FB225-875C-44D8-A9DA-15258FC0B96E}" type="datetimeFigureOut">
               <a:rPr lang="ru-RU" smtClean="0"/>
-              <a:t>10.08.2020</a:t>
+              <a:t>10.09.2020</a:t>
             </a:fld>
             <a:endParaRPr lang="ru-RU"/>
           </a:p>
@@ -2418,7 +2419,7 @@
           <a:p>
             <a:fld id="{C13FB225-875C-44D8-A9DA-15258FC0B96E}" type="datetimeFigureOut">
               <a:rPr lang="ru-RU" smtClean="0"/>
-              <a:t>10.08.2020</a:t>
+              <a:t>10.09.2020</a:t>
             </a:fld>
             <a:endParaRPr lang="ru-RU"/>
           </a:p>
@@ -2631,7 +2632,7 @@
           <a:p>
             <a:fld id="{C13FB225-875C-44D8-A9DA-15258FC0B96E}" type="datetimeFigureOut">
               <a:rPr lang="ru-RU" smtClean="0"/>
-              <a:t>10.08.2020</a:t>
+              <a:t>10.09.2020</a:t>
             </a:fld>
             <a:endParaRPr lang="ru-RU"/>
           </a:p>
@@ -3100,11 +3101,7 @@
             </a:r>
             <a:r>
               <a:rPr lang="ru-RU" dirty="0" smtClean="0"/>
-              <a:t>Последняя </a:t>
-            </a:r>
-            <a:r>
-              <a:rPr lang="ru-RU" dirty="0" smtClean="0"/>
-              <a:t>лекция</a:t>
+              <a:t>Последняя лекция</a:t>
             </a:r>
             <a:endParaRPr lang="ru-RU" dirty="0"/>
           </a:p>
@@ -3164,11 +3161,7 @@
           <a:p>
             <a:r>
               <a:rPr lang="ru-RU" dirty="0" smtClean="0"/>
-              <a:t>Зацепление </a:t>
-            </a:r>
-            <a:r>
-              <a:rPr lang="ru-RU" dirty="0" smtClean="0"/>
-              <a:t>модулей</a:t>
+              <a:t>Зацепление модулей</a:t>
             </a:r>
             <a:endParaRPr lang="ru-RU" dirty="0"/>
           </a:p>
@@ -3472,11 +3465,7 @@
           <a:p>
             <a:r>
               <a:rPr lang="ru-RU" dirty="0" smtClean="0"/>
-              <a:t>Зацепление </a:t>
-            </a:r>
-            <a:r>
-              <a:rPr lang="ru-RU" dirty="0" smtClean="0"/>
-              <a:t>модулей</a:t>
+              <a:t>Зацепление модулей</a:t>
             </a:r>
             <a:endParaRPr lang="ru-RU" dirty="0"/>
           </a:p>
@@ -3756,11 +3745,7 @@
           <a:p>
             <a:r>
               <a:rPr lang="ru-RU" dirty="0" smtClean="0"/>
-              <a:t>Зацепление </a:t>
-            </a:r>
-            <a:r>
-              <a:rPr lang="ru-RU" dirty="0" smtClean="0"/>
-              <a:t>модулей</a:t>
+              <a:t>Зацепление модулей</a:t>
             </a:r>
             <a:endParaRPr lang="ru-RU" dirty="0"/>
           </a:p>
@@ -4490,7 +4475,18 @@
                   <a:schemeClr val="bg1"/>
                 </a:solidFill>
               </a:rPr>
-              <a:t>прячем не нужное, дели</a:t>
+              <a:t>прячем не нужное, делим код на файлы и т.п.</a:t>
+            </a:r>
+          </a:p>
+          <a:p>
+            <a:pPr lvl="1"/>
+            <a:r>
+              <a:rPr lang="ru-RU" dirty="0" err="1" smtClean="0">
+                <a:solidFill>
+                  <a:schemeClr val="bg1"/>
+                </a:solidFill>
+              </a:rPr>
+              <a:t>фиксим</a:t>
             </a:r>
             <a:r>
               <a:rPr lang="ru-RU" dirty="0" smtClean="0">
@@ -4498,42 +4494,7 @@
                   <a:schemeClr val="bg1"/>
                 </a:solidFill>
               </a:rPr>
-              <a:t>м</a:t>
-            </a:r>
-            <a:r>
-              <a:rPr lang="ru-RU" dirty="0" smtClean="0">
-                <a:solidFill>
-                  <a:schemeClr val="bg1"/>
-                </a:solidFill>
-              </a:rPr>
-              <a:t> код на файлы и т.п.</a:t>
-            </a:r>
-          </a:p>
-          <a:p>
-            <a:pPr lvl="1"/>
-            <a:r>
-              <a:rPr lang="ru-RU" dirty="0" err="1" smtClean="0">
-                <a:solidFill>
-                  <a:schemeClr val="bg1"/>
-                </a:solidFill>
-              </a:rPr>
-              <a:t>фиксим</a:t>
-            </a:r>
-            <a:r>
-              <a:rPr lang="ru-RU" dirty="0" smtClean="0">
-                <a:solidFill>
-                  <a:schemeClr val="bg1"/>
-                </a:solidFill>
-              </a:rPr>
-              <a:t>, </a:t>
-            </a:r>
-            <a:r>
-              <a:rPr lang="ru-RU" dirty="0" smtClean="0">
-                <a:solidFill>
-                  <a:schemeClr val="bg1"/>
-                </a:solidFill>
-              </a:rPr>
-              <a:t>упрощаем, </a:t>
+              <a:t>, упрощаем, </a:t>
             </a:r>
             <a:r>
               <a:rPr lang="ru-RU" dirty="0" err="1" smtClean="0">
@@ -4643,23 +4604,7 @@
                   <a:schemeClr val="bg1"/>
                 </a:solidFill>
               </a:rPr>
-              <a:t>Самый плохой </a:t>
-            </a:r>
-            <a:r>
-              <a:rPr lang="ru-RU" sz="2400" dirty="0" smtClean="0">
-                <a:solidFill>
-                  <a:schemeClr val="bg1"/>
-                </a:solidFill>
-              </a:rPr>
-              <a:t>вид </a:t>
-            </a:r>
-            <a:r>
-              <a:rPr lang="ru-RU" sz="2400" dirty="0" smtClean="0">
-                <a:solidFill>
-                  <a:schemeClr val="bg1"/>
-                </a:solidFill>
-              </a:rPr>
-              <a:t>зацепления</a:t>
+              <a:t>Самый плохой вид зацепления</a:t>
             </a:r>
             <a:endParaRPr lang="ru-RU" sz="2400" dirty="0">
               <a:solidFill>
@@ -4708,7 +4653,18 @@
                   <a:schemeClr val="bg1"/>
                 </a:solidFill>
               </a:rPr>
-              <a:t>прячем не нужное, дели</a:t>
+              <a:t>прячем не нужное, делим код на файлы и т.п.</a:t>
+            </a:r>
+          </a:p>
+          <a:p>
+            <a:pPr lvl="1"/>
+            <a:r>
+              <a:rPr lang="ru-RU" dirty="0" err="1" smtClean="0">
+                <a:solidFill>
+                  <a:schemeClr val="bg1"/>
+                </a:solidFill>
+              </a:rPr>
+              <a:t>фиксим</a:t>
             </a:r>
             <a:r>
               <a:rPr lang="ru-RU" dirty="0" smtClean="0">
@@ -4716,42 +4672,7 @@
                   <a:schemeClr val="bg1"/>
                 </a:solidFill>
               </a:rPr>
-              <a:t>м</a:t>
-            </a:r>
-            <a:r>
-              <a:rPr lang="ru-RU" dirty="0" smtClean="0">
-                <a:solidFill>
-                  <a:schemeClr val="bg1"/>
-                </a:solidFill>
-              </a:rPr>
-              <a:t> код на файлы и т.п.</a:t>
-            </a:r>
-          </a:p>
-          <a:p>
-            <a:pPr lvl="1"/>
-            <a:r>
-              <a:rPr lang="ru-RU" dirty="0" err="1" smtClean="0">
-                <a:solidFill>
-                  <a:schemeClr val="bg1"/>
-                </a:solidFill>
-              </a:rPr>
-              <a:t>фиксим</a:t>
-            </a:r>
-            <a:r>
-              <a:rPr lang="ru-RU" dirty="0" smtClean="0">
-                <a:solidFill>
-                  <a:schemeClr val="bg1"/>
-                </a:solidFill>
-              </a:rPr>
-              <a:t>, </a:t>
-            </a:r>
-            <a:r>
-              <a:rPr lang="ru-RU" dirty="0" smtClean="0">
-                <a:solidFill>
-                  <a:schemeClr val="bg1"/>
-                </a:solidFill>
-              </a:rPr>
-              <a:t>упрощаем, </a:t>
+              <a:t>, упрощаем, </a:t>
             </a:r>
             <a:r>
               <a:rPr lang="ru-RU" dirty="0" err="1" smtClean="0">
@@ -4857,15 +4778,7 @@
           <a:p>
             <a:r>
               <a:rPr lang="ru-RU" sz="2400" dirty="0" smtClean="0"/>
-              <a:t>Самый плохой </a:t>
-            </a:r>
-            <a:r>
-              <a:rPr lang="ru-RU" sz="2400" dirty="0" smtClean="0"/>
-              <a:t>вид </a:t>
-            </a:r>
-            <a:r>
-              <a:rPr lang="ru-RU" sz="2400" dirty="0" smtClean="0"/>
-              <a:t>зацепления</a:t>
+              <a:t>Самый плохой вид зацепления</a:t>
             </a:r>
             <a:endParaRPr lang="ru-RU" sz="2400" dirty="0"/>
           </a:p>
@@ -4910,7 +4823,18 @@
                   <a:schemeClr val="bg1"/>
                 </a:solidFill>
               </a:rPr>
-              <a:t>прячем не нужное, дели</a:t>
+              <a:t>прячем не нужное, делим код на файлы и т.п.</a:t>
+            </a:r>
+          </a:p>
+          <a:p>
+            <a:pPr lvl="1"/>
+            <a:r>
+              <a:rPr lang="ru-RU" dirty="0" err="1" smtClean="0">
+                <a:solidFill>
+                  <a:schemeClr val="bg1"/>
+                </a:solidFill>
+              </a:rPr>
+              <a:t>фиксим</a:t>
             </a:r>
             <a:r>
               <a:rPr lang="ru-RU" dirty="0" smtClean="0">
@@ -4918,42 +4842,7 @@
                   <a:schemeClr val="bg1"/>
                 </a:solidFill>
               </a:rPr>
-              <a:t>м</a:t>
-            </a:r>
-            <a:r>
-              <a:rPr lang="ru-RU" dirty="0" smtClean="0">
-                <a:solidFill>
-                  <a:schemeClr val="bg1"/>
-                </a:solidFill>
-              </a:rPr>
-              <a:t> код на файлы и т.п.</a:t>
-            </a:r>
-          </a:p>
-          <a:p>
-            <a:pPr lvl="1"/>
-            <a:r>
-              <a:rPr lang="ru-RU" dirty="0" err="1" smtClean="0">
-                <a:solidFill>
-                  <a:schemeClr val="bg1"/>
-                </a:solidFill>
-              </a:rPr>
-              <a:t>фиксим</a:t>
-            </a:r>
-            <a:r>
-              <a:rPr lang="ru-RU" dirty="0" smtClean="0">
-                <a:solidFill>
-                  <a:schemeClr val="bg1"/>
-                </a:solidFill>
-              </a:rPr>
-              <a:t>, </a:t>
-            </a:r>
-            <a:r>
-              <a:rPr lang="ru-RU" dirty="0" smtClean="0">
-                <a:solidFill>
-                  <a:schemeClr val="bg1"/>
-                </a:solidFill>
-              </a:rPr>
-              <a:t>упрощаем, </a:t>
+              <a:t>, упрощаем, </a:t>
             </a:r>
             <a:r>
               <a:rPr lang="ru-RU" dirty="0" err="1" smtClean="0">
@@ -5059,11 +4948,7 @@
           <a:p>
             <a:r>
               <a:rPr lang="ru-RU" sz="2400" dirty="0" smtClean="0"/>
-              <a:t>Самый плохой </a:t>
-            </a:r>
-            <a:r>
-              <a:rPr lang="ru-RU" sz="2400" dirty="0" smtClean="0"/>
-              <a:t>вид зацепления</a:t>
+              <a:t>Самый плохой вид зацепления</a:t>
             </a:r>
             <a:endParaRPr lang="ru-RU" sz="2400" dirty="0"/>
           </a:p>
@@ -5108,7 +4993,18 @@
                   <a:schemeClr val="bg1"/>
                 </a:solidFill>
               </a:rPr>
-              <a:t>прячем не нужное, дели</a:t>
+              <a:t>прячем не нужное, делим код на файлы и т.п.</a:t>
+            </a:r>
+          </a:p>
+          <a:p>
+            <a:pPr lvl="1"/>
+            <a:r>
+              <a:rPr lang="ru-RU" dirty="0" err="1" smtClean="0">
+                <a:solidFill>
+                  <a:schemeClr val="bg1"/>
+                </a:solidFill>
+              </a:rPr>
+              <a:t>фиксим</a:t>
             </a:r>
             <a:r>
               <a:rPr lang="ru-RU" dirty="0" smtClean="0">
@@ -5116,42 +5012,7 @@
                   <a:schemeClr val="bg1"/>
                 </a:solidFill>
               </a:rPr>
-              <a:t>м</a:t>
-            </a:r>
-            <a:r>
-              <a:rPr lang="ru-RU" dirty="0" smtClean="0">
-                <a:solidFill>
-                  <a:schemeClr val="bg1"/>
-                </a:solidFill>
-              </a:rPr>
-              <a:t> код на файлы и т.п.</a:t>
-            </a:r>
-          </a:p>
-          <a:p>
-            <a:pPr lvl="1"/>
-            <a:r>
-              <a:rPr lang="ru-RU" dirty="0" err="1" smtClean="0">
-                <a:solidFill>
-                  <a:schemeClr val="bg1"/>
-                </a:solidFill>
-              </a:rPr>
-              <a:t>фиксим</a:t>
-            </a:r>
-            <a:r>
-              <a:rPr lang="ru-RU" dirty="0" smtClean="0">
-                <a:solidFill>
-                  <a:schemeClr val="bg1"/>
-                </a:solidFill>
-              </a:rPr>
-              <a:t>, </a:t>
-            </a:r>
-            <a:r>
-              <a:rPr lang="ru-RU" dirty="0" smtClean="0">
-                <a:solidFill>
-                  <a:schemeClr val="bg1"/>
-                </a:solidFill>
-              </a:rPr>
-              <a:t>упрощаем, </a:t>
+              <a:t>, упрощаем, </a:t>
             </a:r>
             <a:r>
               <a:rPr lang="ru-RU" dirty="0" err="1" smtClean="0">
@@ -5830,7 +5691,7 @@
                 </a:solidFill>
                 <a:latin typeface="Consolas" panose="020B0609020204030204" pitchFamily="49" charset="0"/>
               </a:rPr>
-              <a:t>] = value</a:t>
+              <a:t>] = p</a:t>
             </a:r>
             <a:r>
               <a:rPr lang="en-US" sz="1300" dirty="0" smtClean="0">
@@ -6088,11 +5949,7 @@
           <a:p>
             <a:r>
               <a:rPr lang="ru-RU" sz="2400" dirty="0" smtClean="0"/>
-              <a:t>Самый плохой </a:t>
-            </a:r>
-            <a:r>
-              <a:rPr lang="ru-RU" sz="2400" dirty="0" smtClean="0"/>
-              <a:t>вид зацепления</a:t>
+              <a:t>Самый плохой вид зацепления</a:t>
             </a:r>
             <a:endParaRPr lang="ru-RU" sz="2400" dirty="0"/>
           </a:p>
@@ -6125,15 +5982,7 @@
             <a:pPr lvl="1"/>
             <a:r>
               <a:rPr lang="ru-RU" dirty="0" smtClean="0"/>
-              <a:t>прячем не нужное, дели</a:t>
-            </a:r>
-            <a:r>
-              <a:rPr lang="ru-RU" dirty="0" smtClean="0"/>
-              <a:t>м</a:t>
-            </a:r>
-            <a:r>
-              <a:rPr lang="ru-RU" dirty="0" smtClean="0"/>
-              <a:t> код на файлы и т.п.</a:t>
+              <a:t>прячем не нужное, делим код на файлы и т.п.</a:t>
             </a:r>
           </a:p>
           <a:p>
@@ -6144,11 +5993,7 @@
             </a:r>
             <a:r>
               <a:rPr lang="ru-RU" dirty="0" smtClean="0"/>
-              <a:t>, </a:t>
-            </a:r>
-            <a:r>
-              <a:rPr lang="ru-RU" dirty="0" smtClean="0"/>
-              <a:t>упрощаем, </a:t>
+              <a:t>, упрощаем, </a:t>
             </a:r>
             <a:r>
               <a:rPr lang="ru-RU" dirty="0" err="1" smtClean="0"/>
@@ -6160,7 +6005,7 @@
       </p:sp>
       <p:sp>
         <p:nvSpPr>
-          <p:cNvPr id="16" name="Flowchart: Process 15"/>
+          <p:cNvPr id="9" name="Flowchart: Process 8"/>
           <p:cNvSpPr/>
           <p:nvPr/>
         </p:nvSpPr>
@@ -6819,7 +6664,7 @@
                 </a:solidFill>
                 <a:latin typeface="Consolas" panose="020B0609020204030204" pitchFamily="49" charset="0"/>
               </a:rPr>
-              <a:t>] = value</a:t>
+              <a:t>] = p</a:t>
             </a:r>
             <a:r>
               <a:rPr lang="en-US" sz="1300" dirty="0" smtClean="0">
@@ -6943,7 +6788,7 @@
       </p:sp>
       <p:sp>
         <p:nvSpPr>
-          <p:cNvPr id="17" name="Flowchart: Process 16"/>
+          <p:cNvPr id="10" name="Flowchart: Process 9"/>
           <p:cNvSpPr/>
           <p:nvPr/>
         </p:nvSpPr>
@@ -7077,11 +6922,7 @@
           <a:p>
             <a:r>
               <a:rPr lang="ru-RU" sz="2400" dirty="0" smtClean="0"/>
-              <a:t>Самый плохой </a:t>
-            </a:r>
-            <a:r>
-              <a:rPr lang="ru-RU" sz="2400" dirty="0" smtClean="0"/>
-              <a:t>вид зацепления</a:t>
+              <a:t>Самый плохой вид зацепления</a:t>
             </a:r>
             <a:endParaRPr lang="ru-RU" sz="2400" dirty="0"/>
           </a:p>
@@ -7114,15 +6955,7 @@
             <a:pPr lvl="1"/>
             <a:r>
               <a:rPr lang="ru-RU" dirty="0" smtClean="0"/>
-              <a:t>прячем не нужное, дели</a:t>
-            </a:r>
-            <a:r>
-              <a:rPr lang="ru-RU" dirty="0" smtClean="0"/>
-              <a:t>м</a:t>
-            </a:r>
-            <a:r>
-              <a:rPr lang="ru-RU" dirty="0" smtClean="0"/>
-              <a:t> код на файлы и т.п.</a:t>
+              <a:t>прячем не нужное, делим код на файлы и т.п.</a:t>
             </a:r>
           </a:p>
           <a:p>
@@ -7133,11 +6966,7 @@
             </a:r>
             <a:r>
               <a:rPr lang="ru-RU" dirty="0" smtClean="0"/>
-              <a:t>, </a:t>
-            </a:r>
-            <a:r>
-              <a:rPr lang="ru-RU" dirty="0" smtClean="0"/>
-              <a:t>упрощаем, </a:t>
+              <a:t>, упрощаем, </a:t>
             </a:r>
             <a:r>
               <a:rPr lang="ru-RU" dirty="0" err="1" smtClean="0"/>
@@ -7790,8 +7619,23 @@
                 </a:solidFill>
                 <a:latin typeface="Consolas" panose="020B0609020204030204" pitchFamily="49" charset="0"/>
               </a:rPr>
-              <a:t>, value);</a:t>
-            </a:r>
+              <a:t>, </a:t>
+            </a:r>
+            <a:r>
+              <a:rPr lang="en-US" dirty="0" smtClean="0">
+                <a:solidFill>
+                  <a:srgbClr val="D4D4D4"/>
+                </a:solidFill>
+                <a:latin typeface="Consolas" panose="020B0609020204030204" pitchFamily="49" charset="0"/>
+              </a:rPr>
+              <a:t>p);</a:t>
+            </a:r>
+            <a:endParaRPr lang="en-US" dirty="0">
+              <a:solidFill>
+                <a:srgbClr val="D4D4D4"/>
+              </a:solidFill>
+              <a:latin typeface="Consolas" panose="020B0609020204030204" pitchFamily="49" charset="0"/>
+            </a:endParaRPr>
           </a:p>
           <a:p>
             <a:r>
@@ -8576,7 +8420,55 @@
       </p:sp>
       <p:sp>
         <p:nvSpPr>
-          <p:cNvPr id="14" name="Flowchart: Process 13"/>
+          <p:cNvPr id="16" name="Flowchart: Process 15"/>
+          <p:cNvSpPr/>
+          <p:nvPr/>
+        </p:nvSpPr>
+        <p:spPr>
+          <a:xfrm>
+            <a:off x="7329486" y="5133973"/>
+            <a:ext cx="2395539" cy="200026"/>
+          </a:xfrm>
+          <a:prstGeom prst="flowChartProcess">
+            <a:avLst/>
+          </a:prstGeom>
+          <a:solidFill>
+            <a:schemeClr val="accent1">
+              <a:alpha val="66000"/>
+            </a:schemeClr>
+          </a:solidFill>
+          <a:ln>
+            <a:noFill/>
+          </a:ln>
+        </p:spPr>
+        <p:style>
+          <a:lnRef idx="2">
+            <a:schemeClr val="accent1">
+              <a:shade val="50000"/>
+            </a:schemeClr>
+          </a:lnRef>
+          <a:fillRef idx="1">
+            <a:schemeClr val="accent1"/>
+          </a:fillRef>
+          <a:effectRef idx="0">
+            <a:schemeClr val="accent1"/>
+          </a:effectRef>
+          <a:fontRef idx="minor">
+            <a:schemeClr val="lt1"/>
+          </a:fontRef>
+        </p:style>
+        <p:txBody>
+          <a:bodyPr rtlCol="0" anchor="ctr"/>
+          <a:lstStyle/>
+          <a:p>
+            <a:pPr algn="ctr"/>
+            <a:endParaRPr lang="ru-RU"/>
+          </a:p>
+        </p:txBody>
+      </p:sp>
+      <p:sp>
+        <p:nvSpPr>
+          <p:cNvPr id="12" name="Flowchart: Process 11"/>
           <p:cNvSpPr/>
           <p:nvPr/>
         </p:nvSpPr>
@@ -9235,7 +9127,7 @@
                 </a:solidFill>
                 <a:latin typeface="Consolas" panose="020B0609020204030204" pitchFamily="49" charset="0"/>
               </a:rPr>
-              <a:t>] = value</a:t>
+              <a:t>] = p</a:t>
             </a:r>
             <a:r>
               <a:rPr lang="en-US" sz="1300" dirty="0" smtClean="0">
@@ -9359,61 +9251,13 @@
       </p:sp>
       <p:sp>
         <p:nvSpPr>
-          <p:cNvPr id="15" name="Flowchart: Process 14"/>
+          <p:cNvPr id="13" name="Flowchart: Process 12"/>
           <p:cNvSpPr/>
           <p:nvPr/>
         </p:nvSpPr>
         <p:spPr>
           <a:xfrm>
             <a:off x="1966911" y="5210174"/>
-            <a:ext cx="2395539" cy="200026"/>
-          </a:xfrm>
-          <a:prstGeom prst="flowChartProcess">
-            <a:avLst/>
-          </a:prstGeom>
-          <a:solidFill>
-            <a:schemeClr val="accent1">
-              <a:alpha val="66000"/>
-            </a:schemeClr>
-          </a:solidFill>
-          <a:ln>
-            <a:noFill/>
-          </a:ln>
-        </p:spPr>
-        <p:style>
-          <a:lnRef idx="2">
-            <a:schemeClr val="accent1">
-              <a:shade val="50000"/>
-            </a:schemeClr>
-          </a:lnRef>
-          <a:fillRef idx="1">
-            <a:schemeClr val="accent1"/>
-          </a:fillRef>
-          <a:effectRef idx="0">
-            <a:schemeClr val="accent1"/>
-          </a:effectRef>
-          <a:fontRef idx="minor">
-            <a:schemeClr val="lt1"/>
-          </a:fontRef>
-        </p:style>
-        <p:txBody>
-          <a:bodyPr rtlCol="0" anchor="ctr"/>
-          <a:lstStyle/>
-          <a:p>
-            <a:pPr algn="ctr"/>
-            <a:endParaRPr lang="ru-RU"/>
-          </a:p>
-        </p:txBody>
-      </p:sp>
-      <p:sp>
-        <p:nvSpPr>
-          <p:cNvPr id="16" name="Flowchart: Process 15"/>
-          <p:cNvSpPr/>
-          <p:nvPr/>
-        </p:nvSpPr>
-        <p:spPr>
-          <a:xfrm>
-            <a:off x="7329486" y="5133973"/>
             <a:ext cx="2395539" cy="200026"/>
           </a:xfrm>
           <a:prstGeom prst="flowChartProcess">
@@ -9542,11 +9386,7 @@
             </a:r>
             <a:r>
               <a:rPr lang="ru-RU" dirty="0" smtClean="0"/>
-              <a:t>Последняя </a:t>
-            </a:r>
-            <a:r>
-              <a:rPr lang="ru-RU" dirty="0" smtClean="0"/>
-              <a:t>лекция</a:t>
+              <a:t>Последняя лекция</a:t>
             </a:r>
             <a:endParaRPr lang="ru-RU" dirty="0"/>
           </a:p>
@@ -9705,15 +9545,7 @@
                   <a:schemeClr val="bg1"/>
                 </a:solidFill>
               </a:rPr>
-              <a:t>Выносим дублирующийся код в отдельный </a:t>
-            </a:r>
-            <a:r>
-              <a:rPr lang="ru-RU" dirty="0" smtClean="0">
-                <a:solidFill>
-                  <a:schemeClr val="bg1"/>
-                </a:solidFill>
-              </a:rPr>
-              <a:t>модуль</a:t>
+              <a:t>Выносим дублирующийся код в отдельный модуль</a:t>
             </a:r>
             <a:endParaRPr lang="ru-RU" dirty="0">
               <a:solidFill>
@@ -9812,13 +9644,8 @@
             </a:r>
             <a:r>
               <a:rPr lang="ru-RU" dirty="0" smtClean="0"/>
-              <a:t>дублирование </a:t>
-            </a:r>
-            <a:r>
-              <a:rPr lang="ru-RU" dirty="0" smtClean="0"/>
-              <a:t>кода и т.п.</a:t>
-            </a:r>
-            <a:endParaRPr lang="ru-RU" dirty="0" smtClean="0"/>
+              <a:t>дублирование кода и т.п.</a:t>
+            </a:r>
           </a:p>
         </p:txBody>
       </p:sp>
@@ -9865,15 +9692,7 @@
                   <a:schemeClr val="bg1"/>
                 </a:solidFill>
               </a:rPr>
-              <a:t>Выносим дублирующийся код в отдельный </a:t>
-            </a:r>
-            <a:r>
-              <a:rPr lang="ru-RU" dirty="0" smtClean="0">
-                <a:solidFill>
-                  <a:schemeClr val="bg1"/>
-                </a:solidFill>
-              </a:rPr>
-              <a:t>модуль</a:t>
+              <a:t>Выносим дублирующийся код в отдельный модуль</a:t>
             </a:r>
             <a:endParaRPr lang="ru-RU" dirty="0">
               <a:solidFill>
@@ -9972,13 +9791,8 @@
             </a:r>
             <a:r>
               <a:rPr lang="ru-RU" dirty="0" smtClean="0"/>
-              <a:t>дублирование </a:t>
-            </a:r>
-            <a:r>
-              <a:rPr lang="ru-RU" dirty="0" smtClean="0"/>
-              <a:t>кода и т.п.</a:t>
-            </a:r>
-            <a:endParaRPr lang="ru-RU" dirty="0" smtClean="0"/>
+              <a:t>дублирование кода и т.п.</a:t>
+            </a:r>
           </a:p>
         </p:txBody>
       </p:sp>
@@ -10025,15 +9839,7 @@
                   <a:schemeClr val="bg1"/>
                 </a:solidFill>
               </a:rPr>
-              <a:t>Выносим дублирующийся код в отдельный </a:t>
-            </a:r>
-            <a:r>
-              <a:rPr lang="ru-RU" dirty="0" smtClean="0">
-                <a:solidFill>
-                  <a:schemeClr val="bg1"/>
-                </a:solidFill>
-              </a:rPr>
-              <a:t>модуль</a:t>
+              <a:t>Выносим дублирующийся код в отдельный модуль</a:t>
             </a:r>
             <a:endParaRPr lang="ru-RU" dirty="0">
               <a:solidFill>
@@ -10938,13 +10744,8 @@
             </a:r>
             <a:r>
               <a:rPr lang="ru-RU" dirty="0" smtClean="0"/>
-              <a:t>дублирование </a:t>
-            </a:r>
-            <a:r>
-              <a:rPr lang="ru-RU" dirty="0" smtClean="0"/>
-              <a:t>кода и т.п.</a:t>
-            </a:r>
-            <a:endParaRPr lang="ru-RU" dirty="0" smtClean="0"/>
+              <a:t>дублирование кода и т.п.</a:t>
+            </a:r>
           </a:p>
         </p:txBody>
       </p:sp>
@@ -10979,11 +10780,7 @@
             <a:pPr lvl="1"/>
             <a:r>
               <a:rPr lang="ru-RU" dirty="0" smtClean="0"/>
-              <a:t>Выносим дублирующийся код в отдельный </a:t>
-            </a:r>
-            <a:r>
-              <a:rPr lang="ru-RU" dirty="0" smtClean="0"/>
-              <a:t>модуль</a:t>
+              <a:t>Выносим дублирующийся код в отдельный модуль</a:t>
             </a:r>
             <a:endParaRPr lang="ru-RU" dirty="0"/>
           </a:p>
@@ -11884,13 +11681,8 @@
             </a:r>
             <a:r>
               <a:rPr lang="ru-RU" dirty="0" smtClean="0"/>
-              <a:t>дублирование </a:t>
-            </a:r>
-            <a:r>
-              <a:rPr lang="ru-RU" dirty="0" smtClean="0"/>
-              <a:t>кода и т.п.</a:t>
-            </a:r>
-            <a:endParaRPr lang="ru-RU" dirty="0" smtClean="0"/>
+              <a:t>дублирование кода и т.п.</a:t>
+            </a:r>
           </a:p>
         </p:txBody>
       </p:sp>
@@ -11925,11 +11717,7 @@
             <a:pPr lvl="1"/>
             <a:r>
               <a:rPr lang="ru-RU" dirty="0" smtClean="0"/>
-              <a:t>Выносим дублирующийся код в отдельный </a:t>
-            </a:r>
-            <a:r>
-              <a:rPr lang="ru-RU" dirty="0" smtClean="0"/>
-              <a:t>модуль</a:t>
+              <a:t>Выносим дублирующийся код в отдельный модуль</a:t>
             </a:r>
             <a:endParaRPr lang="ru-RU" dirty="0"/>
           </a:p>
@@ -13637,11 +13425,7 @@
             <a:pPr lvl="1"/>
             <a:r>
               <a:rPr lang="ru-RU" dirty="0" smtClean="0"/>
-              <a:t>Выносим дублирующийся код в отдельный </a:t>
-            </a:r>
-            <a:r>
-              <a:rPr lang="ru-RU" dirty="0" smtClean="0"/>
-              <a:t>модуль</a:t>
+              <a:t>Выносим дублирующийся код в отдельный модуль</a:t>
             </a:r>
             <a:endParaRPr lang="ru-RU" dirty="0"/>
           </a:p>
@@ -15473,15 +15257,7 @@
                   <a:schemeClr val="bg1"/>
                 </a:solidFill>
               </a:rPr>
-              <a:t>Превращаем общие данные в новый </a:t>
-            </a:r>
-            <a:r>
-              <a:rPr lang="ru-RU" dirty="0" smtClean="0">
-                <a:solidFill>
-                  <a:schemeClr val="bg1"/>
-                </a:solidFill>
-              </a:rPr>
-              <a:t>модуль</a:t>
+              <a:t>Превращаем общие данные в новый модуль</a:t>
             </a:r>
             <a:endParaRPr lang="ru-RU" dirty="0">
               <a:solidFill>
@@ -15624,15 +15400,7 @@
                   <a:schemeClr val="bg1"/>
                 </a:solidFill>
               </a:rPr>
-              <a:t>Превращаем общие данные в новый </a:t>
-            </a:r>
-            <a:r>
-              <a:rPr lang="ru-RU" dirty="0" smtClean="0">
-                <a:solidFill>
-                  <a:schemeClr val="bg1"/>
-                </a:solidFill>
-              </a:rPr>
-              <a:t>модуль</a:t>
+              <a:t>Превращаем общие данные в новый модуль</a:t>
             </a:r>
             <a:endParaRPr lang="ru-RU" dirty="0">
               <a:solidFill>
@@ -16035,11 +15803,7 @@
             <a:pPr lvl="1"/>
             <a:r>
               <a:rPr lang="ru-RU" dirty="0" smtClean="0"/>
-              <a:t>Превращаем общие данные в новый </a:t>
-            </a:r>
-            <a:r>
-              <a:rPr lang="ru-RU" dirty="0" smtClean="0"/>
-              <a:t>модуль</a:t>
+              <a:t>Превращаем общие данные в новый модуль</a:t>
             </a:r>
             <a:endParaRPr lang="ru-RU" dirty="0"/>
           </a:p>
@@ -16394,20 +16158,14 @@
           <a:p>
             <a:r>
               <a:rPr lang="ru-RU" dirty="0" smtClean="0"/>
-              <a:t>З</a:t>
-            </a:r>
-            <a:r>
-              <a:rPr lang="ru-RU" dirty="0" smtClean="0"/>
-              <a:t>ацепление частей программы</a:t>
-            </a:r>
-            <a:endParaRPr lang="ru-RU" dirty="0" smtClean="0"/>
+              <a:t>Зацепление частей программы</a:t>
+            </a:r>
           </a:p>
           <a:p>
             <a:r>
               <a:rPr lang="ru-RU" dirty="0" smtClean="0"/>
               <a:t>Именование функций</a:t>
             </a:r>
-            <a:endParaRPr lang="ru-RU" dirty="0" smtClean="0"/>
           </a:p>
           <a:p>
             <a:r>
@@ -16539,11 +16297,7 @@
             <a:pPr lvl="1"/>
             <a:r>
               <a:rPr lang="ru-RU" dirty="0" smtClean="0"/>
-              <a:t>Превращаем общие данные в новый </a:t>
-            </a:r>
-            <a:r>
-              <a:rPr lang="ru-RU" dirty="0" smtClean="0"/>
-              <a:t>модуль</a:t>
+              <a:t>Превращаем общие данные в новый модуль</a:t>
             </a:r>
             <a:endParaRPr lang="ru-RU" dirty="0"/>
           </a:p>
@@ -17288,23 +17042,7 @@
                   <a:schemeClr val="bg1"/>
                 </a:solidFill>
               </a:rPr>
-              <a:t>начений локальных </a:t>
-            </a:r>
-            <a:r>
-              <a:rPr lang="ru-RU" sz="1800" dirty="0" smtClean="0">
-                <a:solidFill>
-                  <a:schemeClr val="bg1"/>
-                </a:solidFill>
-              </a:rPr>
-              <a:t>переменных или возвращаемых </a:t>
-            </a:r>
-            <a:r>
-              <a:rPr lang="ru-RU" sz="1800" dirty="0" smtClean="0">
-                <a:solidFill>
-                  <a:schemeClr val="bg1"/>
-                </a:solidFill>
-              </a:rPr>
-              <a:t>значений</a:t>
+              <a:t>начений локальных переменных или возвращаемых значений</a:t>
             </a:r>
             <a:endParaRPr lang="en-US" sz="1800" dirty="0" smtClean="0">
               <a:solidFill>
@@ -17463,15 +17201,7 @@
             </a:r>
             <a:r>
               <a:rPr lang="ru-RU" sz="1800" dirty="0" smtClean="0"/>
-              <a:t>начений локальных </a:t>
-            </a:r>
-            <a:r>
-              <a:rPr lang="ru-RU" sz="1800" dirty="0" smtClean="0"/>
-              <a:t>переменных или возвращаемых </a:t>
-            </a:r>
-            <a:r>
-              <a:rPr lang="ru-RU" sz="1800" dirty="0" smtClean="0"/>
-              <a:t>значений</a:t>
+              <a:t>начений локальных переменных или возвращаемых значений</a:t>
             </a:r>
             <a:endParaRPr lang="en-US" sz="1800" dirty="0" smtClean="0"/>
           </a:p>
@@ -17626,15 +17356,7 @@
             </a:r>
             <a:r>
               <a:rPr lang="ru-RU" sz="1800" dirty="0" smtClean="0"/>
-              <a:t>начений локальных </a:t>
-            </a:r>
-            <a:r>
-              <a:rPr lang="ru-RU" sz="1800" dirty="0" smtClean="0"/>
-              <a:t>переменных или возвращаемых </a:t>
-            </a:r>
-            <a:r>
-              <a:rPr lang="ru-RU" sz="1800" dirty="0" smtClean="0"/>
-              <a:t>значений</a:t>
+              <a:t>начений локальных переменных или возвращаемых значений</a:t>
             </a:r>
             <a:endParaRPr lang="en-US" sz="1800" dirty="0" smtClean="0"/>
           </a:p>
@@ -17918,25 +17640,7 @@
                 </a:solidFill>
                 <a:latin typeface="Consolas" panose="020B0609020204030204" pitchFamily="49" charset="0"/>
               </a:rPr>
-              <a:t>    </a:t>
-            </a:r>
-            <a:r>
-              <a:rPr lang="en-US" sz="1200" dirty="0" smtClean="0">
-                <a:solidFill>
-                  <a:srgbClr val="569CD6"/>
-                </a:solidFill>
-                <a:latin typeface="Consolas" panose="020B0609020204030204" pitchFamily="49" charset="0"/>
-              </a:rPr>
-              <a:t>double</a:t>
-            </a:r>
-            <a:r>
-              <a:rPr lang="en-US" sz="1200" dirty="0" smtClean="0">
-                <a:solidFill>
-                  <a:srgbClr val="D4D4D4"/>
-                </a:solidFill>
-                <a:latin typeface="Consolas" panose="020B0609020204030204" pitchFamily="49" charset="0"/>
-              </a:rPr>
-              <a:t> x2 = (- b - x2) / </a:t>
+              <a:t>    x2 = (- b - x2) / </a:t>
             </a:r>
             <a:r>
               <a:rPr lang="en-US" sz="1200" dirty="0" smtClean="0">
@@ -18080,7 +17784,7 @@
         </p:nvSpPr>
         <p:spPr>
           <a:xfrm>
-            <a:off x="1790701" y="3699450"/>
+            <a:off x="1233748" y="3720614"/>
             <a:ext cx="304800" cy="190500"/>
           </a:xfrm>
           <a:prstGeom prst="flowChartProcess">
@@ -18226,15 +17930,7 @@
             </a:r>
             <a:r>
               <a:rPr lang="ru-RU" sz="1800" dirty="0" smtClean="0"/>
-              <a:t>начений локальных </a:t>
-            </a:r>
-            <a:r>
-              <a:rPr lang="ru-RU" sz="1800" dirty="0" smtClean="0"/>
-              <a:t>переменных или возвращаемых </a:t>
-            </a:r>
-            <a:r>
-              <a:rPr lang="ru-RU" sz="1800" dirty="0" smtClean="0"/>
-              <a:t>значений</a:t>
+              <a:t>начений локальных переменных или возвращаемых значений</a:t>
             </a:r>
             <a:endParaRPr lang="en-US" sz="1800" dirty="0" smtClean="0"/>
           </a:p>
@@ -18279,347 +17975,6 @@
               <a:solidFill>
                 <a:schemeClr val="bg1"/>
               </a:solidFill>
-            </a:endParaRPr>
-          </a:p>
-        </p:txBody>
-      </p:sp>
-      <p:sp>
-        <p:nvSpPr>
-          <p:cNvPr id="6" name="TextBox 5"/>
-          <p:cNvSpPr txBox="1"/>
-          <p:nvPr/>
-        </p:nvSpPr>
-        <p:spPr>
-          <a:xfrm>
-            <a:off x="838200" y="3120450"/>
-            <a:ext cx="5181599" cy="1200329"/>
-          </a:xfrm>
-          <a:prstGeom prst="rect">
-            <a:avLst/>
-          </a:prstGeom>
-          <a:solidFill>
-            <a:schemeClr val="tx1"/>
-          </a:solidFill>
-        </p:spPr>
-        <p:txBody>
-          <a:bodyPr wrap="square" rtlCol="0">
-            <a:spAutoFit/>
-          </a:bodyPr>
-          <a:lstStyle/>
-          <a:p>
-            <a:r>
-              <a:rPr lang="en-US" sz="1200" dirty="0">
-                <a:solidFill>
-                  <a:srgbClr val="569CD6"/>
-                </a:solidFill>
-                <a:latin typeface="Consolas" panose="020B0609020204030204" pitchFamily="49" charset="0"/>
-              </a:rPr>
-              <a:t>void</a:t>
-            </a:r>
-            <a:r>
-              <a:rPr lang="en-US" sz="1200" dirty="0">
-                <a:solidFill>
-                  <a:srgbClr val="D4D4D4"/>
-                </a:solidFill>
-                <a:latin typeface="Consolas" panose="020B0609020204030204" pitchFamily="49" charset="0"/>
-              </a:rPr>
-              <a:t> </a:t>
-            </a:r>
-            <a:r>
-              <a:rPr lang="en-US" sz="1200" dirty="0" err="1">
-                <a:solidFill>
-                  <a:srgbClr val="DCDCAA"/>
-                </a:solidFill>
-                <a:latin typeface="Consolas" panose="020B0609020204030204" pitchFamily="49" charset="0"/>
-              </a:rPr>
-              <a:t>PrintRoots</a:t>
-            </a:r>
-            <a:r>
-              <a:rPr lang="en-US" sz="1200" dirty="0">
-                <a:solidFill>
-                  <a:srgbClr val="D4D4D4"/>
-                </a:solidFill>
-                <a:latin typeface="Consolas" panose="020B0609020204030204" pitchFamily="49" charset="0"/>
-              </a:rPr>
-              <a:t>(</a:t>
-            </a:r>
-            <a:r>
-              <a:rPr lang="en-US" sz="1200" dirty="0">
-                <a:solidFill>
-                  <a:srgbClr val="569CD6"/>
-                </a:solidFill>
-                <a:latin typeface="Consolas" panose="020B0609020204030204" pitchFamily="49" charset="0"/>
-              </a:rPr>
-              <a:t>float</a:t>
-            </a:r>
-            <a:r>
-              <a:rPr lang="en-US" sz="1200" dirty="0">
-                <a:solidFill>
-                  <a:srgbClr val="D4D4D4"/>
-                </a:solidFill>
-                <a:latin typeface="Consolas" panose="020B0609020204030204" pitchFamily="49" charset="0"/>
-              </a:rPr>
-              <a:t> a, </a:t>
-            </a:r>
-            <a:r>
-              <a:rPr lang="en-US" sz="1200" dirty="0">
-                <a:solidFill>
-                  <a:srgbClr val="569CD6"/>
-                </a:solidFill>
-                <a:latin typeface="Consolas" panose="020B0609020204030204" pitchFamily="49" charset="0"/>
-              </a:rPr>
-              <a:t>float</a:t>
-            </a:r>
-            <a:r>
-              <a:rPr lang="en-US" sz="1200" dirty="0">
-                <a:solidFill>
-                  <a:srgbClr val="D4D4D4"/>
-                </a:solidFill>
-                <a:latin typeface="Consolas" panose="020B0609020204030204" pitchFamily="49" charset="0"/>
-              </a:rPr>
-              <a:t> b, </a:t>
-            </a:r>
-            <a:r>
-              <a:rPr lang="en-US" sz="1200" dirty="0">
-                <a:solidFill>
-                  <a:srgbClr val="569CD6"/>
-                </a:solidFill>
-                <a:latin typeface="Consolas" panose="020B0609020204030204" pitchFamily="49" charset="0"/>
-              </a:rPr>
-              <a:t>float</a:t>
-            </a:r>
-            <a:r>
-              <a:rPr lang="en-US" sz="1200" dirty="0">
-                <a:solidFill>
-                  <a:srgbClr val="D4D4D4"/>
-                </a:solidFill>
-                <a:latin typeface="Consolas" panose="020B0609020204030204" pitchFamily="49" charset="0"/>
-              </a:rPr>
-              <a:t> c) {</a:t>
-            </a:r>
-          </a:p>
-          <a:p>
-            <a:r>
-              <a:rPr lang="en-US" sz="1200" dirty="0">
-                <a:solidFill>
-                  <a:srgbClr val="D4D4D4"/>
-                </a:solidFill>
-                <a:latin typeface="Consolas" panose="020B0609020204030204" pitchFamily="49" charset="0"/>
-              </a:rPr>
-              <a:t>    </a:t>
-            </a:r>
-            <a:r>
-              <a:rPr lang="en-US" sz="1200" dirty="0">
-                <a:solidFill>
-                  <a:srgbClr val="569CD6"/>
-                </a:solidFill>
-                <a:latin typeface="Consolas" panose="020B0609020204030204" pitchFamily="49" charset="0"/>
-              </a:rPr>
-              <a:t>double</a:t>
-            </a:r>
-            <a:r>
-              <a:rPr lang="en-US" sz="1200" dirty="0">
-                <a:solidFill>
-                  <a:srgbClr val="D4D4D4"/>
-                </a:solidFill>
-                <a:latin typeface="Consolas" panose="020B0609020204030204" pitchFamily="49" charset="0"/>
-              </a:rPr>
-              <a:t> x2 = </a:t>
-            </a:r>
-            <a:r>
-              <a:rPr lang="en-US" sz="1200" dirty="0" err="1">
-                <a:solidFill>
-                  <a:srgbClr val="DCDCAA"/>
-                </a:solidFill>
-                <a:latin typeface="Consolas" panose="020B0609020204030204" pitchFamily="49" charset="0"/>
-              </a:rPr>
-              <a:t>sqrt</a:t>
-            </a:r>
-            <a:r>
-              <a:rPr lang="en-US" sz="1200" dirty="0">
-                <a:solidFill>
-                  <a:srgbClr val="D4D4D4"/>
-                </a:solidFill>
-                <a:latin typeface="Consolas" panose="020B0609020204030204" pitchFamily="49" charset="0"/>
-              </a:rPr>
-              <a:t>(b * b - </a:t>
-            </a:r>
-            <a:r>
-              <a:rPr lang="en-US" sz="1200" dirty="0">
-                <a:solidFill>
-                  <a:srgbClr val="B5CEA8"/>
-                </a:solidFill>
-                <a:latin typeface="Consolas" panose="020B0609020204030204" pitchFamily="49" charset="0"/>
-              </a:rPr>
-              <a:t>4</a:t>
-            </a:r>
-            <a:r>
-              <a:rPr lang="en-US" sz="1200" dirty="0">
-                <a:solidFill>
-                  <a:srgbClr val="D4D4D4"/>
-                </a:solidFill>
-                <a:latin typeface="Consolas" panose="020B0609020204030204" pitchFamily="49" charset="0"/>
-              </a:rPr>
-              <a:t> * a * c);</a:t>
-            </a:r>
-          </a:p>
-          <a:p>
-            <a:r>
-              <a:rPr lang="en-US" sz="1200" dirty="0">
-                <a:solidFill>
-                  <a:srgbClr val="D4D4D4"/>
-                </a:solidFill>
-                <a:latin typeface="Consolas" panose="020B0609020204030204" pitchFamily="49" charset="0"/>
-              </a:rPr>
-              <a:t>    </a:t>
-            </a:r>
-            <a:r>
-              <a:rPr lang="en-US" sz="1200" dirty="0">
-                <a:solidFill>
-                  <a:srgbClr val="569CD6"/>
-                </a:solidFill>
-                <a:latin typeface="Consolas" panose="020B0609020204030204" pitchFamily="49" charset="0"/>
-              </a:rPr>
-              <a:t>double</a:t>
-            </a:r>
-            <a:r>
-              <a:rPr lang="en-US" sz="1200" dirty="0">
-                <a:solidFill>
-                  <a:srgbClr val="D4D4D4"/>
-                </a:solidFill>
-                <a:latin typeface="Consolas" panose="020B0609020204030204" pitchFamily="49" charset="0"/>
-              </a:rPr>
-              <a:t> x1 = (- b + x2) / </a:t>
-            </a:r>
-            <a:r>
-              <a:rPr lang="en-US" sz="1200" dirty="0">
-                <a:solidFill>
-                  <a:srgbClr val="B5CEA8"/>
-                </a:solidFill>
-                <a:latin typeface="Consolas" panose="020B0609020204030204" pitchFamily="49" charset="0"/>
-              </a:rPr>
-              <a:t>2</a:t>
-            </a:r>
-            <a:r>
-              <a:rPr lang="en-US" sz="1200" dirty="0">
-                <a:solidFill>
-                  <a:srgbClr val="D4D4D4"/>
-                </a:solidFill>
-                <a:latin typeface="Consolas" panose="020B0609020204030204" pitchFamily="49" charset="0"/>
-              </a:rPr>
-              <a:t> / a;</a:t>
-            </a:r>
-          </a:p>
-          <a:p>
-            <a:r>
-              <a:rPr lang="en-US" sz="1200" dirty="0" smtClean="0">
-                <a:solidFill>
-                  <a:srgbClr val="D4D4D4"/>
-                </a:solidFill>
-                <a:latin typeface="Consolas" panose="020B0609020204030204" pitchFamily="49" charset="0"/>
-              </a:rPr>
-              <a:t>    </a:t>
-            </a:r>
-            <a:r>
-              <a:rPr lang="en-US" sz="1200" dirty="0" smtClean="0">
-                <a:solidFill>
-                  <a:srgbClr val="569CD6"/>
-                </a:solidFill>
-                <a:latin typeface="Consolas" panose="020B0609020204030204" pitchFamily="49" charset="0"/>
-              </a:rPr>
-              <a:t>double</a:t>
-            </a:r>
-            <a:r>
-              <a:rPr lang="en-US" sz="1200" dirty="0" smtClean="0">
-                <a:solidFill>
-                  <a:srgbClr val="D4D4D4"/>
-                </a:solidFill>
-                <a:latin typeface="Consolas" panose="020B0609020204030204" pitchFamily="49" charset="0"/>
-              </a:rPr>
-              <a:t> x2 = (- b - x2) / </a:t>
-            </a:r>
-            <a:r>
-              <a:rPr lang="en-US" sz="1200" dirty="0" smtClean="0">
-                <a:solidFill>
-                  <a:srgbClr val="B5CEA8"/>
-                </a:solidFill>
-                <a:latin typeface="Consolas" panose="020B0609020204030204" pitchFamily="49" charset="0"/>
-              </a:rPr>
-              <a:t>2</a:t>
-            </a:r>
-            <a:r>
-              <a:rPr lang="en-US" sz="1200" dirty="0" smtClean="0">
-                <a:solidFill>
-                  <a:srgbClr val="D4D4D4"/>
-                </a:solidFill>
-                <a:latin typeface="Consolas" panose="020B0609020204030204" pitchFamily="49" charset="0"/>
-              </a:rPr>
-              <a:t> / a;</a:t>
-            </a:r>
-          </a:p>
-          <a:p>
-            <a:r>
-              <a:rPr lang="en-US" sz="1200" dirty="0">
-                <a:solidFill>
-                  <a:srgbClr val="D4D4D4"/>
-                </a:solidFill>
-                <a:latin typeface="Consolas" panose="020B0609020204030204" pitchFamily="49" charset="0"/>
-              </a:rPr>
-              <a:t>    </a:t>
-            </a:r>
-            <a:r>
-              <a:rPr lang="en-US" sz="1200" dirty="0" err="1">
-                <a:solidFill>
-                  <a:srgbClr val="DCDCAA"/>
-                </a:solidFill>
-                <a:latin typeface="Consolas" panose="020B0609020204030204" pitchFamily="49" charset="0"/>
-              </a:rPr>
-              <a:t>printf</a:t>
-            </a:r>
-            <a:r>
-              <a:rPr lang="en-US" sz="1200" dirty="0">
-                <a:solidFill>
-                  <a:srgbClr val="D4D4D4"/>
-                </a:solidFill>
-                <a:latin typeface="Consolas" panose="020B0609020204030204" pitchFamily="49" charset="0"/>
-              </a:rPr>
-              <a:t>(</a:t>
-            </a:r>
-            <a:r>
-              <a:rPr lang="en-US" sz="1200" dirty="0">
-                <a:solidFill>
-                  <a:srgbClr val="CE9178"/>
-                </a:solidFill>
-                <a:latin typeface="Consolas" panose="020B0609020204030204" pitchFamily="49" charset="0"/>
-              </a:rPr>
-              <a:t>"%f %f"</a:t>
-            </a:r>
-            <a:r>
-              <a:rPr lang="en-US" sz="1200" dirty="0">
-                <a:solidFill>
-                  <a:srgbClr val="D4D4D4"/>
-                </a:solidFill>
-                <a:latin typeface="Consolas" panose="020B0609020204030204" pitchFamily="49" charset="0"/>
-              </a:rPr>
-              <a:t>, x1, x2);</a:t>
-            </a:r>
-          </a:p>
-          <a:p>
-            <a:r>
-              <a:rPr lang="en-US" sz="1200" dirty="0" smtClean="0">
-                <a:solidFill>
-                  <a:srgbClr val="D4D4D4"/>
-                </a:solidFill>
-                <a:latin typeface="Consolas" panose="020B0609020204030204" pitchFamily="49" charset="0"/>
-              </a:rPr>
-              <a:t>}</a:t>
-            </a:r>
-            <a:endParaRPr lang="en-US" sz="1200" b="0" dirty="0">
-              <a:solidFill>
-                <a:srgbClr val="D4D4D4"/>
-              </a:solidFill>
-              <a:effectLst/>
-              <a:latin typeface="Consolas" panose="020B0609020204030204" pitchFamily="49" charset="0"/>
             </a:endParaRPr>
           </a:p>
         </p:txBody>
@@ -19030,7 +18385,378 @@
       </p:sp>
       <p:sp>
         <p:nvSpPr>
-          <p:cNvPr id="8" name="Flowchart: Process 7"/>
+          <p:cNvPr id="10" name="Flowchart: Process 9"/>
+          <p:cNvSpPr/>
+          <p:nvPr/>
+        </p:nvSpPr>
+        <p:spPr>
+          <a:xfrm>
+            <a:off x="1828801" y="4647933"/>
+            <a:ext cx="304800" cy="190500"/>
+          </a:xfrm>
+          <a:prstGeom prst="flowChartProcess">
+            <a:avLst/>
+          </a:prstGeom>
+          <a:solidFill>
+            <a:schemeClr val="accent1">
+              <a:alpha val="66000"/>
+            </a:schemeClr>
+          </a:solidFill>
+          <a:ln>
+            <a:noFill/>
+          </a:ln>
+        </p:spPr>
+        <p:style>
+          <a:lnRef idx="2">
+            <a:schemeClr val="accent1">
+              <a:shade val="50000"/>
+            </a:schemeClr>
+          </a:lnRef>
+          <a:fillRef idx="1">
+            <a:schemeClr val="accent1"/>
+          </a:fillRef>
+          <a:effectRef idx="0">
+            <a:schemeClr val="accent1"/>
+          </a:effectRef>
+          <a:fontRef idx="minor">
+            <a:schemeClr val="lt1"/>
+          </a:fontRef>
+        </p:style>
+        <p:txBody>
+          <a:bodyPr rtlCol="0" anchor="ctr"/>
+          <a:lstStyle/>
+          <a:p>
+            <a:pPr algn="ctr"/>
+            <a:endParaRPr lang="ru-RU"/>
+          </a:p>
+        </p:txBody>
+      </p:sp>
+      <p:sp>
+        <p:nvSpPr>
+          <p:cNvPr id="11" name="TextBox 10"/>
+          <p:cNvSpPr txBox="1"/>
+          <p:nvPr/>
+        </p:nvSpPr>
+        <p:spPr>
+          <a:xfrm>
+            <a:off x="838200" y="3120450"/>
+            <a:ext cx="5181599" cy="1200329"/>
+          </a:xfrm>
+          <a:prstGeom prst="rect">
+            <a:avLst/>
+          </a:prstGeom>
+          <a:solidFill>
+            <a:schemeClr val="tx1"/>
+          </a:solidFill>
+        </p:spPr>
+        <p:txBody>
+          <a:bodyPr wrap="square" rtlCol="0">
+            <a:spAutoFit/>
+          </a:bodyPr>
+          <a:lstStyle/>
+          <a:p>
+            <a:r>
+              <a:rPr lang="en-US" sz="1200" dirty="0">
+                <a:solidFill>
+                  <a:srgbClr val="569CD6"/>
+                </a:solidFill>
+                <a:latin typeface="Consolas" panose="020B0609020204030204" pitchFamily="49" charset="0"/>
+              </a:rPr>
+              <a:t>void</a:t>
+            </a:r>
+            <a:r>
+              <a:rPr lang="en-US" sz="1200" dirty="0">
+                <a:solidFill>
+                  <a:srgbClr val="D4D4D4"/>
+                </a:solidFill>
+                <a:latin typeface="Consolas" panose="020B0609020204030204" pitchFamily="49" charset="0"/>
+              </a:rPr>
+              <a:t> </a:t>
+            </a:r>
+            <a:r>
+              <a:rPr lang="en-US" sz="1200" dirty="0" err="1">
+                <a:solidFill>
+                  <a:srgbClr val="DCDCAA"/>
+                </a:solidFill>
+                <a:latin typeface="Consolas" panose="020B0609020204030204" pitchFamily="49" charset="0"/>
+              </a:rPr>
+              <a:t>PrintRoots</a:t>
+            </a:r>
+            <a:r>
+              <a:rPr lang="en-US" sz="1200" dirty="0">
+                <a:solidFill>
+                  <a:srgbClr val="D4D4D4"/>
+                </a:solidFill>
+                <a:latin typeface="Consolas" panose="020B0609020204030204" pitchFamily="49" charset="0"/>
+              </a:rPr>
+              <a:t>(</a:t>
+            </a:r>
+            <a:r>
+              <a:rPr lang="en-US" sz="1200" dirty="0">
+                <a:solidFill>
+                  <a:srgbClr val="569CD6"/>
+                </a:solidFill>
+                <a:latin typeface="Consolas" panose="020B0609020204030204" pitchFamily="49" charset="0"/>
+              </a:rPr>
+              <a:t>float</a:t>
+            </a:r>
+            <a:r>
+              <a:rPr lang="en-US" sz="1200" dirty="0">
+                <a:solidFill>
+                  <a:srgbClr val="D4D4D4"/>
+                </a:solidFill>
+                <a:latin typeface="Consolas" panose="020B0609020204030204" pitchFamily="49" charset="0"/>
+              </a:rPr>
+              <a:t> a, </a:t>
+            </a:r>
+            <a:r>
+              <a:rPr lang="en-US" sz="1200" dirty="0">
+                <a:solidFill>
+                  <a:srgbClr val="569CD6"/>
+                </a:solidFill>
+                <a:latin typeface="Consolas" panose="020B0609020204030204" pitchFamily="49" charset="0"/>
+              </a:rPr>
+              <a:t>float</a:t>
+            </a:r>
+            <a:r>
+              <a:rPr lang="en-US" sz="1200" dirty="0">
+                <a:solidFill>
+                  <a:srgbClr val="D4D4D4"/>
+                </a:solidFill>
+                <a:latin typeface="Consolas" panose="020B0609020204030204" pitchFamily="49" charset="0"/>
+              </a:rPr>
+              <a:t> b, </a:t>
+            </a:r>
+            <a:r>
+              <a:rPr lang="en-US" sz="1200" dirty="0">
+                <a:solidFill>
+                  <a:srgbClr val="569CD6"/>
+                </a:solidFill>
+                <a:latin typeface="Consolas" panose="020B0609020204030204" pitchFamily="49" charset="0"/>
+              </a:rPr>
+              <a:t>float</a:t>
+            </a:r>
+            <a:r>
+              <a:rPr lang="en-US" sz="1200" dirty="0">
+                <a:solidFill>
+                  <a:srgbClr val="D4D4D4"/>
+                </a:solidFill>
+                <a:latin typeface="Consolas" panose="020B0609020204030204" pitchFamily="49" charset="0"/>
+              </a:rPr>
+              <a:t> c) {</a:t>
+            </a:r>
+          </a:p>
+          <a:p>
+            <a:r>
+              <a:rPr lang="en-US" sz="1200" dirty="0">
+                <a:solidFill>
+                  <a:srgbClr val="D4D4D4"/>
+                </a:solidFill>
+                <a:latin typeface="Consolas" panose="020B0609020204030204" pitchFamily="49" charset="0"/>
+              </a:rPr>
+              <a:t>    </a:t>
+            </a:r>
+            <a:r>
+              <a:rPr lang="en-US" sz="1200" dirty="0">
+                <a:solidFill>
+                  <a:srgbClr val="569CD6"/>
+                </a:solidFill>
+                <a:latin typeface="Consolas" panose="020B0609020204030204" pitchFamily="49" charset="0"/>
+              </a:rPr>
+              <a:t>double</a:t>
+            </a:r>
+            <a:r>
+              <a:rPr lang="en-US" sz="1200" dirty="0">
+                <a:solidFill>
+                  <a:srgbClr val="D4D4D4"/>
+                </a:solidFill>
+                <a:latin typeface="Consolas" panose="020B0609020204030204" pitchFamily="49" charset="0"/>
+              </a:rPr>
+              <a:t> x2 = </a:t>
+            </a:r>
+            <a:r>
+              <a:rPr lang="en-US" sz="1200" dirty="0" err="1">
+                <a:solidFill>
+                  <a:srgbClr val="DCDCAA"/>
+                </a:solidFill>
+                <a:latin typeface="Consolas" panose="020B0609020204030204" pitchFamily="49" charset="0"/>
+              </a:rPr>
+              <a:t>sqrt</a:t>
+            </a:r>
+            <a:r>
+              <a:rPr lang="en-US" sz="1200" dirty="0">
+                <a:solidFill>
+                  <a:srgbClr val="D4D4D4"/>
+                </a:solidFill>
+                <a:latin typeface="Consolas" panose="020B0609020204030204" pitchFamily="49" charset="0"/>
+              </a:rPr>
+              <a:t>(b * b - </a:t>
+            </a:r>
+            <a:r>
+              <a:rPr lang="en-US" sz="1200" dirty="0">
+                <a:solidFill>
+                  <a:srgbClr val="B5CEA8"/>
+                </a:solidFill>
+                <a:latin typeface="Consolas" panose="020B0609020204030204" pitchFamily="49" charset="0"/>
+              </a:rPr>
+              <a:t>4</a:t>
+            </a:r>
+            <a:r>
+              <a:rPr lang="en-US" sz="1200" dirty="0">
+                <a:solidFill>
+                  <a:srgbClr val="D4D4D4"/>
+                </a:solidFill>
+                <a:latin typeface="Consolas" panose="020B0609020204030204" pitchFamily="49" charset="0"/>
+              </a:rPr>
+              <a:t> * a * c);</a:t>
+            </a:r>
+          </a:p>
+          <a:p>
+            <a:r>
+              <a:rPr lang="en-US" sz="1200" dirty="0">
+                <a:solidFill>
+                  <a:srgbClr val="D4D4D4"/>
+                </a:solidFill>
+                <a:latin typeface="Consolas" panose="020B0609020204030204" pitchFamily="49" charset="0"/>
+              </a:rPr>
+              <a:t>    </a:t>
+            </a:r>
+            <a:r>
+              <a:rPr lang="en-US" sz="1200" dirty="0">
+                <a:solidFill>
+                  <a:srgbClr val="569CD6"/>
+                </a:solidFill>
+                <a:latin typeface="Consolas" panose="020B0609020204030204" pitchFamily="49" charset="0"/>
+              </a:rPr>
+              <a:t>double</a:t>
+            </a:r>
+            <a:r>
+              <a:rPr lang="en-US" sz="1200" dirty="0">
+                <a:solidFill>
+                  <a:srgbClr val="D4D4D4"/>
+                </a:solidFill>
+                <a:latin typeface="Consolas" panose="020B0609020204030204" pitchFamily="49" charset="0"/>
+              </a:rPr>
+              <a:t> x1 = (- b + x2) / </a:t>
+            </a:r>
+            <a:r>
+              <a:rPr lang="en-US" sz="1200" dirty="0">
+                <a:solidFill>
+                  <a:srgbClr val="B5CEA8"/>
+                </a:solidFill>
+                <a:latin typeface="Consolas" panose="020B0609020204030204" pitchFamily="49" charset="0"/>
+              </a:rPr>
+              <a:t>2</a:t>
+            </a:r>
+            <a:r>
+              <a:rPr lang="en-US" sz="1200" dirty="0">
+                <a:solidFill>
+                  <a:srgbClr val="D4D4D4"/>
+                </a:solidFill>
+                <a:latin typeface="Consolas" panose="020B0609020204030204" pitchFamily="49" charset="0"/>
+              </a:rPr>
+              <a:t> / a;</a:t>
+            </a:r>
+          </a:p>
+          <a:p>
+            <a:r>
+              <a:rPr lang="en-US" sz="1200" dirty="0" smtClean="0">
+                <a:solidFill>
+                  <a:srgbClr val="D4D4D4"/>
+                </a:solidFill>
+                <a:latin typeface="Consolas" panose="020B0609020204030204" pitchFamily="49" charset="0"/>
+              </a:rPr>
+              <a:t>    x2 = (- b - x2) / </a:t>
+            </a:r>
+            <a:r>
+              <a:rPr lang="en-US" sz="1200" dirty="0" smtClean="0">
+                <a:solidFill>
+                  <a:srgbClr val="B5CEA8"/>
+                </a:solidFill>
+                <a:latin typeface="Consolas" panose="020B0609020204030204" pitchFamily="49" charset="0"/>
+              </a:rPr>
+              <a:t>2</a:t>
+            </a:r>
+            <a:r>
+              <a:rPr lang="en-US" sz="1200" dirty="0" smtClean="0">
+                <a:solidFill>
+                  <a:srgbClr val="D4D4D4"/>
+                </a:solidFill>
+                <a:latin typeface="Consolas" panose="020B0609020204030204" pitchFamily="49" charset="0"/>
+              </a:rPr>
+              <a:t> / a;</a:t>
+            </a:r>
+          </a:p>
+          <a:p>
+            <a:r>
+              <a:rPr lang="en-US" sz="1200" dirty="0">
+                <a:solidFill>
+                  <a:srgbClr val="D4D4D4"/>
+                </a:solidFill>
+                <a:latin typeface="Consolas" panose="020B0609020204030204" pitchFamily="49" charset="0"/>
+              </a:rPr>
+              <a:t>    </a:t>
+            </a:r>
+            <a:r>
+              <a:rPr lang="en-US" sz="1200" dirty="0" err="1">
+                <a:solidFill>
+                  <a:srgbClr val="DCDCAA"/>
+                </a:solidFill>
+                <a:latin typeface="Consolas" panose="020B0609020204030204" pitchFamily="49" charset="0"/>
+              </a:rPr>
+              <a:t>printf</a:t>
+            </a:r>
+            <a:r>
+              <a:rPr lang="en-US" sz="1200" dirty="0">
+                <a:solidFill>
+                  <a:srgbClr val="D4D4D4"/>
+                </a:solidFill>
+                <a:latin typeface="Consolas" panose="020B0609020204030204" pitchFamily="49" charset="0"/>
+              </a:rPr>
+              <a:t>(</a:t>
+            </a:r>
+            <a:r>
+              <a:rPr lang="en-US" sz="1200" dirty="0">
+                <a:solidFill>
+                  <a:srgbClr val="CE9178"/>
+                </a:solidFill>
+                <a:latin typeface="Consolas" panose="020B0609020204030204" pitchFamily="49" charset="0"/>
+              </a:rPr>
+              <a:t>"%f %f"</a:t>
+            </a:r>
+            <a:r>
+              <a:rPr lang="en-US" sz="1200" dirty="0">
+                <a:solidFill>
+                  <a:srgbClr val="D4D4D4"/>
+                </a:solidFill>
+                <a:latin typeface="Consolas" panose="020B0609020204030204" pitchFamily="49" charset="0"/>
+              </a:rPr>
+              <a:t>, x1, x2);</a:t>
+            </a:r>
+          </a:p>
+          <a:p>
+            <a:r>
+              <a:rPr lang="en-US" sz="1200" dirty="0" smtClean="0">
+                <a:solidFill>
+                  <a:srgbClr val="D4D4D4"/>
+                </a:solidFill>
+                <a:latin typeface="Consolas" panose="020B0609020204030204" pitchFamily="49" charset="0"/>
+              </a:rPr>
+              <a:t>}</a:t>
+            </a:r>
+            <a:endParaRPr lang="en-US" sz="1200" b="0" dirty="0">
+              <a:solidFill>
+                <a:srgbClr val="D4D4D4"/>
+              </a:solidFill>
+              <a:effectLst/>
+              <a:latin typeface="Consolas" panose="020B0609020204030204" pitchFamily="49" charset="0"/>
+            </a:endParaRPr>
+          </a:p>
+        </p:txBody>
+      </p:sp>
+      <p:sp>
+        <p:nvSpPr>
+          <p:cNvPr id="12" name="Flowchart: Process 7"/>
           <p:cNvSpPr/>
           <p:nvPr/>
         </p:nvSpPr>
@@ -19078,61 +18804,13 @@
       </p:sp>
       <p:sp>
         <p:nvSpPr>
-          <p:cNvPr id="9" name="Flowchart: Process 8"/>
+          <p:cNvPr id="13" name="Flowchart: Process 8"/>
           <p:cNvSpPr/>
           <p:nvPr/>
         </p:nvSpPr>
         <p:spPr>
           <a:xfrm>
-            <a:off x="1790701" y="3699450"/>
-            <a:ext cx="304800" cy="190500"/>
-          </a:xfrm>
-          <a:prstGeom prst="flowChartProcess">
-            <a:avLst/>
-          </a:prstGeom>
-          <a:solidFill>
-            <a:schemeClr val="accent1">
-              <a:alpha val="66000"/>
-            </a:schemeClr>
-          </a:solidFill>
-          <a:ln>
-            <a:noFill/>
-          </a:ln>
-        </p:spPr>
-        <p:style>
-          <a:lnRef idx="2">
-            <a:schemeClr val="accent1">
-              <a:shade val="50000"/>
-            </a:schemeClr>
-          </a:lnRef>
-          <a:fillRef idx="1">
-            <a:schemeClr val="accent1"/>
-          </a:fillRef>
-          <a:effectRef idx="0">
-            <a:schemeClr val="accent1"/>
-          </a:effectRef>
-          <a:fontRef idx="minor">
-            <a:schemeClr val="lt1"/>
-          </a:fontRef>
-        </p:style>
-        <p:txBody>
-          <a:bodyPr rtlCol="0" anchor="ctr"/>
-          <a:lstStyle/>
-          <a:p>
-            <a:pPr algn="ctr"/>
-            <a:endParaRPr lang="ru-RU"/>
-          </a:p>
-        </p:txBody>
-      </p:sp>
-      <p:sp>
-        <p:nvSpPr>
-          <p:cNvPr id="10" name="Flowchart: Process 9"/>
-          <p:cNvSpPr/>
-          <p:nvPr/>
-        </p:nvSpPr>
-        <p:spPr>
-          <a:xfrm>
-            <a:off x="1828801" y="4647933"/>
+            <a:off x="1233748" y="3720614"/>
             <a:ext cx="304800" cy="190500"/>
           </a:xfrm>
           <a:prstGeom prst="flowChartProcess">
@@ -19278,15 +18956,7 @@
             </a:r>
             <a:r>
               <a:rPr lang="ru-RU" sz="1800" dirty="0" smtClean="0"/>
-              <a:t>начений локальных </a:t>
-            </a:r>
-            <a:r>
-              <a:rPr lang="ru-RU" sz="1800" dirty="0" smtClean="0"/>
-              <a:t>переменных или возвращаемых </a:t>
-            </a:r>
-            <a:r>
-              <a:rPr lang="ru-RU" sz="1800" dirty="0" smtClean="0"/>
-              <a:t>значений</a:t>
+              <a:t>начений локальных переменных или возвращаемых значений</a:t>
             </a:r>
             <a:endParaRPr lang="en-US" sz="1800" dirty="0" smtClean="0"/>
           </a:p>
@@ -19320,347 +18990,6 @@
               <a:t>Называем данные содержательно</a:t>
             </a:r>
             <a:endParaRPr lang="ru-RU" sz="2000" dirty="0"/>
-          </a:p>
-        </p:txBody>
-      </p:sp>
-      <p:sp>
-        <p:nvSpPr>
-          <p:cNvPr id="6" name="TextBox 5"/>
-          <p:cNvSpPr txBox="1"/>
-          <p:nvPr/>
-        </p:nvSpPr>
-        <p:spPr>
-          <a:xfrm>
-            <a:off x="838200" y="3120450"/>
-            <a:ext cx="5181599" cy="1200329"/>
-          </a:xfrm>
-          <a:prstGeom prst="rect">
-            <a:avLst/>
-          </a:prstGeom>
-          <a:solidFill>
-            <a:schemeClr val="tx1"/>
-          </a:solidFill>
-        </p:spPr>
-        <p:txBody>
-          <a:bodyPr wrap="square" rtlCol="0">
-            <a:spAutoFit/>
-          </a:bodyPr>
-          <a:lstStyle/>
-          <a:p>
-            <a:r>
-              <a:rPr lang="en-US" sz="1200" dirty="0">
-                <a:solidFill>
-                  <a:srgbClr val="569CD6"/>
-                </a:solidFill>
-                <a:latin typeface="Consolas" panose="020B0609020204030204" pitchFamily="49" charset="0"/>
-              </a:rPr>
-              <a:t>void</a:t>
-            </a:r>
-            <a:r>
-              <a:rPr lang="en-US" sz="1200" dirty="0">
-                <a:solidFill>
-                  <a:srgbClr val="D4D4D4"/>
-                </a:solidFill>
-                <a:latin typeface="Consolas" panose="020B0609020204030204" pitchFamily="49" charset="0"/>
-              </a:rPr>
-              <a:t> </a:t>
-            </a:r>
-            <a:r>
-              <a:rPr lang="en-US" sz="1200" dirty="0" err="1">
-                <a:solidFill>
-                  <a:srgbClr val="DCDCAA"/>
-                </a:solidFill>
-                <a:latin typeface="Consolas" panose="020B0609020204030204" pitchFamily="49" charset="0"/>
-              </a:rPr>
-              <a:t>PrintRoots</a:t>
-            </a:r>
-            <a:r>
-              <a:rPr lang="en-US" sz="1200" dirty="0">
-                <a:solidFill>
-                  <a:srgbClr val="D4D4D4"/>
-                </a:solidFill>
-                <a:latin typeface="Consolas" panose="020B0609020204030204" pitchFamily="49" charset="0"/>
-              </a:rPr>
-              <a:t>(</a:t>
-            </a:r>
-            <a:r>
-              <a:rPr lang="en-US" sz="1200" dirty="0">
-                <a:solidFill>
-                  <a:srgbClr val="569CD6"/>
-                </a:solidFill>
-                <a:latin typeface="Consolas" panose="020B0609020204030204" pitchFamily="49" charset="0"/>
-              </a:rPr>
-              <a:t>float</a:t>
-            </a:r>
-            <a:r>
-              <a:rPr lang="en-US" sz="1200" dirty="0">
-                <a:solidFill>
-                  <a:srgbClr val="D4D4D4"/>
-                </a:solidFill>
-                <a:latin typeface="Consolas" panose="020B0609020204030204" pitchFamily="49" charset="0"/>
-              </a:rPr>
-              <a:t> a, </a:t>
-            </a:r>
-            <a:r>
-              <a:rPr lang="en-US" sz="1200" dirty="0">
-                <a:solidFill>
-                  <a:srgbClr val="569CD6"/>
-                </a:solidFill>
-                <a:latin typeface="Consolas" panose="020B0609020204030204" pitchFamily="49" charset="0"/>
-              </a:rPr>
-              <a:t>float</a:t>
-            </a:r>
-            <a:r>
-              <a:rPr lang="en-US" sz="1200" dirty="0">
-                <a:solidFill>
-                  <a:srgbClr val="D4D4D4"/>
-                </a:solidFill>
-                <a:latin typeface="Consolas" panose="020B0609020204030204" pitchFamily="49" charset="0"/>
-              </a:rPr>
-              <a:t> b, </a:t>
-            </a:r>
-            <a:r>
-              <a:rPr lang="en-US" sz="1200" dirty="0">
-                <a:solidFill>
-                  <a:srgbClr val="569CD6"/>
-                </a:solidFill>
-                <a:latin typeface="Consolas" panose="020B0609020204030204" pitchFamily="49" charset="0"/>
-              </a:rPr>
-              <a:t>float</a:t>
-            </a:r>
-            <a:r>
-              <a:rPr lang="en-US" sz="1200" dirty="0">
-                <a:solidFill>
-                  <a:srgbClr val="D4D4D4"/>
-                </a:solidFill>
-                <a:latin typeface="Consolas" panose="020B0609020204030204" pitchFamily="49" charset="0"/>
-              </a:rPr>
-              <a:t> c) {</a:t>
-            </a:r>
-          </a:p>
-          <a:p>
-            <a:r>
-              <a:rPr lang="en-US" sz="1200" dirty="0">
-                <a:solidFill>
-                  <a:srgbClr val="D4D4D4"/>
-                </a:solidFill>
-                <a:latin typeface="Consolas" panose="020B0609020204030204" pitchFamily="49" charset="0"/>
-              </a:rPr>
-              <a:t>    </a:t>
-            </a:r>
-            <a:r>
-              <a:rPr lang="en-US" sz="1200" dirty="0">
-                <a:solidFill>
-                  <a:srgbClr val="569CD6"/>
-                </a:solidFill>
-                <a:latin typeface="Consolas" panose="020B0609020204030204" pitchFamily="49" charset="0"/>
-              </a:rPr>
-              <a:t>double</a:t>
-            </a:r>
-            <a:r>
-              <a:rPr lang="en-US" sz="1200" dirty="0">
-                <a:solidFill>
-                  <a:srgbClr val="D4D4D4"/>
-                </a:solidFill>
-                <a:latin typeface="Consolas" panose="020B0609020204030204" pitchFamily="49" charset="0"/>
-              </a:rPr>
-              <a:t> x2 = </a:t>
-            </a:r>
-            <a:r>
-              <a:rPr lang="en-US" sz="1200" dirty="0" err="1">
-                <a:solidFill>
-                  <a:srgbClr val="DCDCAA"/>
-                </a:solidFill>
-                <a:latin typeface="Consolas" panose="020B0609020204030204" pitchFamily="49" charset="0"/>
-              </a:rPr>
-              <a:t>sqrt</a:t>
-            </a:r>
-            <a:r>
-              <a:rPr lang="en-US" sz="1200" dirty="0">
-                <a:solidFill>
-                  <a:srgbClr val="D4D4D4"/>
-                </a:solidFill>
-                <a:latin typeface="Consolas" panose="020B0609020204030204" pitchFamily="49" charset="0"/>
-              </a:rPr>
-              <a:t>(b * b - </a:t>
-            </a:r>
-            <a:r>
-              <a:rPr lang="en-US" sz="1200" dirty="0">
-                <a:solidFill>
-                  <a:srgbClr val="B5CEA8"/>
-                </a:solidFill>
-                <a:latin typeface="Consolas" panose="020B0609020204030204" pitchFamily="49" charset="0"/>
-              </a:rPr>
-              <a:t>4</a:t>
-            </a:r>
-            <a:r>
-              <a:rPr lang="en-US" sz="1200" dirty="0">
-                <a:solidFill>
-                  <a:srgbClr val="D4D4D4"/>
-                </a:solidFill>
-                <a:latin typeface="Consolas" panose="020B0609020204030204" pitchFamily="49" charset="0"/>
-              </a:rPr>
-              <a:t> * a * c);</a:t>
-            </a:r>
-          </a:p>
-          <a:p>
-            <a:r>
-              <a:rPr lang="en-US" sz="1200" dirty="0">
-                <a:solidFill>
-                  <a:srgbClr val="D4D4D4"/>
-                </a:solidFill>
-                <a:latin typeface="Consolas" panose="020B0609020204030204" pitchFamily="49" charset="0"/>
-              </a:rPr>
-              <a:t>    </a:t>
-            </a:r>
-            <a:r>
-              <a:rPr lang="en-US" sz="1200" dirty="0">
-                <a:solidFill>
-                  <a:srgbClr val="569CD6"/>
-                </a:solidFill>
-                <a:latin typeface="Consolas" panose="020B0609020204030204" pitchFamily="49" charset="0"/>
-              </a:rPr>
-              <a:t>double</a:t>
-            </a:r>
-            <a:r>
-              <a:rPr lang="en-US" sz="1200" dirty="0">
-                <a:solidFill>
-                  <a:srgbClr val="D4D4D4"/>
-                </a:solidFill>
-                <a:latin typeface="Consolas" panose="020B0609020204030204" pitchFamily="49" charset="0"/>
-              </a:rPr>
-              <a:t> x1 = (- b + x2) / </a:t>
-            </a:r>
-            <a:r>
-              <a:rPr lang="en-US" sz="1200" dirty="0">
-                <a:solidFill>
-                  <a:srgbClr val="B5CEA8"/>
-                </a:solidFill>
-                <a:latin typeface="Consolas" panose="020B0609020204030204" pitchFamily="49" charset="0"/>
-              </a:rPr>
-              <a:t>2</a:t>
-            </a:r>
-            <a:r>
-              <a:rPr lang="en-US" sz="1200" dirty="0">
-                <a:solidFill>
-                  <a:srgbClr val="D4D4D4"/>
-                </a:solidFill>
-                <a:latin typeface="Consolas" panose="020B0609020204030204" pitchFamily="49" charset="0"/>
-              </a:rPr>
-              <a:t> / a;</a:t>
-            </a:r>
-          </a:p>
-          <a:p>
-            <a:r>
-              <a:rPr lang="en-US" sz="1200" dirty="0" smtClean="0">
-                <a:solidFill>
-                  <a:srgbClr val="D4D4D4"/>
-                </a:solidFill>
-                <a:latin typeface="Consolas" panose="020B0609020204030204" pitchFamily="49" charset="0"/>
-              </a:rPr>
-              <a:t>    </a:t>
-            </a:r>
-            <a:r>
-              <a:rPr lang="en-US" sz="1200" dirty="0" smtClean="0">
-                <a:solidFill>
-                  <a:srgbClr val="569CD6"/>
-                </a:solidFill>
-                <a:latin typeface="Consolas" panose="020B0609020204030204" pitchFamily="49" charset="0"/>
-              </a:rPr>
-              <a:t>double</a:t>
-            </a:r>
-            <a:r>
-              <a:rPr lang="en-US" sz="1200" dirty="0" smtClean="0">
-                <a:solidFill>
-                  <a:srgbClr val="D4D4D4"/>
-                </a:solidFill>
-                <a:latin typeface="Consolas" panose="020B0609020204030204" pitchFamily="49" charset="0"/>
-              </a:rPr>
-              <a:t> x2 = (- b - x2) / </a:t>
-            </a:r>
-            <a:r>
-              <a:rPr lang="en-US" sz="1200" dirty="0" smtClean="0">
-                <a:solidFill>
-                  <a:srgbClr val="B5CEA8"/>
-                </a:solidFill>
-                <a:latin typeface="Consolas" panose="020B0609020204030204" pitchFamily="49" charset="0"/>
-              </a:rPr>
-              <a:t>2</a:t>
-            </a:r>
-            <a:r>
-              <a:rPr lang="en-US" sz="1200" dirty="0" smtClean="0">
-                <a:solidFill>
-                  <a:srgbClr val="D4D4D4"/>
-                </a:solidFill>
-                <a:latin typeface="Consolas" panose="020B0609020204030204" pitchFamily="49" charset="0"/>
-              </a:rPr>
-              <a:t> / a;</a:t>
-            </a:r>
-          </a:p>
-          <a:p>
-            <a:r>
-              <a:rPr lang="en-US" sz="1200" dirty="0">
-                <a:solidFill>
-                  <a:srgbClr val="D4D4D4"/>
-                </a:solidFill>
-                <a:latin typeface="Consolas" panose="020B0609020204030204" pitchFamily="49" charset="0"/>
-              </a:rPr>
-              <a:t>    </a:t>
-            </a:r>
-            <a:r>
-              <a:rPr lang="en-US" sz="1200" dirty="0" err="1">
-                <a:solidFill>
-                  <a:srgbClr val="DCDCAA"/>
-                </a:solidFill>
-                <a:latin typeface="Consolas" panose="020B0609020204030204" pitchFamily="49" charset="0"/>
-              </a:rPr>
-              <a:t>printf</a:t>
-            </a:r>
-            <a:r>
-              <a:rPr lang="en-US" sz="1200" dirty="0">
-                <a:solidFill>
-                  <a:srgbClr val="D4D4D4"/>
-                </a:solidFill>
-                <a:latin typeface="Consolas" panose="020B0609020204030204" pitchFamily="49" charset="0"/>
-              </a:rPr>
-              <a:t>(</a:t>
-            </a:r>
-            <a:r>
-              <a:rPr lang="en-US" sz="1200" dirty="0">
-                <a:solidFill>
-                  <a:srgbClr val="CE9178"/>
-                </a:solidFill>
-                <a:latin typeface="Consolas" panose="020B0609020204030204" pitchFamily="49" charset="0"/>
-              </a:rPr>
-              <a:t>"%f %f"</a:t>
-            </a:r>
-            <a:r>
-              <a:rPr lang="en-US" sz="1200" dirty="0">
-                <a:solidFill>
-                  <a:srgbClr val="D4D4D4"/>
-                </a:solidFill>
-                <a:latin typeface="Consolas" panose="020B0609020204030204" pitchFamily="49" charset="0"/>
-              </a:rPr>
-              <a:t>, x1, x2);</a:t>
-            </a:r>
-          </a:p>
-          <a:p>
-            <a:r>
-              <a:rPr lang="en-US" sz="1200" dirty="0" smtClean="0">
-                <a:solidFill>
-                  <a:srgbClr val="D4D4D4"/>
-                </a:solidFill>
-                <a:latin typeface="Consolas" panose="020B0609020204030204" pitchFamily="49" charset="0"/>
-              </a:rPr>
-              <a:t>}</a:t>
-            </a:r>
-            <a:endParaRPr lang="en-US" sz="1200" b="0" dirty="0">
-              <a:solidFill>
-                <a:srgbClr val="D4D4D4"/>
-              </a:solidFill>
-              <a:effectLst/>
-              <a:latin typeface="Consolas" panose="020B0609020204030204" pitchFamily="49" charset="0"/>
-            </a:endParaRPr>
           </a:p>
         </p:txBody>
       </p:sp>
@@ -20070,7 +19399,378 @@
       </p:sp>
       <p:sp>
         <p:nvSpPr>
-          <p:cNvPr id="10" name="Flowchart: Process 9"/>
+          <p:cNvPr id="12" name="Flowchart: Process 11"/>
+          <p:cNvSpPr/>
+          <p:nvPr/>
+        </p:nvSpPr>
+        <p:spPr>
+          <a:xfrm>
+            <a:off x="1828801" y="4647933"/>
+            <a:ext cx="304800" cy="190500"/>
+          </a:xfrm>
+          <a:prstGeom prst="flowChartProcess">
+            <a:avLst/>
+          </a:prstGeom>
+          <a:solidFill>
+            <a:schemeClr val="accent1">
+              <a:alpha val="66000"/>
+            </a:schemeClr>
+          </a:solidFill>
+          <a:ln>
+            <a:noFill/>
+          </a:ln>
+        </p:spPr>
+        <p:style>
+          <a:lnRef idx="2">
+            <a:schemeClr val="accent1">
+              <a:shade val="50000"/>
+            </a:schemeClr>
+          </a:lnRef>
+          <a:fillRef idx="1">
+            <a:schemeClr val="accent1"/>
+          </a:fillRef>
+          <a:effectRef idx="0">
+            <a:schemeClr val="accent1"/>
+          </a:effectRef>
+          <a:fontRef idx="minor">
+            <a:schemeClr val="lt1"/>
+          </a:fontRef>
+        </p:style>
+        <p:txBody>
+          <a:bodyPr rtlCol="0" anchor="ctr"/>
+          <a:lstStyle/>
+          <a:p>
+            <a:pPr algn="ctr"/>
+            <a:endParaRPr lang="ru-RU"/>
+          </a:p>
+        </p:txBody>
+      </p:sp>
+      <p:sp>
+        <p:nvSpPr>
+          <p:cNvPr id="13" name="TextBox 12"/>
+          <p:cNvSpPr txBox="1"/>
+          <p:nvPr/>
+        </p:nvSpPr>
+        <p:spPr>
+          <a:xfrm>
+            <a:off x="838200" y="3120450"/>
+            <a:ext cx="5181599" cy="1200329"/>
+          </a:xfrm>
+          <a:prstGeom prst="rect">
+            <a:avLst/>
+          </a:prstGeom>
+          <a:solidFill>
+            <a:schemeClr val="tx1"/>
+          </a:solidFill>
+        </p:spPr>
+        <p:txBody>
+          <a:bodyPr wrap="square" rtlCol="0">
+            <a:spAutoFit/>
+          </a:bodyPr>
+          <a:lstStyle/>
+          <a:p>
+            <a:r>
+              <a:rPr lang="en-US" sz="1200" dirty="0">
+                <a:solidFill>
+                  <a:srgbClr val="569CD6"/>
+                </a:solidFill>
+                <a:latin typeface="Consolas" panose="020B0609020204030204" pitchFamily="49" charset="0"/>
+              </a:rPr>
+              <a:t>void</a:t>
+            </a:r>
+            <a:r>
+              <a:rPr lang="en-US" sz="1200" dirty="0">
+                <a:solidFill>
+                  <a:srgbClr val="D4D4D4"/>
+                </a:solidFill>
+                <a:latin typeface="Consolas" panose="020B0609020204030204" pitchFamily="49" charset="0"/>
+              </a:rPr>
+              <a:t> </a:t>
+            </a:r>
+            <a:r>
+              <a:rPr lang="en-US" sz="1200" dirty="0" err="1">
+                <a:solidFill>
+                  <a:srgbClr val="DCDCAA"/>
+                </a:solidFill>
+                <a:latin typeface="Consolas" panose="020B0609020204030204" pitchFamily="49" charset="0"/>
+              </a:rPr>
+              <a:t>PrintRoots</a:t>
+            </a:r>
+            <a:r>
+              <a:rPr lang="en-US" sz="1200" dirty="0">
+                <a:solidFill>
+                  <a:srgbClr val="D4D4D4"/>
+                </a:solidFill>
+                <a:latin typeface="Consolas" panose="020B0609020204030204" pitchFamily="49" charset="0"/>
+              </a:rPr>
+              <a:t>(</a:t>
+            </a:r>
+            <a:r>
+              <a:rPr lang="en-US" sz="1200" dirty="0">
+                <a:solidFill>
+                  <a:srgbClr val="569CD6"/>
+                </a:solidFill>
+                <a:latin typeface="Consolas" panose="020B0609020204030204" pitchFamily="49" charset="0"/>
+              </a:rPr>
+              <a:t>float</a:t>
+            </a:r>
+            <a:r>
+              <a:rPr lang="en-US" sz="1200" dirty="0">
+                <a:solidFill>
+                  <a:srgbClr val="D4D4D4"/>
+                </a:solidFill>
+                <a:latin typeface="Consolas" panose="020B0609020204030204" pitchFamily="49" charset="0"/>
+              </a:rPr>
+              <a:t> a, </a:t>
+            </a:r>
+            <a:r>
+              <a:rPr lang="en-US" sz="1200" dirty="0">
+                <a:solidFill>
+                  <a:srgbClr val="569CD6"/>
+                </a:solidFill>
+                <a:latin typeface="Consolas" panose="020B0609020204030204" pitchFamily="49" charset="0"/>
+              </a:rPr>
+              <a:t>float</a:t>
+            </a:r>
+            <a:r>
+              <a:rPr lang="en-US" sz="1200" dirty="0">
+                <a:solidFill>
+                  <a:srgbClr val="D4D4D4"/>
+                </a:solidFill>
+                <a:latin typeface="Consolas" panose="020B0609020204030204" pitchFamily="49" charset="0"/>
+              </a:rPr>
+              <a:t> b, </a:t>
+            </a:r>
+            <a:r>
+              <a:rPr lang="en-US" sz="1200" dirty="0">
+                <a:solidFill>
+                  <a:srgbClr val="569CD6"/>
+                </a:solidFill>
+                <a:latin typeface="Consolas" panose="020B0609020204030204" pitchFamily="49" charset="0"/>
+              </a:rPr>
+              <a:t>float</a:t>
+            </a:r>
+            <a:r>
+              <a:rPr lang="en-US" sz="1200" dirty="0">
+                <a:solidFill>
+                  <a:srgbClr val="D4D4D4"/>
+                </a:solidFill>
+                <a:latin typeface="Consolas" panose="020B0609020204030204" pitchFamily="49" charset="0"/>
+              </a:rPr>
+              <a:t> c) {</a:t>
+            </a:r>
+          </a:p>
+          <a:p>
+            <a:r>
+              <a:rPr lang="en-US" sz="1200" dirty="0">
+                <a:solidFill>
+                  <a:srgbClr val="D4D4D4"/>
+                </a:solidFill>
+                <a:latin typeface="Consolas" panose="020B0609020204030204" pitchFamily="49" charset="0"/>
+              </a:rPr>
+              <a:t>    </a:t>
+            </a:r>
+            <a:r>
+              <a:rPr lang="en-US" sz="1200" dirty="0">
+                <a:solidFill>
+                  <a:srgbClr val="569CD6"/>
+                </a:solidFill>
+                <a:latin typeface="Consolas" panose="020B0609020204030204" pitchFamily="49" charset="0"/>
+              </a:rPr>
+              <a:t>double</a:t>
+            </a:r>
+            <a:r>
+              <a:rPr lang="en-US" sz="1200" dirty="0">
+                <a:solidFill>
+                  <a:srgbClr val="D4D4D4"/>
+                </a:solidFill>
+                <a:latin typeface="Consolas" panose="020B0609020204030204" pitchFamily="49" charset="0"/>
+              </a:rPr>
+              <a:t> x2 = </a:t>
+            </a:r>
+            <a:r>
+              <a:rPr lang="en-US" sz="1200" dirty="0" err="1">
+                <a:solidFill>
+                  <a:srgbClr val="DCDCAA"/>
+                </a:solidFill>
+                <a:latin typeface="Consolas" panose="020B0609020204030204" pitchFamily="49" charset="0"/>
+              </a:rPr>
+              <a:t>sqrt</a:t>
+            </a:r>
+            <a:r>
+              <a:rPr lang="en-US" sz="1200" dirty="0">
+                <a:solidFill>
+                  <a:srgbClr val="D4D4D4"/>
+                </a:solidFill>
+                <a:latin typeface="Consolas" panose="020B0609020204030204" pitchFamily="49" charset="0"/>
+              </a:rPr>
+              <a:t>(b * b - </a:t>
+            </a:r>
+            <a:r>
+              <a:rPr lang="en-US" sz="1200" dirty="0">
+                <a:solidFill>
+                  <a:srgbClr val="B5CEA8"/>
+                </a:solidFill>
+                <a:latin typeface="Consolas" panose="020B0609020204030204" pitchFamily="49" charset="0"/>
+              </a:rPr>
+              <a:t>4</a:t>
+            </a:r>
+            <a:r>
+              <a:rPr lang="en-US" sz="1200" dirty="0">
+                <a:solidFill>
+                  <a:srgbClr val="D4D4D4"/>
+                </a:solidFill>
+                <a:latin typeface="Consolas" panose="020B0609020204030204" pitchFamily="49" charset="0"/>
+              </a:rPr>
+              <a:t> * a * c);</a:t>
+            </a:r>
+          </a:p>
+          <a:p>
+            <a:r>
+              <a:rPr lang="en-US" sz="1200" dirty="0">
+                <a:solidFill>
+                  <a:srgbClr val="D4D4D4"/>
+                </a:solidFill>
+                <a:latin typeface="Consolas" panose="020B0609020204030204" pitchFamily="49" charset="0"/>
+              </a:rPr>
+              <a:t>    </a:t>
+            </a:r>
+            <a:r>
+              <a:rPr lang="en-US" sz="1200" dirty="0">
+                <a:solidFill>
+                  <a:srgbClr val="569CD6"/>
+                </a:solidFill>
+                <a:latin typeface="Consolas" panose="020B0609020204030204" pitchFamily="49" charset="0"/>
+              </a:rPr>
+              <a:t>double</a:t>
+            </a:r>
+            <a:r>
+              <a:rPr lang="en-US" sz="1200" dirty="0">
+                <a:solidFill>
+                  <a:srgbClr val="D4D4D4"/>
+                </a:solidFill>
+                <a:latin typeface="Consolas" panose="020B0609020204030204" pitchFamily="49" charset="0"/>
+              </a:rPr>
+              <a:t> x1 = (- b + x2) / </a:t>
+            </a:r>
+            <a:r>
+              <a:rPr lang="en-US" sz="1200" dirty="0">
+                <a:solidFill>
+                  <a:srgbClr val="B5CEA8"/>
+                </a:solidFill>
+                <a:latin typeface="Consolas" panose="020B0609020204030204" pitchFamily="49" charset="0"/>
+              </a:rPr>
+              <a:t>2</a:t>
+            </a:r>
+            <a:r>
+              <a:rPr lang="en-US" sz="1200" dirty="0">
+                <a:solidFill>
+                  <a:srgbClr val="D4D4D4"/>
+                </a:solidFill>
+                <a:latin typeface="Consolas" panose="020B0609020204030204" pitchFamily="49" charset="0"/>
+              </a:rPr>
+              <a:t> / a;</a:t>
+            </a:r>
+          </a:p>
+          <a:p>
+            <a:r>
+              <a:rPr lang="en-US" sz="1200" dirty="0" smtClean="0">
+                <a:solidFill>
+                  <a:srgbClr val="D4D4D4"/>
+                </a:solidFill>
+                <a:latin typeface="Consolas" panose="020B0609020204030204" pitchFamily="49" charset="0"/>
+              </a:rPr>
+              <a:t>    x2 = (- b - x2) / </a:t>
+            </a:r>
+            <a:r>
+              <a:rPr lang="en-US" sz="1200" dirty="0" smtClean="0">
+                <a:solidFill>
+                  <a:srgbClr val="B5CEA8"/>
+                </a:solidFill>
+                <a:latin typeface="Consolas" panose="020B0609020204030204" pitchFamily="49" charset="0"/>
+              </a:rPr>
+              <a:t>2</a:t>
+            </a:r>
+            <a:r>
+              <a:rPr lang="en-US" sz="1200" dirty="0" smtClean="0">
+                <a:solidFill>
+                  <a:srgbClr val="D4D4D4"/>
+                </a:solidFill>
+                <a:latin typeface="Consolas" panose="020B0609020204030204" pitchFamily="49" charset="0"/>
+              </a:rPr>
+              <a:t> / a;</a:t>
+            </a:r>
+          </a:p>
+          <a:p>
+            <a:r>
+              <a:rPr lang="en-US" sz="1200" dirty="0">
+                <a:solidFill>
+                  <a:srgbClr val="D4D4D4"/>
+                </a:solidFill>
+                <a:latin typeface="Consolas" panose="020B0609020204030204" pitchFamily="49" charset="0"/>
+              </a:rPr>
+              <a:t>    </a:t>
+            </a:r>
+            <a:r>
+              <a:rPr lang="en-US" sz="1200" dirty="0" err="1">
+                <a:solidFill>
+                  <a:srgbClr val="DCDCAA"/>
+                </a:solidFill>
+                <a:latin typeface="Consolas" panose="020B0609020204030204" pitchFamily="49" charset="0"/>
+              </a:rPr>
+              <a:t>printf</a:t>
+            </a:r>
+            <a:r>
+              <a:rPr lang="en-US" sz="1200" dirty="0">
+                <a:solidFill>
+                  <a:srgbClr val="D4D4D4"/>
+                </a:solidFill>
+                <a:latin typeface="Consolas" panose="020B0609020204030204" pitchFamily="49" charset="0"/>
+              </a:rPr>
+              <a:t>(</a:t>
+            </a:r>
+            <a:r>
+              <a:rPr lang="en-US" sz="1200" dirty="0">
+                <a:solidFill>
+                  <a:srgbClr val="CE9178"/>
+                </a:solidFill>
+                <a:latin typeface="Consolas" panose="020B0609020204030204" pitchFamily="49" charset="0"/>
+              </a:rPr>
+              <a:t>"%f %f"</a:t>
+            </a:r>
+            <a:r>
+              <a:rPr lang="en-US" sz="1200" dirty="0">
+                <a:solidFill>
+                  <a:srgbClr val="D4D4D4"/>
+                </a:solidFill>
+                <a:latin typeface="Consolas" panose="020B0609020204030204" pitchFamily="49" charset="0"/>
+              </a:rPr>
+              <a:t>, x1, x2);</a:t>
+            </a:r>
+          </a:p>
+          <a:p>
+            <a:r>
+              <a:rPr lang="en-US" sz="1200" dirty="0" smtClean="0">
+                <a:solidFill>
+                  <a:srgbClr val="D4D4D4"/>
+                </a:solidFill>
+                <a:latin typeface="Consolas" panose="020B0609020204030204" pitchFamily="49" charset="0"/>
+              </a:rPr>
+              <a:t>}</a:t>
+            </a:r>
+            <a:endParaRPr lang="en-US" sz="1200" b="0" dirty="0">
+              <a:solidFill>
+                <a:srgbClr val="D4D4D4"/>
+              </a:solidFill>
+              <a:effectLst/>
+              <a:latin typeface="Consolas" panose="020B0609020204030204" pitchFamily="49" charset="0"/>
+            </a:endParaRPr>
+          </a:p>
+        </p:txBody>
+      </p:sp>
+      <p:sp>
+        <p:nvSpPr>
+          <p:cNvPr id="14" name="Flowchart: Process 7"/>
           <p:cNvSpPr/>
           <p:nvPr/>
         </p:nvSpPr>
@@ -20118,61 +19818,13 @@
       </p:sp>
       <p:sp>
         <p:nvSpPr>
-          <p:cNvPr id="11" name="Flowchart: Process 10"/>
+          <p:cNvPr id="15" name="Flowchart: Process 8"/>
           <p:cNvSpPr/>
           <p:nvPr/>
         </p:nvSpPr>
         <p:spPr>
           <a:xfrm>
-            <a:off x="1790701" y="3699450"/>
-            <a:ext cx="304800" cy="190500"/>
-          </a:xfrm>
-          <a:prstGeom prst="flowChartProcess">
-            <a:avLst/>
-          </a:prstGeom>
-          <a:solidFill>
-            <a:schemeClr val="accent1">
-              <a:alpha val="66000"/>
-            </a:schemeClr>
-          </a:solidFill>
-          <a:ln>
-            <a:noFill/>
-          </a:ln>
-        </p:spPr>
-        <p:style>
-          <a:lnRef idx="2">
-            <a:schemeClr val="accent1">
-              <a:shade val="50000"/>
-            </a:schemeClr>
-          </a:lnRef>
-          <a:fillRef idx="1">
-            <a:schemeClr val="accent1"/>
-          </a:fillRef>
-          <a:effectRef idx="0">
-            <a:schemeClr val="accent1"/>
-          </a:effectRef>
-          <a:fontRef idx="minor">
-            <a:schemeClr val="lt1"/>
-          </a:fontRef>
-        </p:style>
-        <p:txBody>
-          <a:bodyPr rtlCol="0" anchor="ctr"/>
-          <a:lstStyle/>
-          <a:p>
-            <a:pPr algn="ctr"/>
-            <a:endParaRPr lang="ru-RU"/>
-          </a:p>
-        </p:txBody>
-      </p:sp>
-      <p:sp>
-        <p:nvSpPr>
-          <p:cNvPr id="12" name="Flowchart: Process 11"/>
-          <p:cNvSpPr/>
-          <p:nvPr/>
-        </p:nvSpPr>
-        <p:spPr>
-          <a:xfrm>
-            <a:off x="1828801" y="4647933"/>
+            <a:off x="1233748" y="3720614"/>
             <a:ext cx="304800" cy="190500"/>
           </a:xfrm>
           <a:prstGeom prst="flowChartProcess">
@@ -20318,15 +19970,7 @@
             </a:r>
             <a:r>
               <a:rPr lang="ru-RU" sz="1800" dirty="0" smtClean="0"/>
-              <a:t>начений локальных </a:t>
-            </a:r>
-            <a:r>
-              <a:rPr lang="ru-RU" sz="1800" dirty="0" smtClean="0"/>
-              <a:t>переменных или возвращаемых </a:t>
-            </a:r>
-            <a:r>
-              <a:rPr lang="ru-RU" sz="1800" dirty="0" smtClean="0"/>
-              <a:t>значений</a:t>
+              <a:t>начений локальных переменных или возвращаемых значений</a:t>
             </a:r>
             <a:endParaRPr lang="en-US" sz="1800" dirty="0" smtClean="0"/>
           </a:p>
@@ -20360,347 +20004,6 @@
               <a:t>Называем данные содержательно</a:t>
             </a:r>
             <a:endParaRPr lang="ru-RU" sz="2000" dirty="0"/>
-          </a:p>
-        </p:txBody>
-      </p:sp>
-      <p:sp>
-        <p:nvSpPr>
-          <p:cNvPr id="6" name="TextBox 5"/>
-          <p:cNvSpPr txBox="1"/>
-          <p:nvPr/>
-        </p:nvSpPr>
-        <p:spPr>
-          <a:xfrm>
-            <a:off x="838200" y="3120450"/>
-            <a:ext cx="5181599" cy="1200329"/>
-          </a:xfrm>
-          <a:prstGeom prst="rect">
-            <a:avLst/>
-          </a:prstGeom>
-          <a:solidFill>
-            <a:schemeClr val="tx1"/>
-          </a:solidFill>
-        </p:spPr>
-        <p:txBody>
-          <a:bodyPr wrap="square" rtlCol="0">
-            <a:spAutoFit/>
-          </a:bodyPr>
-          <a:lstStyle/>
-          <a:p>
-            <a:r>
-              <a:rPr lang="en-US" sz="1200" dirty="0">
-                <a:solidFill>
-                  <a:srgbClr val="569CD6"/>
-                </a:solidFill>
-                <a:latin typeface="Consolas" panose="020B0609020204030204" pitchFamily="49" charset="0"/>
-              </a:rPr>
-              <a:t>void</a:t>
-            </a:r>
-            <a:r>
-              <a:rPr lang="en-US" sz="1200" dirty="0">
-                <a:solidFill>
-                  <a:srgbClr val="D4D4D4"/>
-                </a:solidFill>
-                <a:latin typeface="Consolas" panose="020B0609020204030204" pitchFamily="49" charset="0"/>
-              </a:rPr>
-              <a:t> </a:t>
-            </a:r>
-            <a:r>
-              <a:rPr lang="en-US" sz="1200" dirty="0" err="1">
-                <a:solidFill>
-                  <a:srgbClr val="DCDCAA"/>
-                </a:solidFill>
-                <a:latin typeface="Consolas" panose="020B0609020204030204" pitchFamily="49" charset="0"/>
-              </a:rPr>
-              <a:t>PrintRoots</a:t>
-            </a:r>
-            <a:r>
-              <a:rPr lang="en-US" sz="1200" dirty="0">
-                <a:solidFill>
-                  <a:srgbClr val="D4D4D4"/>
-                </a:solidFill>
-                <a:latin typeface="Consolas" panose="020B0609020204030204" pitchFamily="49" charset="0"/>
-              </a:rPr>
-              <a:t>(</a:t>
-            </a:r>
-            <a:r>
-              <a:rPr lang="en-US" sz="1200" dirty="0">
-                <a:solidFill>
-                  <a:srgbClr val="569CD6"/>
-                </a:solidFill>
-                <a:latin typeface="Consolas" panose="020B0609020204030204" pitchFamily="49" charset="0"/>
-              </a:rPr>
-              <a:t>float</a:t>
-            </a:r>
-            <a:r>
-              <a:rPr lang="en-US" sz="1200" dirty="0">
-                <a:solidFill>
-                  <a:srgbClr val="D4D4D4"/>
-                </a:solidFill>
-                <a:latin typeface="Consolas" panose="020B0609020204030204" pitchFamily="49" charset="0"/>
-              </a:rPr>
-              <a:t> a, </a:t>
-            </a:r>
-            <a:r>
-              <a:rPr lang="en-US" sz="1200" dirty="0">
-                <a:solidFill>
-                  <a:srgbClr val="569CD6"/>
-                </a:solidFill>
-                <a:latin typeface="Consolas" panose="020B0609020204030204" pitchFamily="49" charset="0"/>
-              </a:rPr>
-              <a:t>float</a:t>
-            </a:r>
-            <a:r>
-              <a:rPr lang="en-US" sz="1200" dirty="0">
-                <a:solidFill>
-                  <a:srgbClr val="D4D4D4"/>
-                </a:solidFill>
-                <a:latin typeface="Consolas" panose="020B0609020204030204" pitchFamily="49" charset="0"/>
-              </a:rPr>
-              <a:t> b, </a:t>
-            </a:r>
-            <a:r>
-              <a:rPr lang="en-US" sz="1200" dirty="0">
-                <a:solidFill>
-                  <a:srgbClr val="569CD6"/>
-                </a:solidFill>
-                <a:latin typeface="Consolas" panose="020B0609020204030204" pitchFamily="49" charset="0"/>
-              </a:rPr>
-              <a:t>float</a:t>
-            </a:r>
-            <a:r>
-              <a:rPr lang="en-US" sz="1200" dirty="0">
-                <a:solidFill>
-                  <a:srgbClr val="D4D4D4"/>
-                </a:solidFill>
-                <a:latin typeface="Consolas" panose="020B0609020204030204" pitchFamily="49" charset="0"/>
-              </a:rPr>
-              <a:t> c) {</a:t>
-            </a:r>
-          </a:p>
-          <a:p>
-            <a:r>
-              <a:rPr lang="en-US" sz="1200" dirty="0">
-                <a:solidFill>
-                  <a:srgbClr val="D4D4D4"/>
-                </a:solidFill>
-                <a:latin typeface="Consolas" panose="020B0609020204030204" pitchFamily="49" charset="0"/>
-              </a:rPr>
-              <a:t>    </a:t>
-            </a:r>
-            <a:r>
-              <a:rPr lang="en-US" sz="1200" dirty="0">
-                <a:solidFill>
-                  <a:srgbClr val="569CD6"/>
-                </a:solidFill>
-                <a:latin typeface="Consolas" panose="020B0609020204030204" pitchFamily="49" charset="0"/>
-              </a:rPr>
-              <a:t>double</a:t>
-            </a:r>
-            <a:r>
-              <a:rPr lang="en-US" sz="1200" dirty="0">
-                <a:solidFill>
-                  <a:srgbClr val="D4D4D4"/>
-                </a:solidFill>
-                <a:latin typeface="Consolas" panose="020B0609020204030204" pitchFamily="49" charset="0"/>
-              </a:rPr>
-              <a:t> x2 = </a:t>
-            </a:r>
-            <a:r>
-              <a:rPr lang="en-US" sz="1200" dirty="0" err="1">
-                <a:solidFill>
-                  <a:srgbClr val="DCDCAA"/>
-                </a:solidFill>
-                <a:latin typeface="Consolas" panose="020B0609020204030204" pitchFamily="49" charset="0"/>
-              </a:rPr>
-              <a:t>sqrt</a:t>
-            </a:r>
-            <a:r>
-              <a:rPr lang="en-US" sz="1200" dirty="0">
-                <a:solidFill>
-                  <a:srgbClr val="D4D4D4"/>
-                </a:solidFill>
-                <a:latin typeface="Consolas" panose="020B0609020204030204" pitchFamily="49" charset="0"/>
-              </a:rPr>
-              <a:t>(b * b - </a:t>
-            </a:r>
-            <a:r>
-              <a:rPr lang="en-US" sz="1200" dirty="0">
-                <a:solidFill>
-                  <a:srgbClr val="B5CEA8"/>
-                </a:solidFill>
-                <a:latin typeface="Consolas" panose="020B0609020204030204" pitchFamily="49" charset="0"/>
-              </a:rPr>
-              <a:t>4</a:t>
-            </a:r>
-            <a:r>
-              <a:rPr lang="en-US" sz="1200" dirty="0">
-                <a:solidFill>
-                  <a:srgbClr val="D4D4D4"/>
-                </a:solidFill>
-                <a:latin typeface="Consolas" panose="020B0609020204030204" pitchFamily="49" charset="0"/>
-              </a:rPr>
-              <a:t> * a * c);</a:t>
-            </a:r>
-          </a:p>
-          <a:p>
-            <a:r>
-              <a:rPr lang="en-US" sz="1200" dirty="0">
-                <a:solidFill>
-                  <a:srgbClr val="D4D4D4"/>
-                </a:solidFill>
-                <a:latin typeface="Consolas" panose="020B0609020204030204" pitchFamily="49" charset="0"/>
-              </a:rPr>
-              <a:t>    </a:t>
-            </a:r>
-            <a:r>
-              <a:rPr lang="en-US" sz="1200" dirty="0">
-                <a:solidFill>
-                  <a:srgbClr val="569CD6"/>
-                </a:solidFill>
-                <a:latin typeface="Consolas" panose="020B0609020204030204" pitchFamily="49" charset="0"/>
-              </a:rPr>
-              <a:t>double</a:t>
-            </a:r>
-            <a:r>
-              <a:rPr lang="en-US" sz="1200" dirty="0">
-                <a:solidFill>
-                  <a:srgbClr val="D4D4D4"/>
-                </a:solidFill>
-                <a:latin typeface="Consolas" panose="020B0609020204030204" pitchFamily="49" charset="0"/>
-              </a:rPr>
-              <a:t> x1 = (- b + x2) / </a:t>
-            </a:r>
-            <a:r>
-              <a:rPr lang="en-US" sz="1200" dirty="0">
-                <a:solidFill>
-                  <a:srgbClr val="B5CEA8"/>
-                </a:solidFill>
-                <a:latin typeface="Consolas" panose="020B0609020204030204" pitchFamily="49" charset="0"/>
-              </a:rPr>
-              <a:t>2</a:t>
-            </a:r>
-            <a:r>
-              <a:rPr lang="en-US" sz="1200" dirty="0">
-                <a:solidFill>
-                  <a:srgbClr val="D4D4D4"/>
-                </a:solidFill>
-                <a:latin typeface="Consolas" panose="020B0609020204030204" pitchFamily="49" charset="0"/>
-              </a:rPr>
-              <a:t> / a;</a:t>
-            </a:r>
-          </a:p>
-          <a:p>
-            <a:r>
-              <a:rPr lang="en-US" sz="1200" dirty="0" smtClean="0">
-                <a:solidFill>
-                  <a:srgbClr val="D4D4D4"/>
-                </a:solidFill>
-                <a:latin typeface="Consolas" panose="020B0609020204030204" pitchFamily="49" charset="0"/>
-              </a:rPr>
-              <a:t>    </a:t>
-            </a:r>
-            <a:r>
-              <a:rPr lang="en-US" sz="1200" dirty="0" smtClean="0">
-                <a:solidFill>
-                  <a:srgbClr val="569CD6"/>
-                </a:solidFill>
-                <a:latin typeface="Consolas" panose="020B0609020204030204" pitchFamily="49" charset="0"/>
-              </a:rPr>
-              <a:t>double</a:t>
-            </a:r>
-            <a:r>
-              <a:rPr lang="en-US" sz="1200" dirty="0" smtClean="0">
-                <a:solidFill>
-                  <a:srgbClr val="D4D4D4"/>
-                </a:solidFill>
-                <a:latin typeface="Consolas" panose="020B0609020204030204" pitchFamily="49" charset="0"/>
-              </a:rPr>
-              <a:t> x2 = (- b - x2) / </a:t>
-            </a:r>
-            <a:r>
-              <a:rPr lang="en-US" sz="1200" dirty="0" smtClean="0">
-                <a:solidFill>
-                  <a:srgbClr val="B5CEA8"/>
-                </a:solidFill>
-                <a:latin typeface="Consolas" panose="020B0609020204030204" pitchFamily="49" charset="0"/>
-              </a:rPr>
-              <a:t>2</a:t>
-            </a:r>
-            <a:r>
-              <a:rPr lang="en-US" sz="1200" dirty="0" smtClean="0">
-                <a:solidFill>
-                  <a:srgbClr val="D4D4D4"/>
-                </a:solidFill>
-                <a:latin typeface="Consolas" panose="020B0609020204030204" pitchFamily="49" charset="0"/>
-              </a:rPr>
-              <a:t> / a;</a:t>
-            </a:r>
-          </a:p>
-          <a:p>
-            <a:r>
-              <a:rPr lang="en-US" sz="1200" dirty="0">
-                <a:solidFill>
-                  <a:srgbClr val="D4D4D4"/>
-                </a:solidFill>
-                <a:latin typeface="Consolas" panose="020B0609020204030204" pitchFamily="49" charset="0"/>
-              </a:rPr>
-              <a:t>    </a:t>
-            </a:r>
-            <a:r>
-              <a:rPr lang="en-US" sz="1200" dirty="0" err="1">
-                <a:solidFill>
-                  <a:srgbClr val="DCDCAA"/>
-                </a:solidFill>
-                <a:latin typeface="Consolas" panose="020B0609020204030204" pitchFamily="49" charset="0"/>
-              </a:rPr>
-              <a:t>printf</a:t>
-            </a:r>
-            <a:r>
-              <a:rPr lang="en-US" sz="1200" dirty="0">
-                <a:solidFill>
-                  <a:srgbClr val="D4D4D4"/>
-                </a:solidFill>
-                <a:latin typeface="Consolas" panose="020B0609020204030204" pitchFamily="49" charset="0"/>
-              </a:rPr>
-              <a:t>(</a:t>
-            </a:r>
-            <a:r>
-              <a:rPr lang="en-US" sz="1200" dirty="0">
-                <a:solidFill>
-                  <a:srgbClr val="CE9178"/>
-                </a:solidFill>
-                <a:latin typeface="Consolas" panose="020B0609020204030204" pitchFamily="49" charset="0"/>
-              </a:rPr>
-              <a:t>"%f %f"</a:t>
-            </a:r>
-            <a:r>
-              <a:rPr lang="en-US" sz="1200" dirty="0">
-                <a:solidFill>
-                  <a:srgbClr val="D4D4D4"/>
-                </a:solidFill>
-                <a:latin typeface="Consolas" panose="020B0609020204030204" pitchFamily="49" charset="0"/>
-              </a:rPr>
-              <a:t>, x1, x2);</a:t>
-            </a:r>
-          </a:p>
-          <a:p>
-            <a:r>
-              <a:rPr lang="en-US" sz="1200" dirty="0" smtClean="0">
-                <a:solidFill>
-                  <a:srgbClr val="D4D4D4"/>
-                </a:solidFill>
-                <a:latin typeface="Consolas" panose="020B0609020204030204" pitchFamily="49" charset="0"/>
-              </a:rPr>
-              <a:t>}</a:t>
-            </a:r>
-            <a:endParaRPr lang="en-US" sz="1200" b="0" dirty="0">
-              <a:solidFill>
-                <a:srgbClr val="D4D4D4"/>
-              </a:solidFill>
-              <a:effectLst/>
-              <a:latin typeface="Consolas" panose="020B0609020204030204" pitchFamily="49" charset="0"/>
-            </a:endParaRPr>
           </a:p>
         </p:txBody>
       </p:sp>
@@ -21491,102 +20794,6 @@
               <a:effectLst/>
               <a:latin typeface="Consolas" panose="020B0609020204030204" pitchFamily="49" charset="0"/>
             </a:endParaRPr>
-          </a:p>
-        </p:txBody>
-      </p:sp>
-      <p:sp>
-        <p:nvSpPr>
-          <p:cNvPr id="9" name="Flowchart: Process 8"/>
-          <p:cNvSpPr/>
-          <p:nvPr/>
-        </p:nvSpPr>
-        <p:spPr>
-          <a:xfrm>
-            <a:off x="1790701" y="3362325"/>
-            <a:ext cx="304800" cy="190500"/>
-          </a:xfrm>
-          <a:prstGeom prst="flowChartProcess">
-            <a:avLst/>
-          </a:prstGeom>
-          <a:solidFill>
-            <a:schemeClr val="accent1">
-              <a:alpha val="66000"/>
-            </a:schemeClr>
-          </a:solidFill>
-          <a:ln>
-            <a:noFill/>
-          </a:ln>
-        </p:spPr>
-        <p:style>
-          <a:lnRef idx="2">
-            <a:schemeClr val="accent1">
-              <a:shade val="50000"/>
-            </a:schemeClr>
-          </a:lnRef>
-          <a:fillRef idx="1">
-            <a:schemeClr val="accent1"/>
-          </a:fillRef>
-          <a:effectRef idx="0">
-            <a:schemeClr val="accent1"/>
-          </a:effectRef>
-          <a:fontRef idx="minor">
-            <a:schemeClr val="lt1"/>
-          </a:fontRef>
-        </p:style>
-        <p:txBody>
-          <a:bodyPr rtlCol="0" anchor="ctr"/>
-          <a:lstStyle/>
-          <a:p>
-            <a:pPr algn="ctr"/>
-            <a:endParaRPr lang="ru-RU"/>
-          </a:p>
-        </p:txBody>
-      </p:sp>
-      <p:sp>
-        <p:nvSpPr>
-          <p:cNvPr id="10" name="Flowchart: Process 9"/>
-          <p:cNvSpPr/>
-          <p:nvPr/>
-        </p:nvSpPr>
-        <p:spPr>
-          <a:xfrm>
-            <a:off x="1790701" y="3699450"/>
-            <a:ext cx="304800" cy="190500"/>
-          </a:xfrm>
-          <a:prstGeom prst="flowChartProcess">
-            <a:avLst/>
-          </a:prstGeom>
-          <a:solidFill>
-            <a:schemeClr val="accent1">
-              <a:alpha val="66000"/>
-            </a:schemeClr>
-          </a:solidFill>
-          <a:ln>
-            <a:noFill/>
-          </a:ln>
-        </p:spPr>
-        <p:style>
-          <a:lnRef idx="2">
-            <a:schemeClr val="accent1">
-              <a:shade val="50000"/>
-            </a:schemeClr>
-          </a:lnRef>
-          <a:fillRef idx="1">
-            <a:schemeClr val="accent1"/>
-          </a:fillRef>
-          <a:effectRef idx="0">
-            <a:schemeClr val="accent1"/>
-          </a:effectRef>
-          <a:fontRef idx="minor">
-            <a:schemeClr val="lt1"/>
-          </a:fontRef>
-        </p:style>
-        <p:txBody>
-          <a:bodyPr rtlCol="0" anchor="ctr"/>
-          <a:lstStyle/>
-          <a:p>
-            <a:pPr algn="ctr"/>
-            <a:endParaRPr lang="ru-RU"/>
           </a:p>
         </p:txBody>
       </p:sp>
@@ -21648,6 +20855,425 @@
           <a:xfrm>
             <a:off x="7181851" y="3343275"/>
             <a:ext cx="1038224" cy="209550"/>
+          </a:xfrm>
+          <a:prstGeom prst="flowChartProcess">
+            <a:avLst/>
+          </a:prstGeom>
+          <a:solidFill>
+            <a:schemeClr val="accent1">
+              <a:alpha val="66000"/>
+            </a:schemeClr>
+          </a:solidFill>
+          <a:ln>
+            <a:noFill/>
+          </a:ln>
+        </p:spPr>
+        <p:style>
+          <a:lnRef idx="2">
+            <a:schemeClr val="accent1">
+              <a:shade val="50000"/>
+            </a:schemeClr>
+          </a:lnRef>
+          <a:fillRef idx="1">
+            <a:schemeClr val="accent1"/>
+          </a:fillRef>
+          <a:effectRef idx="0">
+            <a:schemeClr val="accent1"/>
+          </a:effectRef>
+          <a:fontRef idx="minor">
+            <a:schemeClr val="lt1"/>
+          </a:fontRef>
+        </p:style>
+        <p:txBody>
+          <a:bodyPr rtlCol="0" anchor="ctr"/>
+          <a:lstStyle/>
+          <a:p>
+            <a:pPr algn="ctr"/>
+            <a:endParaRPr lang="ru-RU"/>
+          </a:p>
+        </p:txBody>
+      </p:sp>
+      <p:sp>
+        <p:nvSpPr>
+          <p:cNvPr id="13" name="TextBox 12"/>
+          <p:cNvSpPr txBox="1"/>
+          <p:nvPr/>
+        </p:nvSpPr>
+        <p:spPr>
+          <a:xfrm>
+            <a:off x="838200" y="3120450"/>
+            <a:ext cx="5181599" cy="1200329"/>
+          </a:xfrm>
+          <a:prstGeom prst="rect">
+            <a:avLst/>
+          </a:prstGeom>
+          <a:solidFill>
+            <a:schemeClr val="tx1"/>
+          </a:solidFill>
+        </p:spPr>
+        <p:txBody>
+          <a:bodyPr wrap="square" rtlCol="0">
+            <a:spAutoFit/>
+          </a:bodyPr>
+          <a:lstStyle/>
+          <a:p>
+            <a:r>
+              <a:rPr lang="en-US" sz="1200" dirty="0">
+                <a:solidFill>
+                  <a:srgbClr val="569CD6"/>
+                </a:solidFill>
+                <a:latin typeface="Consolas" panose="020B0609020204030204" pitchFamily="49" charset="0"/>
+              </a:rPr>
+              <a:t>void</a:t>
+            </a:r>
+            <a:r>
+              <a:rPr lang="en-US" sz="1200" dirty="0">
+                <a:solidFill>
+                  <a:srgbClr val="D4D4D4"/>
+                </a:solidFill>
+                <a:latin typeface="Consolas" panose="020B0609020204030204" pitchFamily="49" charset="0"/>
+              </a:rPr>
+              <a:t> </a:t>
+            </a:r>
+            <a:r>
+              <a:rPr lang="en-US" sz="1200" dirty="0" err="1">
+                <a:solidFill>
+                  <a:srgbClr val="DCDCAA"/>
+                </a:solidFill>
+                <a:latin typeface="Consolas" panose="020B0609020204030204" pitchFamily="49" charset="0"/>
+              </a:rPr>
+              <a:t>PrintRoots</a:t>
+            </a:r>
+            <a:r>
+              <a:rPr lang="en-US" sz="1200" dirty="0">
+                <a:solidFill>
+                  <a:srgbClr val="D4D4D4"/>
+                </a:solidFill>
+                <a:latin typeface="Consolas" panose="020B0609020204030204" pitchFamily="49" charset="0"/>
+              </a:rPr>
+              <a:t>(</a:t>
+            </a:r>
+            <a:r>
+              <a:rPr lang="en-US" sz="1200" dirty="0">
+                <a:solidFill>
+                  <a:srgbClr val="569CD6"/>
+                </a:solidFill>
+                <a:latin typeface="Consolas" panose="020B0609020204030204" pitchFamily="49" charset="0"/>
+              </a:rPr>
+              <a:t>float</a:t>
+            </a:r>
+            <a:r>
+              <a:rPr lang="en-US" sz="1200" dirty="0">
+                <a:solidFill>
+                  <a:srgbClr val="D4D4D4"/>
+                </a:solidFill>
+                <a:latin typeface="Consolas" panose="020B0609020204030204" pitchFamily="49" charset="0"/>
+              </a:rPr>
+              <a:t> a, </a:t>
+            </a:r>
+            <a:r>
+              <a:rPr lang="en-US" sz="1200" dirty="0">
+                <a:solidFill>
+                  <a:srgbClr val="569CD6"/>
+                </a:solidFill>
+                <a:latin typeface="Consolas" panose="020B0609020204030204" pitchFamily="49" charset="0"/>
+              </a:rPr>
+              <a:t>float</a:t>
+            </a:r>
+            <a:r>
+              <a:rPr lang="en-US" sz="1200" dirty="0">
+                <a:solidFill>
+                  <a:srgbClr val="D4D4D4"/>
+                </a:solidFill>
+                <a:latin typeface="Consolas" panose="020B0609020204030204" pitchFamily="49" charset="0"/>
+              </a:rPr>
+              <a:t> b, </a:t>
+            </a:r>
+            <a:r>
+              <a:rPr lang="en-US" sz="1200" dirty="0">
+                <a:solidFill>
+                  <a:srgbClr val="569CD6"/>
+                </a:solidFill>
+                <a:latin typeface="Consolas" panose="020B0609020204030204" pitchFamily="49" charset="0"/>
+              </a:rPr>
+              <a:t>float</a:t>
+            </a:r>
+            <a:r>
+              <a:rPr lang="en-US" sz="1200" dirty="0">
+                <a:solidFill>
+                  <a:srgbClr val="D4D4D4"/>
+                </a:solidFill>
+                <a:latin typeface="Consolas" panose="020B0609020204030204" pitchFamily="49" charset="0"/>
+              </a:rPr>
+              <a:t> c) {</a:t>
+            </a:r>
+          </a:p>
+          <a:p>
+            <a:r>
+              <a:rPr lang="en-US" sz="1200" dirty="0">
+                <a:solidFill>
+                  <a:srgbClr val="D4D4D4"/>
+                </a:solidFill>
+                <a:latin typeface="Consolas" panose="020B0609020204030204" pitchFamily="49" charset="0"/>
+              </a:rPr>
+              <a:t>    </a:t>
+            </a:r>
+            <a:r>
+              <a:rPr lang="en-US" sz="1200" dirty="0">
+                <a:solidFill>
+                  <a:srgbClr val="569CD6"/>
+                </a:solidFill>
+                <a:latin typeface="Consolas" panose="020B0609020204030204" pitchFamily="49" charset="0"/>
+              </a:rPr>
+              <a:t>double</a:t>
+            </a:r>
+            <a:r>
+              <a:rPr lang="en-US" sz="1200" dirty="0">
+                <a:solidFill>
+                  <a:srgbClr val="D4D4D4"/>
+                </a:solidFill>
+                <a:latin typeface="Consolas" panose="020B0609020204030204" pitchFamily="49" charset="0"/>
+              </a:rPr>
+              <a:t> x2 = </a:t>
+            </a:r>
+            <a:r>
+              <a:rPr lang="en-US" sz="1200" dirty="0" err="1">
+                <a:solidFill>
+                  <a:srgbClr val="DCDCAA"/>
+                </a:solidFill>
+                <a:latin typeface="Consolas" panose="020B0609020204030204" pitchFamily="49" charset="0"/>
+              </a:rPr>
+              <a:t>sqrt</a:t>
+            </a:r>
+            <a:r>
+              <a:rPr lang="en-US" sz="1200" dirty="0">
+                <a:solidFill>
+                  <a:srgbClr val="D4D4D4"/>
+                </a:solidFill>
+                <a:latin typeface="Consolas" panose="020B0609020204030204" pitchFamily="49" charset="0"/>
+              </a:rPr>
+              <a:t>(b * b - </a:t>
+            </a:r>
+            <a:r>
+              <a:rPr lang="en-US" sz="1200" dirty="0">
+                <a:solidFill>
+                  <a:srgbClr val="B5CEA8"/>
+                </a:solidFill>
+                <a:latin typeface="Consolas" panose="020B0609020204030204" pitchFamily="49" charset="0"/>
+              </a:rPr>
+              <a:t>4</a:t>
+            </a:r>
+            <a:r>
+              <a:rPr lang="en-US" sz="1200" dirty="0">
+                <a:solidFill>
+                  <a:srgbClr val="D4D4D4"/>
+                </a:solidFill>
+                <a:latin typeface="Consolas" panose="020B0609020204030204" pitchFamily="49" charset="0"/>
+              </a:rPr>
+              <a:t> * a * c);</a:t>
+            </a:r>
+          </a:p>
+          <a:p>
+            <a:r>
+              <a:rPr lang="en-US" sz="1200" dirty="0">
+                <a:solidFill>
+                  <a:srgbClr val="D4D4D4"/>
+                </a:solidFill>
+                <a:latin typeface="Consolas" panose="020B0609020204030204" pitchFamily="49" charset="0"/>
+              </a:rPr>
+              <a:t>    </a:t>
+            </a:r>
+            <a:r>
+              <a:rPr lang="en-US" sz="1200" dirty="0">
+                <a:solidFill>
+                  <a:srgbClr val="569CD6"/>
+                </a:solidFill>
+                <a:latin typeface="Consolas" panose="020B0609020204030204" pitchFamily="49" charset="0"/>
+              </a:rPr>
+              <a:t>double</a:t>
+            </a:r>
+            <a:r>
+              <a:rPr lang="en-US" sz="1200" dirty="0">
+                <a:solidFill>
+                  <a:srgbClr val="D4D4D4"/>
+                </a:solidFill>
+                <a:latin typeface="Consolas" panose="020B0609020204030204" pitchFamily="49" charset="0"/>
+              </a:rPr>
+              <a:t> x1 = (- b + x2) / </a:t>
+            </a:r>
+            <a:r>
+              <a:rPr lang="en-US" sz="1200" dirty="0">
+                <a:solidFill>
+                  <a:srgbClr val="B5CEA8"/>
+                </a:solidFill>
+                <a:latin typeface="Consolas" panose="020B0609020204030204" pitchFamily="49" charset="0"/>
+              </a:rPr>
+              <a:t>2</a:t>
+            </a:r>
+            <a:r>
+              <a:rPr lang="en-US" sz="1200" dirty="0">
+                <a:solidFill>
+                  <a:srgbClr val="D4D4D4"/>
+                </a:solidFill>
+                <a:latin typeface="Consolas" panose="020B0609020204030204" pitchFamily="49" charset="0"/>
+              </a:rPr>
+              <a:t> / a;</a:t>
+            </a:r>
+          </a:p>
+          <a:p>
+            <a:r>
+              <a:rPr lang="en-US" sz="1200" dirty="0" smtClean="0">
+                <a:solidFill>
+                  <a:srgbClr val="D4D4D4"/>
+                </a:solidFill>
+                <a:latin typeface="Consolas" panose="020B0609020204030204" pitchFamily="49" charset="0"/>
+              </a:rPr>
+              <a:t>    x2 = (- b - x2) / </a:t>
+            </a:r>
+            <a:r>
+              <a:rPr lang="en-US" sz="1200" dirty="0" smtClean="0">
+                <a:solidFill>
+                  <a:srgbClr val="B5CEA8"/>
+                </a:solidFill>
+                <a:latin typeface="Consolas" panose="020B0609020204030204" pitchFamily="49" charset="0"/>
+              </a:rPr>
+              <a:t>2</a:t>
+            </a:r>
+            <a:r>
+              <a:rPr lang="en-US" sz="1200" dirty="0" smtClean="0">
+                <a:solidFill>
+                  <a:srgbClr val="D4D4D4"/>
+                </a:solidFill>
+                <a:latin typeface="Consolas" panose="020B0609020204030204" pitchFamily="49" charset="0"/>
+              </a:rPr>
+              <a:t> / a;</a:t>
+            </a:r>
+          </a:p>
+          <a:p>
+            <a:r>
+              <a:rPr lang="en-US" sz="1200" dirty="0">
+                <a:solidFill>
+                  <a:srgbClr val="D4D4D4"/>
+                </a:solidFill>
+                <a:latin typeface="Consolas" panose="020B0609020204030204" pitchFamily="49" charset="0"/>
+              </a:rPr>
+              <a:t>    </a:t>
+            </a:r>
+            <a:r>
+              <a:rPr lang="en-US" sz="1200" dirty="0" err="1">
+                <a:solidFill>
+                  <a:srgbClr val="DCDCAA"/>
+                </a:solidFill>
+                <a:latin typeface="Consolas" panose="020B0609020204030204" pitchFamily="49" charset="0"/>
+              </a:rPr>
+              <a:t>printf</a:t>
+            </a:r>
+            <a:r>
+              <a:rPr lang="en-US" sz="1200" dirty="0">
+                <a:solidFill>
+                  <a:srgbClr val="D4D4D4"/>
+                </a:solidFill>
+                <a:latin typeface="Consolas" panose="020B0609020204030204" pitchFamily="49" charset="0"/>
+              </a:rPr>
+              <a:t>(</a:t>
+            </a:r>
+            <a:r>
+              <a:rPr lang="en-US" sz="1200" dirty="0">
+                <a:solidFill>
+                  <a:srgbClr val="CE9178"/>
+                </a:solidFill>
+                <a:latin typeface="Consolas" panose="020B0609020204030204" pitchFamily="49" charset="0"/>
+              </a:rPr>
+              <a:t>"%f %f"</a:t>
+            </a:r>
+            <a:r>
+              <a:rPr lang="en-US" sz="1200" dirty="0">
+                <a:solidFill>
+                  <a:srgbClr val="D4D4D4"/>
+                </a:solidFill>
+                <a:latin typeface="Consolas" panose="020B0609020204030204" pitchFamily="49" charset="0"/>
+              </a:rPr>
+              <a:t>, x1, x2);</a:t>
+            </a:r>
+          </a:p>
+          <a:p>
+            <a:r>
+              <a:rPr lang="en-US" sz="1200" dirty="0" smtClean="0">
+                <a:solidFill>
+                  <a:srgbClr val="D4D4D4"/>
+                </a:solidFill>
+                <a:latin typeface="Consolas" panose="020B0609020204030204" pitchFamily="49" charset="0"/>
+              </a:rPr>
+              <a:t>}</a:t>
+            </a:r>
+            <a:endParaRPr lang="en-US" sz="1200" b="0" dirty="0">
+              <a:solidFill>
+                <a:srgbClr val="D4D4D4"/>
+              </a:solidFill>
+              <a:effectLst/>
+              <a:latin typeface="Consolas" panose="020B0609020204030204" pitchFamily="49" charset="0"/>
+            </a:endParaRPr>
+          </a:p>
+        </p:txBody>
+      </p:sp>
+      <p:sp>
+        <p:nvSpPr>
+          <p:cNvPr id="14" name="Flowchart: Process 7"/>
+          <p:cNvSpPr/>
+          <p:nvPr/>
+        </p:nvSpPr>
+        <p:spPr>
+          <a:xfrm>
+            <a:off x="1790701" y="3362325"/>
+            <a:ext cx="304800" cy="190500"/>
+          </a:xfrm>
+          <a:prstGeom prst="flowChartProcess">
+            <a:avLst/>
+          </a:prstGeom>
+          <a:solidFill>
+            <a:schemeClr val="accent1">
+              <a:alpha val="66000"/>
+            </a:schemeClr>
+          </a:solidFill>
+          <a:ln>
+            <a:noFill/>
+          </a:ln>
+        </p:spPr>
+        <p:style>
+          <a:lnRef idx="2">
+            <a:schemeClr val="accent1">
+              <a:shade val="50000"/>
+            </a:schemeClr>
+          </a:lnRef>
+          <a:fillRef idx="1">
+            <a:schemeClr val="accent1"/>
+          </a:fillRef>
+          <a:effectRef idx="0">
+            <a:schemeClr val="accent1"/>
+          </a:effectRef>
+          <a:fontRef idx="minor">
+            <a:schemeClr val="lt1"/>
+          </a:fontRef>
+        </p:style>
+        <p:txBody>
+          <a:bodyPr rtlCol="0" anchor="ctr"/>
+          <a:lstStyle/>
+          <a:p>
+            <a:pPr algn="ctr"/>
+            <a:endParaRPr lang="ru-RU"/>
+          </a:p>
+        </p:txBody>
+      </p:sp>
+      <p:sp>
+        <p:nvSpPr>
+          <p:cNvPr id="15" name="Flowchart: Process 8"/>
+          <p:cNvSpPr/>
+          <p:nvPr/>
+        </p:nvSpPr>
+        <p:spPr>
+          <a:xfrm>
+            <a:off x="1233748" y="3720614"/>
+            <a:ext cx="304800" cy="190500"/>
           </a:xfrm>
           <a:prstGeom prst="flowChartProcess">
             <a:avLst/>
@@ -21740,11 +21366,7 @@
           <a:p>
             <a:r>
               <a:rPr lang="ru-RU" dirty="0" smtClean="0"/>
-              <a:t>Зацепление по </a:t>
-            </a:r>
-            <a:r>
-              <a:rPr lang="ru-RU" dirty="0" smtClean="0"/>
-              <a:t>управлению</a:t>
+              <a:t>Зацепление по управлению</a:t>
             </a:r>
             <a:endParaRPr lang="ru-RU" dirty="0"/>
           </a:p>
@@ -21876,11 +21498,7 @@
           <a:p>
             <a:r>
               <a:rPr lang="ru-RU" dirty="0" smtClean="0"/>
-              <a:t>Зацепление по </a:t>
-            </a:r>
-            <a:r>
-              <a:rPr lang="ru-RU" dirty="0" smtClean="0"/>
-              <a:t>управлению</a:t>
+              <a:t>Зацепление по управлению</a:t>
             </a:r>
             <a:endParaRPr lang="ru-RU" dirty="0"/>
           </a:p>
@@ -22000,11 +21618,7 @@
           <a:p>
             <a:r>
               <a:rPr lang="ru-RU" dirty="0" smtClean="0"/>
-              <a:t>Зацепление по </a:t>
-            </a:r>
-            <a:r>
-              <a:rPr lang="ru-RU" dirty="0" smtClean="0"/>
-              <a:t>управлению</a:t>
+              <a:t>Зацепление по управлению</a:t>
             </a:r>
             <a:endParaRPr lang="ru-RU" dirty="0"/>
           </a:p>
@@ -22889,8 +22503,61 @@
                 </a:solidFill>
                 <a:latin typeface="Consolas" panose="020B0609020204030204" pitchFamily="49" charset="0"/>
               </a:rPr>
-              <a:t>, p);</a:t>
-            </a:r>
+              <a:t>, p</a:t>
+            </a:r>
+            <a:r>
+              <a:rPr lang="en-US" sz="1400" dirty="0" smtClean="0">
+                <a:solidFill>
+                  <a:srgbClr val="D4D4D4"/>
+                </a:solidFill>
+                <a:latin typeface="Consolas" panose="020B0609020204030204" pitchFamily="49" charset="0"/>
+              </a:rPr>
+              <a:t>);</a:t>
+            </a:r>
+          </a:p>
+          <a:p>
+            <a:r>
+              <a:rPr lang="en-US" sz="1400" dirty="0">
+                <a:solidFill>
+                  <a:srgbClr val="D4D4D4"/>
+                </a:solidFill>
+                <a:latin typeface="Consolas" panose="020B0609020204030204" pitchFamily="49" charset="0"/>
+              </a:rPr>
+              <a:t> </a:t>
+            </a:r>
+            <a:r>
+              <a:rPr lang="en-US" sz="1400" dirty="0" smtClean="0">
+                <a:solidFill>
+                  <a:srgbClr val="D4D4D4"/>
+                </a:solidFill>
+                <a:latin typeface="Consolas" panose="020B0609020204030204" pitchFamily="49" charset="0"/>
+              </a:rPr>
+              <a:t>           </a:t>
+            </a:r>
+            <a:r>
+              <a:rPr lang="en-US" sz="1400" dirty="0" err="1" smtClean="0">
+                <a:solidFill>
+                  <a:srgbClr val="D4D4D4"/>
+                </a:solidFill>
+                <a:latin typeface="Consolas" panose="020B0609020204030204" pitchFamily="49" charset="0"/>
+              </a:rPr>
+              <a:t>idx</a:t>
+            </a:r>
+            <a:r>
+              <a:rPr lang="en-US" sz="1400" dirty="0" smtClean="0">
+                <a:solidFill>
+                  <a:srgbClr val="D4D4D4"/>
+                </a:solidFill>
+                <a:latin typeface="Consolas" panose="020B0609020204030204" pitchFamily="49" charset="0"/>
+              </a:rPr>
+              <a:t> += 1;</a:t>
+            </a:r>
+            <a:endParaRPr lang="en-US" sz="1400" dirty="0">
+              <a:solidFill>
+                <a:srgbClr val="D4D4D4"/>
+              </a:solidFill>
+              <a:latin typeface="Consolas" panose="020B0609020204030204" pitchFamily="49" charset="0"/>
+            </a:endParaRPr>
           </a:p>
           <a:p>
             <a:r>
@@ -22942,7 +22609,7 @@
         </p:nvSpPr>
         <p:spPr>
           <a:xfrm>
-            <a:off x="1981200" y="4638675"/>
+            <a:off x="1981200" y="4522293"/>
             <a:ext cx="2857499" cy="647700"/>
           </a:xfrm>
           <a:prstGeom prst="flowChartProcess">
@@ -23205,11 +22872,7 @@
           <a:p>
             <a:r>
               <a:rPr lang="ru-RU" dirty="0" smtClean="0"/>
-              <a:t>Зацепление по </a:t>
-            </a:r>
-            <a:r>
-              <a:rPr lang="ru-RU" dirty="0" smtClean="0"/>
-              <a:t>управлению</a:t>
+              <a:t>Зацепление по управлению</a:t>
             </a:r>
             <a:endParaRPr lang="ru-RU" dirty="0"/>
           </a:p>
@@ -23269,7 +22932,7 @@
       </p:sp>
       <p:sp>
         <p:nvSpPr>
-          <p:cNvPr id="5" name="Flowchart: Process 4"/>
+          <p:cNvPr id="8" name="Flowchart: Process 4"/>
           <p:cNvSpPr/>
           <p:nvPr/>
         </p:nvSpPr>
@@ -24086,8 +23749,61 @@
                 </a:solidFill>
                 <a:latin typeface="Consolas" panose="020B0609020204030204" pitchFamily="49" charset="0"/>
               </a:rPr>
-              <a:t>, p);</a:t>
-            </a:r>
+              <a:t>, p</a:t>
+            </a:r>
+            <a:r>
+              <a:rPr lang="en-US" sz="1400" dirty="0" smtClean="0">
+                <a:solidFill>
+                  <a:srgbClr val="D4D4D4"/>
+                </a:solidFill>
+                <a:latin typeface="Consolas" panose="020B0609020204030204" pitchFamily="49" charset="0"/>
+              </a:rPr>
+              <a:t>);</a:t>
+            </a:r>
+          </a:p>
+          <a:p>
+            <a:r>
+              <a:rPr lang="en-US" sz="1400" dirty="0">
+                <a:solidFill>
+                  <a:srgbClr val="D4D4D4"/>
+                </a:solidFill>
+                <a:latin typeface="Consolas" panose="020B0609020204030204" pitchFamily="49" charset="0"/>
+              </a:rPr>
+              <a:t> </a:t>
+            </a:r>
+            <a:r>
+              <a:rPr lang="en-US" sz="1400" dirty="0" smtClean="0">
+                <a:solidFill>
+                  <a:srgbClr val="D4D4D4"/>
+                </a:solidFill>
+                <a:latin typeface="Consolas" panose="020B0609020204030204" pitchFamily="49" charset="0"/>
+              </a:rPr>
+              <a:t>           </a:t>
+            </a:r>
+            <a:r>
+              <a:rPr lang="en-US" sz="1400" dirty="0" err="1" smtClean="0">
+                <a:solidFill>
+                  <a:srgbClr val="D4D4D4"/>
+                </a:solidFill>
+                <a:latin typeface="Consolas" panose="020B0609020204030204" pitchFamily="49" charset="0"/>
+              </a:rPr>
+              <a:t>idx</a:t>
+            </a:r>
+            <a:r>
+              <a:rPr lang="en-US" sz="1400" dirty="0" smtClean="0">
+                <a:solidFill>
+                  <a:srgbClr val="D4D4D4"/>
+                </a:solidFill>
+                <a:latin typeface="Consolas" panose="020B0609020204030204" pitchFamily="49" charset="0"/>
+              </a:rPr>
+              <a:t> += 1;</a:t>
+            </a:r>
+            <a:endParaRPr lang="en-US" sz="1400" dirty="0">
+              <a:solidFill>
+                <a:srgbClr val="D4D4D4"/>
+              </a:solidFill>
+              <a:latin typeface="Consolas" panose="020B0609020204030204" pitchFamily="49" charset="0"/>
+            </a:endParaRPr>
           </a:p>
           <a:p>
             <a:r>
@@ -24133,13 +23849,13 @@
       </p:sp>
       <p:sp>
         <p:nvSpPr>
-          <p:cNvPr id="7" name="Flowchart: Process 6"/>
+          <p:cNvPr id="9" name="Flowchart: Process 6"/>
           <p:cNvSpPr/>
           <p:nvPr/>
         </p:nvSpPr>
         <p:spPr>
           <a:xfrm>
-            <a:off x="2000250" y="4638675"/>
+            <a:off x="1981200" y="4522293"/>
             <a:ext cx="2857499" cy="647700"/>
           </a:xfrm>
           <a:prstGeom prst="flowChartProcess">
@@ -24233,11 +23949,7 @@
           <a:p>
             <a:r>
               <a:rPr lang="ru-RU" dirty="0" smtClean="0"/>
-              <a:t>Зацепление по </a:t>
-            </a:r>
-            <a:r>
-              <a:rPr lang="ru-RU" dirty="0" smtClean="0"/>
-              <a:t>управлению</a:t>
+              <a:t>Зацепление по управлению</a:t>
             </a:r>
             <a:endParaRPr lang="ru-RU" dirty="0"/>
           </a:p>
@@ -24292,870 +24004,6 @@
               <a:t>Делаем модули максимально самодостаточными</a:t>
             </a:r>
             <a:endParaRPr lang="ru-RU" dirty="0"/>
-          </a:p>
-        </p:txBody>
-      </p:sp>
-      <p:sp>
-        <p:nvSpPr>
-          <p:cNvPr id="5" name="Flowchart: Process 4"/>
-          <p:cNvSpPr/>
-          <p:nvPr/>
-        </p:nvSpPr>
-        <p:spPr>
-          <a:xfrm>
-            <a:off x="838200" y="2886075"/>
-            <a:ext cx="5181600" cy="3290887"/>
-          </a:xfrm>
-          <a:prstGeom prst="flowChartProcess">
-            <a:avLst/>
-          </a:prstGeom>
-          <a:solidFill>
-            <a:schemeClr val="tx1"/>
-          </a:solidFill>
-          <a:ln>
-            <a:noFill/>
-          </a:ln>
-        </p:spPr>
-        <p:style>
-          <a:lnRef idx="2">
-            <a:schemeClr val="accent1">
-              <a:shade val="50000"/>
-            </a:schemeClr>
-          </a:lnRef>
-          <a:fillRef idx="1">
-            <a:schemeClr val="accent1"/>
-          </a:fillRef>
-          <a:effectRef idx="0">
-            <a:schemeClr val="accent1"/>
-          </a:effectRef>
-          <a:fontRef idx="minor">
-            <a:schemeClr val="lt1"/>
-          </a:fontRef>
-        </p:style>
-        <p:txBody>
-          <a:bodyPr rtlCol="0" anchor="ctr">
-            <a:normAutofit fontScale="92500"/>
-          </a:bodyPr>
-          <a:lstStyle/>
-          <a:p>
-            <a:r>
-              <a:rPr lang="en-US" sz="1400" dirty="0">
-                <a:solidFill>
-                  <a:srgbClr val="569CD6"/>
-                </a:solidFill>
-                <a:latin typeface="Consolas" panose="020B0609020204030204" pitchFamily="49" charset="0"/>
-              </a:rPr>
-              <a:t>struct</a:t>
-            </a:r>
-            <a:r>
-              <a:rPr lang="en-US" sz="1400" dirty="0">
-                <a:solidFill>
-                  <a:srgbClr val="D4D4D4"/>
-                </a:solidFill>
-                <a:latin typeface="Consolas" panose="020B0609020204030204" pitchFamily="49" charset="0"/>
-              </a:rPr>
-              <a:t> </a:t>
-            </a:r>
-            <a:r>
-              <a:rPr lang="en-US" sz="1400" dirty="0" err="1">
-                <a:solidFill>
-                  <a:srgbClr val="D4D4D4"/>
-                </a:solidFill>
-                <a:latin typeface="Consolas" panose="020B0609020204030204" pitchFamily="49" charset="0"/>
-              </a:rPr>
-              <a:t>TArrayOfInt</a:t>
-            </a:r>
-            <a:r>
-              <a:rPr lang="en-US" sz="1400" dirty="0">
-                <a:solidFill>
-                  <a:srgbClr val="D4D4D4"/>
-                </a:solidFill>
-                <a:latin typeface="Consolas" panose="020B0609020204030204" pitchFamily="49" charset="0"/>
-              </a:rPr>
-              <a:t>;</a:t>
-            </a:r>
-          </a:p>
-          <a:p>
-            <a:r>
-              <a:rPr lang="en-US" sz="1400" dirty="0">
-                <a:solidFill>
-                  <a:srgbClr val="569CD6"/>
-                </a:solidFill>
-                <a:latin typeface="Consolas" panose="020B0609020204030204" pitchFamily="49" charset="0"/>
-              </a:rPr>
-              <a:t>void</a:t>
-            </a:r>
-            <a:r>
-              <a:rPr lang="en-US" sz="1400" dirty="0">
-                <a:solidFill>
-                  <a:srgbClr val="D4D4D4"/>
-                </a:solidFill>
-                <a:latin typeface="Consolas" panose="020B0609020204030204" pitchFamily="49" charset="0"/>
-              </a:rPr>
-              <a:t> </a:t>
-            </a:r>
-            <a:r>
-              <a:rPr lang="en-US" sz="1400" dirty="0">
-                <a:solidFill>
-                  <a:srgbClr val="DCDCAA"/>
-                </a:solidFill>
-                <a:latin typeface="Consolas" panose="020B0609020204030204" pitchFamily="49" charset="0"/>
-              </a:rPr>
-              <a:t>Assign</a:t>
-            </a:r>
-            <a:r>
-              <a:rPr lang="en-US" sz="1400" dirty="0">
-                <a:solidFill>
-                  <a:srgbClr val="D4D4D4"/>
-                </a:solidFill>
-                <a:latin typeface="Consolas" panose="020B0609020204030204" pitchFamily="49" charset="0"/>
-              </a:rPr>
-              <a:t>(</a:t>
-            </a:r>
-            <a:r>
-              <a:rPr lang="en-US" sz="1400" dirty="0">
-                <a:solidFill>
-                  <a:srgbClr val="569CD6"/>
-                </a:solidFill>
-                <a:latin typeface="Consolas" panose="020B0609020204030204" pitchFamily="49" charset="0"/>
-              </a:rPr>
-              <a:t>struct</a:t>
-            </a:r>
-            <a:r>
-              <a:rPr lang="en-US" sz="1400" dirty="0">
-                <a:solidFill>
-                  <a:srgbClr val="D4D4D4"/>
-                </a:solidFill>
-                <a:latin typeface="Consolas" panose="020B0609020204030204" pitchFamily="49" charset="0"/>
-              </a:rPr>
-              <a:t> </a:t>
-            </a:r>
-            <a:r>
-              <a:rPr lang="en-US" sz="1400" dirty="0" err="1">
-                <a:solidFill>
-                  <a:srgbClr val="D4D4D4"/>
-                </a:solidFill>
-                <a:latin typeface="Consolas" panose="020B0609020204030204" pitchFamily="49" charset="0"/>
-              </a:rPr>
-              <a:t>TArrayOfInt</a:t>
-            </a:r>
-            <a:r>
-              <a:rPr lang="en-US" sz="1400" dirty="0">
-                <a:solidFill>
-                  <a:srgbClr val="D4D4D4"/>
-                </a:solidFill>
-                <a:latin typeface="Consolas" panose="020B0609020204030204" pitchFamily="49" charset="0"/>
-              </a:rPr>
-              <a:t>* </a:t>
-            </a:r>
-            <a:r>
-              <a:rPr lang="en-US" sz="1400" dirty="0">
-                <a:solidFill>
-                  <a:srgbClr val="9CDCFE"/>
-                </a:solidFill>
-                <a:latin typeface="Consolas" panose="020B0609020204030204" pitchFamily="49" charset="0"/>
-              </a:rPr>
-              <a:t>array</a:t>
-            </a:r>
-            <a:r>
-              <a:rPr lang="en-US" sz="1400" dirty="0">
-                <a:solidFill>
-                  <a:srgbClr val="D4D4D4"/>
-                </a:solidFill>
-                <a:latin typeface="Consolas" panose="020B0609020204030204" pitchFamily="49" charset="0"/>
-              </a:rPr>
-              <a:t>, </a:t>
-            </a:r>
-            <a:r>
-              <a:rPr lang="en-US" sz="1400" dirty="0">
-                <a:solidFill>
-                  <a:srgbClr val="569CD6"/>
-                </a:solidFill>
-                <a:latin typeface="Consolas" panose="020B0609020204030204" pitchFamily="49" charset="0"/>
-              </a:rPr>
-              <a:t>int</a:t>
-            </a:r>
-            <a:r>
-              <a:rPr lang="en-US" sz="1400" dirty="0">
-                <a:solidFill>
-                  <a:srgbClr val="D4D4D4"/>
-                </a:solidFill>
-                <a:latin typeface="Consolas" panose="020B0609020204030204" pitchFamily="49" charset="0"/>
-              </a:rPr>
-              <a:t> </a:t>
-            </a:r>
-            <a:r>
-              <a:rPr lang="en-US" sz="1400" dirty="0" err="1" smtClean="0">
-                <a:solidFill>
-                  <a:srgbClr val="9CDCFE"/>
-                </a:solidFill>
-                <a:latin typeface="Consolas" panose="020B0609020204030204" pitchFamily="49" charset="0"/>
-              </a:rPr>
-              <a:t>i</a:t>
-            </a:r>
-            <a:r>
-              <a:rPr lang="en-US" sz="1400" dirty="0" smtClean="0">
-                <a:solidFill>
-                  <a:srgbClr val="D4D4D4"/>
-                </a:solidFill>
-                <a:latin typeface="Consolas" panose="020B0609020204030204" pitchFamily="49" charset="0"/>
-              </a:rPr>
-              <a:t>,</a:t>
-            </a:r>
-            <a:r>
-              <a:rPr lang="en-US" sz="1400" dirty="0">
-                <a:solidFill>
-                  <a:srgbClr val="D4D4D4"/>
-                </a:solidFill>
-                <a:latin typeface="Consolas" panose="020B0609020204030204" pitchFamily="49" charset="0"/>
-              </a:rPr>
-              <a:t> </a:t>
-            </a:r>
-            <a:r>
-              <a:rPr lang="en-US" sz="1400" dirty="0">
-                <a:solidFill>
-                  <a:srgbClr val="569CD6"/>
-                </a:solidFill>
-                <a:latin typeface="Consolas" panose="020B0609020204030204" pitchFamily="49" charset="0"/>
-              </a:rPr>
-              <a:t>int</a:t>
-            </a:r>
-            <a:r>
-              <a:rPr lang="en-US" sz="1400" dirty="0">
-                <a:solidFill>
-                  <a:srgbClr val="D4D4D4"/>
-                </a:solidFill>
-                <a:latin typeface="Consolas" panose="020B0609020204030204" pitchFamily="49" charset="0"/>
-              </a:rPr>
-              <a:t> </a:t>
-            </a:r>
-            <a:r>
-              <a:rPr lang="en-US" sz="1400" dirty="0" smtClean="0">
-                <a:solidFill>
-                  <a:srgbClr val="9CDCFE"/>
-                </a:solidFill>
-                <a:latin typeface="Consolas" panose="020B0609020204030204" pitchFamily="49" charset="0"/>
-              </a:rPr>
-              <a:t>v</a:t>
-            </a:r>
-            <a:r>
-              <a:rPr lang="en-US" sz="1400" dirty="0" smtClean="0">
-                <a:solidFill>
-                  <a:srgbClr val="D4D4D4"/>
-                </a:solidFill>
-                <a:latin typeface="Consolas" panose="020B0609020204030204" pitchFamily="49" charset="0"/>
-              </a:rPr>
-              <a:t>);</a:t>
-            </a:r>
-            <a:endParaRPr lang="en-US" sz="1400" dirty="0">
-              <a:solidFill>
-                <a:srgbClr val="D4D4D4"/>
-              </a:solidFill>
-              <a:latin typeface="Consolas" panose="020B0609020204030204" pitchFamily="49" charset="0"/>
-            </a:endParaRPr>
-          </a:p>
-          <a:p>
-            <a:r>
-              <a:rPr lang="en-US" sz="1400" dirty="0">
-                <a:solidFill>
-                  <a:srgbClr val="D4D4D4"/>
-                </a:solidFill>
-                <a:latin typeface="Consolas" panose="020B0609020204030204" pitchFamily="49" charset="0"/>
-              </a:rPr>
-              <a:t/>
-            </a:r>
-            <a:br>
-              <a:rPr lang="en-US" sz="1400" dirty="0">
-                <a:solidFill>
-                  <a:srgbClr val="D4D4D4"/>
-                </a:solidFill>
-                <a:latin typeface="Consolas" panose="020B0609020204030204" pitchFamily="49" charset="0"/>
-              </a:rPr>
-            </a:br>
-            <a:endParaRPr lang="en-US" sz="1400" dirty="0">
-              <a:solidFill>
-                <a:srgbClr val="D4D4D4"/>
-              </a:solidFill>
-              <a:latin typeface="Consolas" panose="020B0609020204030204" pitchFamily="49" charset="0"/>
-            </a:endParaRPr>
-          </a:p>
-          <a:p>
-            <a:r>
-              <a:rPr lang="en-US" sz="1400" dirty="0" smtClean="0">
-                <a:solidFill>
-                  <a:srgbClr val="569CD6"/>
-                </a:solidFill>
-                <a:latin typeface="Consolas" panose="020B0609020204030204" pitchFamily="49" charset="0"/>
-              </a:rPr>
-              <a:t>void</a:t>
-            </a:r>
-            <a:r>
-              <a:rPr lang="en-US" sz="1400" dirty="0" smtClean="0">
-                <a:solidFill>
-                  <a:srgbClr val="D4D4D4"/>
-                </a:solidFill>
-                <a:latin typeface="Consolas" panose="020B0609020204030204" pitchFamily="49" charset="0"/>
-              </a:rPr>
-              <a:t> </a:t>
-            </a:r>
-            <a:r>
-              <a:rPr lang="en-US" sz="1400" dirty="0" err="1" smtClean="0">
-                <a:solidFill>
-                  <a:srgbClr val="DCDCAA"/>
-                </a:solidFill>
-                <a:latin typeface="Consolas" panose="020B0609020204030204" pitchFamily="49" charset="0"/>
-              </a:rPr>
-              <a:t>MakePrimes</a:t>
-            </a:r>
-            <a:r>
-              <a:rPr lang="en-US" sz="1400" dirty="0" smtClean="0">
-                <a:solidFill>
-                  <a:srgbClr val="D4D4D4"/>
-                </a:solidFill>
-                <a:latin typeface="Consolas" panose="020B0609020204030204" pitchFamily="49" charset="0"/>
-              </a:rPr>
-              <a:t>(</a:t>
-            </a:r>
-            <a:r>
-              <a:rPr lang="en-US" sz="1400" dirty="0" smtClean="0">
-                <a:solidFill>
-                  <a:srgbClr val="569CD6"/>
-                </a:solidFill>
-                <a:latin typeface="Consolas" panose="020B0609020204030204" pitchFamily="49" charset="0"/>
-              </a:rPr>
-              <a:t>int</a:t>
-            </a:r>
-            <a:r>
-              <a:rPr lang="en-US" sz="1400" dirty="0" smtClean="0">
-                <a:solidFill>
-                  <a:srgbClr val="D4D4D4"/>
-                </a:solidFill>
-                <a:latin typeface="Consolas" panose="020B0609020204030204" pitchFamily="49" charset="0"/>
-              </a:rPr>
-              <a:t> </a:t>
-            </a:r>
-            <a:r>
-              <a:rPr lang="en-US" sz="1400" dirty="0" smtClean="0">
-                <a:solidFill>
-                  <a:srgbClr val="9CDCFE"/>
-                </a:solidFill>
-                <a:latin typeface="Consolas" panose="020B0609020204030204" pitchFamily="49" charset="0"/>
-              </a:rPr>
-              <a:t>n</a:t>
-            </a:r>
-            <a:r>
-              <a:rPr lang="en-US" sz="1400" dirty="0" smtClean="0">
-                <a:solidFill>
-                  <a:srgbClr val="D4D4D4"/>
-                </a:solidFill>
-                <a:latin typeface="Consolas" panose="020B0609020204030204" pitchFamily="49" charset="0"/>
-              </a:rPr>
-              <a:t>, </a:t>
-            </a:r>
-            <a:r>
-              <a:rPr lang="en-US" sz="1400" dirty="0" smtClean="0">
-                <a:solidFill>
-                  <a:srgbClr val="569CD6"/>
-                </a:solidFill>
-                <a:latin typeface="Consolas" panose="020B0609020204030204" pitchFamily="49" charset="0"/>
-              </a:rPr>
-              <a:t>struct</a:t>
-            </a:r>
-            <a:r>
-              <a:rPr lang="en-US" sz="1400" dirty="0" smtClean="0">
-                <a:solidFill>
-                  <a:srgbClr val="D4D4D4"/>
-                </a:solidFill>
-                <a:latin typeface="Consolas" panose="020B0609020204030204" pitchFamily="49" charset="0"/>
-              </a:rPr>
-              <a:t> </a:t>
-            </a:r>
-            <a:r>
-              <a:rPr lang="en-US" sz="1400" dirty="0" err="1" smtClean="0">
-                <a:solidFill>
-                  <a:srgbClr val="D4D4D4"/>
-                </a:solidFill>
-                <a:latin typeface="Consolas" panose="020B0609020204030204" pitchFamily="49" charset="0"/>
-              </a:rPr>
-              <a:t>TArrayOfInt</a:t>
-            </a:r>
-            <a:r>
-              <a:rPr lang="en-US" sz="1400" dirty="0" smtClean="0">
-                <a:solidFill>
-                  <a:srgbClr val="D4D4D4"/>
-                </a:solidFill>
-                <a:latin typeface="Consolas" panose="020B0609020204030204" pitchFamily="49" charset="0"/>
-              </a:rPr>
-              <a:t>* </a:t>
-            </a:r>
-            <a:r>
-              <a:rPr lang="en-US" sz="1400" dirty="0" smtClean="0">
-                <a:solidFill>
-                  <a:srgbClr val="9CDCFE"/>
-                </a:solidFill>
-                <a:latin typeface="Consolas" panose="020B0609020204030204" pitchFamily="49" charset="0"/>
-              </a:rPr>
-              <a:t>array</a:t>
-            </a:r>
-            <a:r>
-              <a:rPr lang="en-US" sz="1400" dirty="0" smtClean="0">
-                <a:solidFill>
-                  <a:srgbClr val="D4D4D4"/>
-                </a:solidFill>
-                <a:latin typeface="Consolas" panose="020B0609020204030204" pitchFamily="49" charset="0"/>
-              </a:rPr>
-              <a:t>) {</a:t>
-            </a:r>
-          </a:p>
-          <a:p>
-            <a:r>
-              <a:rPr lang="en-US" sz="1400" dirty="0">
-                <a:solidFill>
-                  <a:srgbClr val="D4D4D4"/>
-                </a:solidFill>
-                <a:latin typeface="Consolas" panose="020B0609020204030204" pitchFamily="49" charset="0"/>
-              </a:rPr>
-              <a:t>    </a:t>
-            </a:r>
-            <a:r>
-              <a:rPr lang="en-US" sz="1400" dirty="0">
-                <a:solidFill>
-                  <a:srgbClr val="569CD6"/>
-                </a:solidFill>
-                <a:latin typeface="Consolas" panose="020B0609020204030204" pitchFamily="49" charset="0"/>
-              </a:rPr>
-              <a:t>int</a:t>
-            </a:r>
-            <a:r>
-              <a:rPr lang="en-US" sz="1400" dirty="0">
-                <a:solidFill>
-                  <a:srgbClr val="D4D4D4"/>
-                </a:solidFill>
-                <a:latin typeface="Consolas" panose="020B0609020204030204" pitchFamily="49" charset="0"/>
-              </a:rPr>
-              <a:t> </a:t>
-            </a:r>
-            <a:r>
-              <a:rPr lang="en-US" sz="1400" dirty="0" err="1">
-                <a:solidFill>
-                  <a:srgbClr val="D4D4D4"/>
-                </a:solidFill>
-                <a:latin typeface="Consolas" panose="020B0609020204030204" pitchFamily="49" charset="0"/>
-              </a:rPr>
-              <a:t>idx</a:t>
-            </a:r>
-            <a:r>
-              <a:rPr lang="en-US" sz="1400" dirty="0">
-                <a:solidFill>
-                  <a:srgbClr val="D4D4D4"/>
-                </a:solidFill>
-                <a:latin typeface="Consolas" panose="020B0609020204030204" pitchFamily="49" charset="0"/>
-              </a:rPr>
-              <a:t> = </a:t>
-            </a:r>
-            <a:r>
-              <a:rPr lang="en-US" sz="1400" dirty="0">
-                <a:solidFill>
-                  <a:srgbClr val="B5CEA8"/>
-                </a:solidFill>
-                <a:latin typeface="Consolas" panose="020B0609020204030204" pitchFamily="49" charset="0"/>
-              </a:rPr>
-              <a:t>0</a:t>
-            </a:r>
-            <a:r>
-              <a:rPr lang="en-US" sz="1400" dirty="0">
-                <a:solidFill>
-                  <a:srgbClr val="D4D4D4"/>
-                </a:solidFill>
-                <a:latin typeface="Consolas" panose="020B0609020204030204" pitchFamily="49" charset="0"/>
-              </a:rPr>
-              <a:t>;</a:t>
-            </a:r>
-          </a:p>
-          <a:p>
-            <a:r>
-              <a:rPr lang="en-US" sz="1400" dirty="0">
-                <a:solidFill>
-                  <a:srgbClr val="D4D4D4"/>
-                </a:solidFill>
-                <a:latin typeface="Consolas" panose="020B0609020204030204" pitchFamily="49" charset="0"/>
-              </a:rPr>
-              <a:t>    </a:t>
-            </a:r>
-            <a:r>
-              <a:rPr lang="en-US" sz="1400" dirty="0">
-                <a:solidFill>
-                  <a:srgbClr val="C586C0"/>
-                </a:solidFill>
-                <a:latin typeface="Consolas" panose="020B0609020204030204" pitchFamily="49" charset="0"/>
-              </a:rPr>
-              <a:t>for</a:t>
-            </a:r>
-            <a:r>
-              <a:rPr lang="en-US" sz="1400" dirty="0">
-                <a:solidFill>
-                  <a:srgbClr val="D4D4D4"/>
-                </a:solidFill>
-                <a:latin typeface="Consolas" panose="020B0609020204030204" pitchFamily="49" charset="0"/>
-              </a:rPr>
-              <a:t> (</a:t>
-            </a:r>
-            <a:r>
-              <a:rPr lang="en-US" sz="1400" dirty="0">
-                <a:solidFill>
-                  <a:srgbClr val="569CD6"/>
-                </a:solidFill>
-                <a:latin typeface="Consolas" panose="020B0609020204030204" pitchFamily="49" charset="0"/>
-              </a:rPr>
-              <a:t>int</a:t>
-            </a:r>
-            <a:r>
-              <a:rPr lang="en-US" sz="1400" dirty="0">
-                <a:solidFill>
-                  <a:srgbClr val="D4D4D4"/>
-                </a:solidFill>
-                <a:latin typeface="Consolas" panose="020B0609020204030204" pitchFamily="49" charset="0"/>
-              </a:rPr>
-              <a:t> p = </a:t>
-            </a:r>
-            <a:r>
-              <a:rPr lang="en-US" sz="1400" dirty="0">
-                <a:solidFill>
-                  <a:srgbClr val="B5CEA8"/>
-                </a:solidFill>
-                <a:latin typeface="Consolas" panose="020B0609020204030204" pitchFamily="49" charset="0"/>
-              </a:rPr>
-              <a:t>2</a:t>
-            </a:r>
-            <a:r>
-              <a:rPr lang="en-US" sz="1400" dirty="0">
-                <a:solidFill>
-                  <a:srgbClr val="D4D4D4"/>
-                </a:solidFill>
-                <a:latin typeface="Consolas" panose="020B0609020204030204" pitchFamily="49" charset="0"/>
-              </a:rPr>
-              <a:t>; p &lt; n; ++p) {</a:t>
-            </a:r>
-          </a:p>
-          <a:p>
-            <a:r>
-              <a:rPr lang="en-US" sz="1400" dirty="0">
-                <a:solidFill>
-                  <a:srgbClr val="D4D4D4"/>
-                </a:solidFill>
-                <a:latin typeface="Consolas" panose="020B0609020204030204" pitchFamily="49" charset="0"/>
-              </a:rPr>
-              <a:t>        </a:t>
-            </a:r>
-            <a:r>
-              <a:rPr lang="en-US" sz="1400" dirty="0">
-                <a:solidFill>
-                  <a:srgbClr val="C586C0"/>
-                </a:solidFill>
-                <a:latin typeface="Consolas" panose="020B0609020204030204" pitchFamily="49" charset="0"/>
-              </a:rPr>
-              <a:t>if</a:t>
-            </a:r>
-            <a:r>
-              <a:rPr lang="en-US" sz="1400" dirty="0">
-                <a:solidFill>
-                  <a:srgbClr val="D4D4D4"/>
-                </a:solidFill>
-                <a:latin typeface="Consolas" panose="020B0609020204030204" pitchFamily="49" charset="0"/>
-              </a:rPr>
-              <a:t> (</a:t>
-            </a:r>
-            <a:r>
-              <a:rPr lang="en-US" sz="1400" dirty="0" err="1">
-                <a:solidFill>
-                  <a:srgbClr val="DCDCAA"/>
-                </a:solidFill>
-                <a:latin typeface="Consolas" panose="020B0609020204030204" pitchFamily="49" charset="0"/>
-              </a:rPr>
-              <a:t>IsPrime</a:t>
-            </a:r>
-            <a:r>
-              <a:rPr lang="en-US" sz="1400" dirty="0">
-                <a:solidFill>
-                  <a:srgbClr val="D4D4D4"/>
-                </a:solidFill>
-                <a:latin typeface="Consolas" panose="020B0609020204030204" pitchFamily="49" charset="0"/>
-              </a:rPr>
-              <a:t>(p)) {</a:t>
-            </a:r>
-          </a:p>
-          <a:p>
-            <a:r>
-              <a:rPr lang="en-US" sz="1400" dirty="0">
-                <a:solidFill>
-                  <a:srgbClr val="D4D4D4"/>
-                </a:solidFill>
-                <a:latin typeface="Consolas" panose="020B0609020204030204" pitchFamily="49" charset="0"/>
-              </a:rPr>
-              <a:t>            </a:t>
-            </a:r>
-            <a:r>
-              <a:rPr lang="en-US" sz="1400" dirty="0">
-                <a:solidFill>
-                  <a:srgbClr val="C586C0"/>
-                </a:solidFill>
-                <a:latin typeface="Consolas" panose="020B0609020204030204" pitchFamily="49" charset="0"/>
-              </a:rPr>
-              <a:t>if</a:t>
-            </a:r>
-            <a:r>
-              <a:rPr lang="en-US" sz="1400" dirty="0">
-                <a:solidFill>
-                  <a:srgbClr val="D4D4D4"/>
-                </a:solidFill>
-                <a:latin typeface="Consolas" panose="020B0609020204030204" pitchFamily="49" charset="0"/>
-              </a:rPr>
-              <a:t> </a:t>
-            </a:r>
-            <a:r>
-              <a:rPr lang="en-US" sz="1400" dirty="0" smtClean="0">
-                <a:solidFill>
-                  <a:srgbClr val="D4D4D4"/>
-                </a:solidFill>
-                <a:latin typeface="Consolas" panose="020B0609020204030204" pitchFamily="49" charset="0"/>
-              </a:rPr>
-              <a:t>(</a:t>
-            </a:r>
-            <a:r>
-              <a:rPr lang="en-US" sz="1400" dirty="0" err="1" smtClean="0">
-                <a:solidFill>
-                  <a:srgbClr val="D4D4D4"/>
-                </a:solidFill>
-                <a:latin typeface="Consolas" panose="020B0609020204030204" pitchFamily="49" charset="0"/>
-              </a:rPr>
-              <a:t>Get</a:t>
-            </a:r>
-            <a:r>
-              <a:rPr lang="en-US" sz="1400" dirty="0" err="1" smtClean="0">
-                <a:solidFill>
-                  <a:srgbClr val="DCDCAA"/>
-                </a:solidFill>
-                <a:latin typeface="Consolas" panose="020B0609020204030204" pitchFamily="49" charset="0"/>
-              </a:rPr>
-              <a:t>Size</a:t>
-            </a:r>
-            <a:r>
-              <a:rPr lang="en-US" sz="1400" dirty="0" smtClean="0">
-                <a:solidFill>
-                  <a:srgbClr val="D4D4D4"/>
-                </a:solidFill>
-                <a:latin typeface="Consolas" panose="020B0609020204030204" pitchFamily="49" charset="0"/>
-              </a:rPr>
-              <a:t>(array</a:t>
-            </a:r>
-            <a:r>
-              <a:rPr lang="en-US" sz="1400" dirty="0">
-                <a:solidFill>
-                  <a:srgbClr val="D4D4D4"/>
-                </a:solidFill>
-                <a:latin typeface="Consolas" panose="020B0609020204030204" pitchFamily="49" charset="0"/>
-              </a:rPr>
-              <a:t>) &lt;= </a:t>
-            </a:r>
-            <a:r>
-              <a:rPr lang="en-US" sz="1400" dirty="0" err="1">
-                <a:solidFill>
-                  <a:srgbClr val="D4D4D4"/>
-                </a:solidFill>
-                <a:latin typeface="Consolas" panose="020B0609020204030204" pitchFamily="49" charset="0"/>
-              </a:rPr>
-              <a:t>idx</a:t>
-            </a:r>
-            <a:r>
-              <a:rPr lang="en-US" sz="1400" dirty="0">
-                <a:solidFill>
-                  <a:srgbClr val="D4D4D4"/>
-                </a:solidFill>
-                <a:latin typeface="Consolas" panose="020B0609020204030204" pitchFamily="49" charset="0"/>
-              </a:rPr>
-              <a:t>) {</a:t>
-            </a:r>
-          </a:p>
-          <a:p>
-            <a:r>
-              <a:rPr lang="en-US" sz="1400" dirty="0">
-                <a:solidFill>
-                  <a:srgbClr val="D4D4D4"/>
-                </a:solidFill>
-                <a:latin typeface="Consolas" panose="020B0609020204030204" pitchFamily="49" charset="0"/>
-              </a:rPr>
-              <a:t>                </a:t>
-            </a:r>
-            <a:r>
-              <a:rPr lang="en-US" sz="1400" dirty="0">
-                <a:solidFill>
-                  <a:srgbClr val="DCDCAA"/>
-                </a:solidFill>
-                <a:latin typeface="Consolas" panose="020B0609020204030204" pitchFamily="49" charset="0"/>
-              </a:rPr>
-              <a:t>Resize</a:t>
-            </a:r>
-            <a:r>
-              <a:rPr lang="en-US" sz="1400" dirty="0">
-                <a:solidFill>
-                  <a:srgbClr val="D4D4D4"/>
-                </a:solidFill>
-                <a:latin typeface="Consolas" panose="020B0609020204030204" pitchFamily="49" charset="0"/>
-              </a:rPr>
-              <a:t>(array, </a:t>
-            </a:r>
-            <a:r>
-              <a:rPr lang="en-US" sz="1400" dirty="0">
-                <a:solidFill>
-                  <a:srgbClr val="B5CEA8"/>
-                </a:solidFill>
-                <a:latin typeface="Consolas" panose="020B0609020204030204" pitchFamily="49" charset="0"/>
-              </a:rPr>
-              <a:t>1</a:t>
-            </a:r>
-            <a:r>
-              <a:rPr lang="en-US" sz="1400" dirty="0">
-                <a:solidFill>
-                  <a:srgbClr val="D4D4D4"/>
-                </a:solidFill>
-                <a:latin typeface="Consolas" panose="020B0609020204030204" pitchFamily="49" charset="0"/>
-              </a:rPr>
-              <a:t> + </a:t>
-            </a:r>
-            <a:r>
-              <a:rPr lang="en-US" sz="1400" dirty="0">
-                <a:solidFill>
-                  <a:srgbClr val="B5CEA8"/>
-                </a:solidFill>
-                <a:latin typeface="Consolas" panose="020B0609020204030204" pitchFamily="49" charset="0"/>
-              </a:rPr>
-              <a:t>2</a:t>
-            </a:r>
-            <a:r>
-              <a:rPr lang="en-US" sz="1400" dirty="0">
-                <a:solidFill>
-                  <a:srgbClr val="D4D4D4"/>
-                </a:solidFill>
-                <a:latin typeface="Consolas" panose="020B0609020204030204" pitchFamily="49" charset="0"/>
-              </a:rPr>
-              <a:t> * </a:t>
-            </a:r>
-            <a:r>
-              <a:rPr lang="en-US" sz="1400" dirty="0" err="1">
-                <a:solidFill>
-                  <a:srgbClr val="D4D4D4"/>
-                </a:solidFill>
-                <a:latin typeface="Consolas" panose="020B0609020204030204" pitchFamily="49" charset="0"/>
-              </a:rPr>
-              <a:t>idx</a:t>
-            </a:r>
-            <a:r>
-              <a:rPr lang="en-US" sz="1400" dirty="0">
-                <a:solidFill>
-                  <a:srgbClr val="D4D4D4"/>
-                </a:solidFill>
-                <a:latin typeface="Consolas" panose="020B0609020204030204" pitchFamily="49" charset="0"/>
-              </a:rPr>
-              <a:t>);</a:t>
-            </a:r>
-          </a:p>
-          <a:p>
-            <a:r>
-              <a:rPr lang="en-US" sz="1400" dirty="0">
-                <a:solidFill>
-                  <a:srgbClr val="D4D4D4"/>
-                </a:solidFill>
-                <a:latin typeface="Consolas" panose="020B0609020204030204" pitchFamily="49" charset="0"/>
-              </a:rPr>
-              <a:t>            }</a:t>
-            </a:r>
-          </a:p>
-          <a:p>
-            <a:r>
-              <a:rPr lang="en-US" sz="1400" dirty="0">
-                <a:solidFill>
-                  <a:srgbClr val="D4D4D4"/>
-                </a:solidFill>
-                <a:latin typeface="Consolas" panose="020B0609020204030204" pitchFamily="49" charset="0"/>
-              </a:rPr>
-              <a:t>            </a:t>
-            </a:r>
-            <a:r>
-              <a:rPr lang="en-US" sz="1400" dirty="0">
-                <a:solidFill>
-                  <a:srgbClr val="DCDCAA"/>
-                </a:solidFill>
-                <a:latin typeface="Consolas" panose="020B0609020204030204" pitchFamily="49" charset="0"/>
-              </a:rPr>
-              <a:t>Assign</a:t>
-            </a:r>
-            <a:r>
-              <a:rPr lang="en-US" sz="1400" dirty="0">
-                <a:solidFill>
-                  <a:srgbClr val="D4D4D4"/>
-                </a:solidFill>
-                <a:latin typeface="Consolas" panose="020B0609020204030204" pitchFamily="49" charset="0"/>
-              </a:rPr>
-              <a:t>(array, </a:t>
-            </a:r>
-            <a:r>
-              <a:rPr lang="en-US" sz="1400" dirty="0" err="1">
-                <a:solidFill>
-                  <a:srgbClr val="D4D4D4"/>
-                </a:solidFill>
-                <a:latin typeface="Consolas" panose="020B0609020204030204" pitchFamily="49" charset="0"/>
-              </a:rPr>
-              <a:t>idx</a:t>
-            </a:r>
-            <a:r>
-              <a:rPr lang="en-US" sz="1400" dirty="0">
-                <a:solidFill>
-                  <a:srgbClr val="D4D4D4"/>
-                </a:solidFill>
-                <a:latin typeface="Consolas" panose="020B0609020204030204" pitchFamily="49" charset="0"/>
-              </a:rPr>
-              <a:t>, p);</a:t>
-            </a:r>
-          </a:p>
-          <a:p>
-            <a:r>
-              <a:rPr lang="en-US" sz="1400" dirty="0">
-                <a:solidFill>
-                  <a:srgbClr val="D4D4D4"/>
-                </a:solidFill>
-                <a:latin typeface="Consolas" panose="020B0609020204030204" pitchFamily="49" charset="0"/>
-              </a:rPr>
-              <a:t>        }</a:t>
-            </a:r>
-          </a:p>
-          <a:p>
-            <a:r>
-              <a:rPr lang="en-US" sz="1400" dirty="0">
-                <a:solidFill>
-                  <a:srgbClr val="D4D4D4"/>
-                </a:solidFill>
-                <a:latin typeface="Consolas" panose="020B0609020204030204" pitchFamily="49" charset="0"/>
-              </a:rPr>
-              <a:t>    }</a:t>
-            </a:r>
-          </a:p>
-          <a:p>
-            <a:r>
-              <a:rPr lang="en-US" sz="1400" dirty="0" smtClean="0">
-                <a:solidFill>
-                  <a:srgbClr val="D4D4D4"/>
-                </a:solidFill>
-                <a:latin typeface="Consolas" panose="020B0609020204030204" pitchFamily="49" charset="0"/>
-              </a:rPr>
-              <a:t>}</a:t>
-            </a:r>
-            <a:endParaRPr lang="en-US" sz="1400" b="0" dirty="0">
-              <a:solidFill>
-                <a:srgbClr val="D4D4D4"/>
-              </a:solidFill>
-              <a:effectLst/>
-              <a:latin typeface="Consolas" panose="020B0609020204030204" pitchFamily="49" charset="0"/>
-            </a:endParaRPr>
           </a:p>
         </p:txBody>
       </p:sp>
@@ -25198,7 +24046,7 @@
         </p:style>
         <p:txBody>
           <a:bodyPr rtlCol="0" anchor="ctr">
-            <a:normAutofit/>
+            <a:normAutofit lnSpcReduction="10000"/>
           </a:bodyPr>
           <a:lstStyle/>
           <a:p>
@@ -25929,6 +24777,41 @@
           </a:p>
           <a:p>
             <a:r>
+              <a:rPr lang="en-US" sz="1200" dirty="0" smtClean="0">
+                <a:solidFill>
+                  <a:srgbClr val="D4D4D4"/>
+                </a:solidFill>
+                <a:latin typeface="Consolas" panose="020B0609020204030204" pitchFamily="49" charset="0"/>
+              </a:rPr>
+              <a:t>            </a:t>
+            </a:r>
+            <a:r>
+              <a:rPr lang="en-US" sz="1200" dirty="0" err="1">
+                <a:solidFill>
+                  <a:srgbClr val="D4D4D4"/>
+                </a:solidFill>
+                <a:latin typeface="Consolas" panose="020B0609020204030204" pitchFamily="49" charset="0"/>
+              </a:rPr>
+              <a:t>idx</a:t>
+            </a:r>
+            <a:r>
+              <a:rPr lang="en-US" sz="1200" dirty="0">
+                <a:solidFill>
+                  <a:srgbClr val="D4D4D4"/>
+                </a:solidFill>
+                <a:latin typeface="Consolas" panose="020B0609020204030204" pitchFamily="49" charset="0"/>
+              </a:rPr>
+              <a:t> += 1;</a:t>
+            </a:r>
+            <a:endParaRPr lang="en-US" sz="1300" dirty="0" smtClean="0">
+              <a:solidFill>
+                <a:srgbClr val="D4D4D4"/>
+              </a:solidFill>
+              <a:latin typeface="Consolas" panose="020B0609020204030204" pitchFamily="49" charset="0"/>
+            </a:endParaRPr>
+          </a:p>
+          <a:p>
+            <a:r>
               <a:rPr lang="en-US" sz="1300" dirty="0">
                 <a:solidFill>
                   <a:srgbClr val="D4D4D4"/>
@@ -25971,13 +24854,930 @@
       </p:sp>
       <p:sp>
         <p:nvSpPr>
-          <p:cNvPr id="7" name="Flowchart: Process 6"/>
+          <p:cNvPr id="8" name="Flowchart: Process 4"/>
           <p:cNvSpPr/>
           <p:nvPr/>
         </p:nvSpPr>
         <p:spPr>
           <a:xfrm>
-            <a:off x="1981200" y="4638675"/>
+            <a:off x="838200" y="2886075"/>
+            <a:ext cx="5181600" cy="3290887"/>
+          </a:xfrm>
+          <a:prstGeom prst="flowChartProcess">
+            <a:avLst/>
+          </a:prstGeom>
+          <a:solidFill>
+            <a:schemeClr val="tx1"/>
+          </a:solidFill>
+          <a:ln>
+            <a:noFill/>
+          </a:ln>
+        </p:spPr>
+        <p:style>
+          <a:lnRef idx="2">
+            <a:schemeClr val="accent1">
+              <a:shade val="50000"/>
+            </a:schemeClr>
+          </a:lnRef>
+          <a:fillRef idx="1">
+            <a:schemeClr val="accent1"/>
+          </a:fillRef>
+          <a:effectRef idx="0">
+            <a:schemeClr val="accent1"/>
+          </a:effectRef>
+          <a:fontRef idx="minor">
+            <a:schemeClr val="lt1"/>
+          </a:fontRef>
+        </p:style>
+        <p:txBody>
+          <a:bodyPr rtlCol="0" anchor="ctr">
+            <a:normAutofit fontScale="92500"/>
+          </a:bodyPr>
+          <a:lstStyle/>
+          <a:p>
+            <a:r>
+              <a:rPr lang="en-US" sz="1400" dirty="0">
+                <a:solidFill>
+                  <a:srgbClr val="569CD6"/>
+                </a:solidFill>
+                <a:latin typeface="Consolas" panose="020B0609020204030204" pitchFamily="49" charset="0"/>
+              </a:rPr>
+              <a:t>struct</a:t>
+            </a:r>
+            <a:r>
+              <a:rPr lang="en-US" sz="1400" dirty="0">
+                <a:solidFill>
+                  <a:srgbClr val="D4D4D4"/>
+                </a:solidFill>
+                <a:latin typeface="Consolas" panose="020B0609020204030204" pitchFamily="49" charset="0"/>
+              </a:rPr>
+              <a:t> </a:t>
+            </a:r>
+            <a:r>
+              <a:rPr lang="en-US" sz="1400" dirty="0" err="1">
+                <a:solidFill>
+                  <a:srgbClr val="D4D4D4"/>
+                </a:solidFill>
+                <a:latin typeface="Consolas" panose="020B0609020204030204" pitchFamily="49" charset="0"/>
+              </a:rPr>
+              <a:t>TArrayOfInt</a:t>
+            </a:r>
+            <a:r>
+              <a:rPr lang="en-US" sz="1400" dirty="0">
+                <a:solidFill>
+                  <a:srgbClr val="D4D4D4"/>
+                </a:solidFill>
+                <a:latin typeface="Consolas" panose="020B0609020204030204" pitchFamily="49" charset="0"/>
+              </a:rPr>
+              <a:t>;</a:t>
+            </a:r>
+          </a:p>
+          <a:p>
+            <a:r>
+              <a:rPr lang="en-US" sz="1400" dirty="0">
+                <a:solidFill>
+                  <a:srgbClr val="569CD6"/>
+                </a:solidFill>
+                <a:latin typeface="Consolas" panose="020B0609020204030204" pitchFamily="49" charset="0"/>
+              </a:rPr>
+              <a:t>void</a:t>
+            </a:r>
+            <a:r>
+              <a:rPr lang="en-US" sz="1400" dirty="0">
+                <a:solidFill>
+                  <a:srgbClr val="D4D4D4"/>
+                </a:solidFill>
+                <a:latin typeface="Consolas" panose="020B0609020204030204" pitchFamily="49" charset="0"/>
+              </a:rPr>
+              <a:t> </a:t>
+            </a:r>
+            <a:r>
+              <a:rPr lang="en-US" sz="1400" dirty="0">
+                <a:solidFill>
+                  <a:srgbClr val="DCDCAA"/>
+                </a:solidFill>
+                <a:latin typeface="Consolas" panose="020B0609020204030204" pitchFamily="49" charset="0"/>
+              </a:rPr>
+              <a:t>Assign</a:t>
+            </a:r>
+            <a:r>
+              <a:rPr lang="en-US" sz="1400" dirty="0">
+                <a:solidFill>
+                  <a:srgbClr val="D4D4D4"/>
+                </a:solidFill>
+                <a:latin typeface="Consolas" panose="020B0609020204030204" pitchFamily="49" charset="0"/>
+              </a:rPr>
+              <a:t>(</a:t>
+            </a:r>
+            <a:r>
+              <a:rPr lang="en-US" sz="1400" dirty="0">
+                <a:solidFill>
+                  <a:srgbClr val="569CD6"/>
+                </a:solidFill>
+                <a:latin typeface="Consolas" panose="020B0609020204030204" pitchFamily="49" charset="0"/>
+              </a:rPr>
+              <a:t>struct</a:t>
+            </a:r>
+            <a:r>
+              <a:rPr lang="en-US" sz="1400" dirty="0">
+                <a:solidFill>
+                  <a:srgbClr val="D4D4D4"/>
+                </a:solidFill>
+                <a:latin typeface="Consolas" panose="020B0609020204030204" pitchFamily="49" charset="0"/>
+              </a:rPr>
+              <a:t> </a:t>
+            </a:r>
+            <a:r>
+              <a:rPr lang="en-US" sz="1400" dirty="0" err="1">
+                <a:solidFill>
+                  <a:srgbClr val="D4D4D4"/>
+                </a:solidFill>
+                <a:latin typeface="Consolas" panose="020B0609020204030204" pitchFamily="49" charset="0"/>
+              </a:rPr>
+              <a:t>TArrayOfInt</a:t>
+            </a:r>
+            <a:r>
+              <a:rPr lang="en-US" sz="1400" dirty="0">
+                <a:solidFill>
+                  <a:srgbClr val="D4D4D4"/>
+                </a:solidFill>
+                <a:latin typeface="Consolas" panose="020B0609020204030204" pitchFamily="49" charset="0"/>
+              </a:rPr>
+              <a:t>* </a:t>
+            </a:r>
+            <a:r>
+              <a:rPr lang="en-US" sz="1400" dirty="0">
+                <a:solidFill>
+                  <a:srgbClr val="9CDCFE"/>
+                </a:solidFill>
+                <a:latin typeface="Consolas" panose="020B0609020204030204" pitchFamily="49" charset="0"/>
+              </a:rPr>
+              <a:t>array</a:t>
+            </a:r>
+            <a:r>
+              <a:rPr lang="en-US" sz="1400" dirty="0">
+                <a:solidFill>
+                  <a:srgbClr val="D4D4D4"/>
+                </a:solidFill>
+                <a:latin typeface="Consolas" panose="020B0609020204030204" pitchFamily="49" charset="0"/>
+              </a:rPr>
+              <a:t>, </a:t>
+            </a:r>
+            <a:r>
+              <a:rPr lang="en-US" sz="1400" dirty="0">
+                <a:solidFill>
+                  <a:srgbClr val="569CD6"/>
+                </a:solidFill>
+                <a:latin typeface="Consolas" panose="020B0609020204030204" pitchFamily="49" charset="0"/>
+              </a:rPr>
+              <a:t>int</a:t>
+            </a:r>
+            <a:r>
+              <a:rPr lang="en-US" sz="1400" dirty="0">
+                <a:solidFill>
+                  <a:srgbClr val="D4D4D4"/>
+                </a:solidFill>
+                <a:latin typeface="Consolas" panose="020B0609020204030204" pitchFamily="49" charset="0"/>
+              </a:rPr>
+              <a:t> </a:t>
+            </a:r>
+            <a:r>
+              <a:rPr lang="en-US" sz="1400" dirty="0" err="1" smtClean="0">
+                <a:solidFill>
+                  <a:srgbClr val="9CDCFE"/>
+                </a:solidFill>
+                <a:latin typeface="Consolas" panose="020B0609020204030204" pitchFamily="49" charset="0"/>
+              </a:rPr>
+              <a:t>i</a:t>
+            </a:r>
+            <a:r>
+              <a:rPr lang="en-US" sz="1400" dirty="0" smtClean="0">
+                <a:solidFill>
+                  <a:srgbClr val="D4D4D4"/>
+                </a:solidFill>
+                <a:latin typeface="Consolas" panose="020B0609020204030204" pitchFamily="49" charset="0"/>
+              </a:rPr>
+              <a:t>,</a:t>
+            </a:r>
+            <a:r>
+              <a:rPr lang="en-US" sz="1400" dirty="0">
+                <a:solidFill>
+                  <a:srgbClr val="D4D4D4"/>
+                </a:solidFill>
+                <a:latin typeface="Consolas" panose="020B0609020204030204" pitchFamily="49" charset="0"/>
+              </a:rPr>
+              <a:t> </a:t>
+            </a:r>
+            <a:r>
+              <a:rPr lang="en-US" sz="1400" dirty="0">
+                <a:solidFill>
+                  <a:srgbClr val="569CD6"/>
+                </a:solidFill>
+                <a:latin typeface="Consolas" panose="020B0609020204030204" pitchFamily="49" charset="0"/>
+              </a:rPr>
+              <a:t>int</a:t>
+            </a:r>
+            <a:r>
+              <a:rPr lang="en-US" sz="1400" dirty="0">
+                <a:solidFill>
+                  <a:srgbClr val="D4D4D4"/>
+                </a:solidFill>
+                <a:latin typeface="Consolas" panose="020B0609020204030204" pitchFamily="49" charset="0"/>
+              </a:rPr>
+              <a:t> </a:t>
+            </a:r>
+            <a:r>
+              <a:rPr lang="en-US" sz="1400" dirty="0" smtClean="0">
+                <a:solidFill>
+                  <a:srgbClr val="9CDCFE"/>
+                </a:solidFill>
+                <a:latin typeface="Consolas" panose="020B0609020204030204" pitchFamily="49" charset="0"/>
+              </a:rPr>
+              <a:t>v</a:t>
+            </a:r>
+            <a:r>
+              <a:rPr lang="en-US" sz="1400" dirty="0" smtClean="0">
+                <a:solidFill>
+                  <a:srgbClr val="D4D4D4"/>
+                </a:solidFill>
+                <a:latin typeface="Consolas" panose="020B0609020204030204" pitchFamily="49" charset="0"/>
+              </a:rPr>
+              <a:t>);</a:t>
+            </a:r>
+            <a:endParaRPr lang="en-US" sz="1400" dirty="0">
+              <a:solidFill>
+                <a:srgbClr val="D4D4D4"/>
+              </a:solidFill>
+              <a:latin typeface="Consolas" panose="020B0609020204030204" pitchFamily="49" charset="0"/>
+            </a:endParaRPr>
+          </a:p>
+          <a:p>
+            <a:r>
+              <a:rPr lang="en-US" sz="1400" dirty="0">
+                <a:solidFill>
+                  <a:srgbClr val="D4D4D4"/>
+                </a:solidFill>
+                <a:latin typeface="Consolas" panose="020B0609020204030204" pitchFamily="49" charset="0"/>
+              </a:rPr>
+              <a:t/>
+            </a:r>
+            <a:br>
+              <a:rPr lang="en-US" sz="1400" dirty="0">
+                <a:solidFill>
+                  <a:srgbClr val="D4D4D4"/>
+                </a:solidFill>
+                <a:latin typeface="Consolas" panose="020B0609020204030204" pitchFamily="49" charset="0"/>
+              </a:rPr>
+            </a:br>
+            <a:endParaRPr lang="en-US" sz="1400" dirty="0">
+              <a:solidFill>
+                <a:srgbClr val="D4D4D4"/>
+              </a:solidFill>
+              <a:latin typeface="Consolas" panose="020B0609020204030204" pitchFamily="49" charset="0"/>
+            </a:endParaRPr>
+          </a:p>
+          <a:p>
+            <a:r>
+              <a:rPr lang="en-US" sz="1400" dirty="0" smtClean="0">
+                <a:solidFill>
+                  <a:srgbClr val="569CD6"/>
+                </a:solidFill>
+                <a:latin typeface="Consolas" panose="020B0609020204030204" pitchFamily="49" charset="0"/>
+              </a:rPr>
+              <a:t>void</a:t>
+            </a:r>
+            <a:r>
+              <a:rPr lang="en-US" sz="1400" dirty="0" smtClean="0">
+                <a:solidFill>
+                  <a:srgbClr val="D4D4D4"/>
+                </a:solidFill>
+                <a:latin typeface="Consolas" panose="020B0609020204030204" pitchFamily="49" charset="0"/>
+              </a:rPr>
+              <a:t> </a:t>
+            </a:r>
+            <a:r>
+              <a:rPr lang="en-US" sz="1400" dirty="0" err="1" smtClean="0">
+                <a:solidFill>
+                  <a:srgbClr val="DCDCAA"/>
+                </a:solidFill>
+                <a:latin typeface="Consolas" panose="020B0609020204030204" pitchFamily="49" charset="0"/>
+              </a:rPr>
+              <a:t>MakePrimes</a:t>
+            </a:r>
+            <a:r>
+              <a:rPr lang="en-US" sz="1400" dirty="0" smtClean="0">
+                <a:solidFill>
+                  <a:srgbClr val="D4D4D4"/>
+                </a:solidFill>
+                <a:latin typeface="Consolas" panose="020B0609020204030204" pitchFamily="49" charset="0"/>
+              </a:rPr>
+              <a:t>(</a:t>
+            </a:r>
+            <a:r>
+              <a:rPr lang="en-US" sz="1400" dirty="0" smtClean="0">
+                <a:solidFill>
+                  <a:srgbClr val="569CD6"/>
+                </a:solidFill>
+                <a:latin typeface="Consolas" panose="020B0609020204030204" pitchFamily="49" charset="0"/>
+              </a:rPr>
+              <a:t>int</a:t>
+            </a:r>
+            <a:r>
+              <a:rPr lang="en-US" sz="1400" dirty="0" smtClean="0">
+                <a:solidFill>
+                  <a:srgbClr val="D4D4D4"/>
+                </a:solidFill>
+                <a:latin typeface="Consolas" panose="020B0609020204030204" pitchFamily="49" charset="0"/>
+              </a:rPr>
+              <a:t> </a:t>
+            </a:r>
+            <a:r>
+              <a:rPr lang="en-US" sz="1400" dirty="0" smtClean="0">
+                <a:solidFill>
+                  <a:srgbClr val="9CDCFE"/>
+                </a:solidFill>
+                <a:latin typeface="Consolas" panose="020B0609020204030204" pitchFamily="49" charset="0"/>
+              </a:rPr>
+              <a:t>n</a:t>
+            </a:r>
+            <a:r>
+              <a:rPr lang="en-US" sz="1400" dirty="0" smtClean="0">
+                <a:solidFill>
+                  <a:srgbClr val="D4D4D4"/>
+                </a:solidFill>
+                <a:latin typeface="Consolas" panose="020B0609020204030204" pitchFamily="49" charset="0"/>
+              </a:rPr>
+              <a:t>, </a:t>
+            </a:r>
+            <a:r>
+              <a:rPr lang="en-US" sz="1400" dirty="0" smtClean="0">
+                <a:solidFill>
+                  <a:srgbClr val="569CD6"/>
+                </a:solidFill>
+                <a:latin typeface="Consolas" panose="020B0609020204030204" pitchFamily="49" charset="0"/>
+              </a:rPr>
+              <a:t>struct</a:t>
+            </a:r>
+            <a:r>
+              <a:rPr lang="en-US" sz="1400" dirty="0" smtClean="0">
+                <a:solidFill>
+                  <a:srgbClr val="D4D4D4"/>
+                </a:solidFill>
+                <a:latin typeface="Consolas" panose="020B0609020204030204" pitchFamily="49" charset="0"/>
+              </a:rPr>
+              <a:t> </a:t>
+            </a:r>
+            <a:r>
+              <a:rPr lang="en-US" sz="1400" dirty="0" err="1" smtClean="0">
+                <a:solidFill>
+                  <a:srgbClr val="D4D4D4"/>
+                </a:solidFill>
+                <a:latin typeface="Consolas" panose="020B0609020204030204" pitchFamily="49" charset="0"/>
+              </a:rPr>
+              <a:t>TArrayOfInt</a:t>
+            </a:r>
+            <a:r>
+              <a:rPr lang="en-US" sz="1400" dirty="0" smtClean="0">
+                <a:solidFill>
+                  <a:srgbClr val="D4D4D4"/>
+                </a:solidFill>
+                <a:latin typeface="Consolas" panose="020B0609020204030204" pitchFamily="49" charset="0"/>
+              </a:rPr>
+              <a:t>* </a:t>
+            </a:r>
+            <a:r>
+              <a:rPr lang="en-US" sz="1400" dirty="0" smtClean="0">
+                <a:solidFill>
+                  <a:srgbClr val="9CDCFE"/>
+                </a:solidFill>
+                <a:latin typeface="Consolas" panose="020B0609020204030204" pitchFamily="49" charset="0"/>
+              </a:rPr>
+              <a:t>array</a:t>
+            </a:r>
+            <a:r>
+              <a:rPr lang="en-US" sz="1400" dirty="0" smtClean="0">
+                <a:solidFill>
+                  <a:srgbClr val="D4D4D4"/>
+                </a:solidFill>
+                <a:latin typeface="Consolas" panose="020B0609020204030204" pitchFamily="49" charset="0"/>
+              </a:rPr>
+              <a:t>) {</a:t>
+            </a:r>
+          </a:p>
+          <a:p>
+            <a:r>
+              <a:rPr lang="en-US" sz="1400" dirty="0">
+                <a:solidFill>
+                  <a:srgbClr val="D4D4D4"/>
+                </a:solidFill>
+                <a:latin typeface="Consolas" panose="020B0609020204030204" pitchFamily="49" charset="0"/>
+              </a:rPr>
+              <a:t>    </a:t>
+            </a:r>
+            <a:r>
+              <a:rPr lang="en-US" sz="1400" dirty="0">
+                <a:solidFill>
+                  <a:srgbClr val="569CD6"/>
+                </a:solidFill>
+                <a:latin typeface="Consolas" panose="020B0609020204030204" pitchFamily="49" charset="0"/>
+              </a:rPr>
+              <a:t>int</a:t>
+            </a:r>
+            <a:r>
+              <a:rPr lang="en-US" sz="1400" dirty="0">
+                <a:solidFill>
+                  <a:srgbClr val="D4D4D4"/>
+                </a:solidFill>
+                <a:latin typeface="Consolas" panose="020B0609020204030204" pitchFamily="49" charset="0"/>
+              </a:rPr>
+              <a:t> </a:t>
+            </a:r>
+            <a:r>
+              <a:rPr lang="en-US" sz="1400" dirty="0" err="1">
+                <a:solidFill>
+                  <a:srgbClr val="D4D4D4"/>
+                </a:solidFill>
+                <a:latin typeface="Consolas" panose="020B0609020204030204" pitchFamily="49" charset="0"/>
+              </a:rPr>
+              <a:t>idx</a:t>
+            </a:r>
+            <a:r>
+              <a:rPr lang="en-US" sz="1400" dirty="0">
+                <a:solidFill>
+                  <a:srgbClr val="D4D4D4"/>
+                </a:solidFill>
+                <a:latin typeface="Consolas" panose="020B0609020204030204" pitchFamily="49" charset="0"/>
+              </a:rPr>
+              <a:t> = </a:t>
+            </a:r>
+            <a:r>
+              <a:rPr lang="en-US" sz="1400" dirty="0">
+                <a:solidFill>
+                  <a:srgbClr val="B5CEA8"/>
+                </a:solidFill>
+                <a:latin typeface="Consolas" panose="020B0609020204030204" pitchFamily="49" charset="0"/>
+              </a:rPr>
+              <a:t>0</a:t>
+            </a:r>
+            <a:r>
+              <a:rPr lang="en-US" sz="1400" dirty="0">
+                <a:solidFill>
+                  <a:srgbClr val="D4D4D4"/>
+                </a:solidFill>
+                <a:latin typeface="Consolas" panose="020B0609020204030204" pitchFamily="49" charset="0"/>
+              </a:rPr>
+              <a:t>;</a:t>
+            </a:r>
+          </a:p>
+          <a:p>
+            <a:r>
+              <a:rPr lang="en-US" sz="1400" dirty="0">
+                <a:solidFill>
+                  <a:srgbClr val="D4D4D4"/>
+                </a:solidFill>
+                <a:latin typeface="Consolas" panose="020B0609020204030204" pitchFamily="49" charset="0"/>
+              </a:rPr>
+              <a:t>    </a:t>
+            </a:r>
+            <a:r>
+              <a:rPr lang="en-US" sz="1400" dirty="0">
+                <a:solidFill>
+                  <a:srgbClr val="C586C0"/>
+                </a:solidFill>
+                <a:latin typeface="Consolas" panose="020B0609020204030204" pitchFamily="49" charset="0"/>
+              </a:rPr>
+              <a:t>for</a:t>
+            </a:r>
+            <a:r>
+              <a:rPr lang="en-US" sz="1400" dirty="0">
+                <a:solidFill>
+                  <a:srgbClr val="D4D4D4"/>
+                </a:solidFill>
+                <a:latin typeface="Consolas" panose="020B0609020204030204" pitchFamily="49" charset="0"/>
+              </a:rPr>
+              <a:t> (</a:t>
+            </a:r>
+            <a:r>
+              <a:rPr lang="en-US" sz="1400" dirty="0">
+                <a:solidFill>
+                  <a:srgbClr val="569CD6"/>
+                </a:solidFill>
+                <a:latin typeface="Consolas" panose="020B0609020204030204" pitchFamily="49" charset="0"/>
+              </a:rPr>
+              <a:t>int</a:t>
+            </a:r>
+            <a:r>
+              <a:rPr lang="en-US" sz="1400" dirty="0">
+                <a:solidFill>
+                  <a:srgbClr val="D4D4D4"/>
+                </a:solidFill>
+                <a:latin typeface="Consolas" panose="020B0609020204030204" pitchFamily="49" charset="0"/>
+              </a:rPr>
+              <a:t> p = </a:t>
+            </a:r>
+            <a:r>
+              <a:rPr lang="en-US" sz="1400" dirty="0">
+                <a:solidFill>
+                  <a:srgbClr val="B5CEA8"/>
+                </a:solidFill>
+                <a:latin typeface="Consolas" panose="020B0609020204030204" pitchFamily="49" charset="0"/>
+              </a:rPr>
+              <a:t>2</a:t>
+            </a:r>
+            <a:r>
+              <a:rPr lang="en-US" sz="1400" dirty="0">
+                <a:solidFill>
+                  <a:srgbClr val="D4D4D4"/>
+                </a:solidFill>
+                <a:latin typeface="Consolas" panose="020B0609020204030204" pitchFamily="49" charset="0"/>
+              </a:rPr>
+              <a:t>; p &lt; n; ++p) {</a:t>
+            </a:r>
+          </a:p>
+          <a:p>
+            <a:r>
+              <a:rPr lang="en-US" sz="1400" dirty="0">
+                <a:solidFill>
+                  <a:srgbClr val="D4D4D4"/>
+                </a:solidFill>
+                <a:latin typeface="Consolas" panose="020B0609020204030204" pitchFamily="49" charset="0"/>
+              </a:rPr>
+              <a:t>        </a:t>
+            </a:r>
+            <a:r>
+              <a:rPr lang="en-US" sz="1400" dirty="0">
+                <a:solidFill>
+                  <a:srgbClr val="C586C0"/>
+                </a:solidFill>
+                <a:latin typeface="Consolas" panose="020B0609020204030204" pitchFamily="49" charset="0"/>
+              </a:rPr>
+              <a:t>if</a:t>
+            </a:r>
+            <a:r>
+              <a:rPr lang="en-US" sz="1400" dirty="0">
+                <a:solidFill>
+                  <a:srgbClr val="D4D4D4"/>
+                </a:solidFill>
+                <a:latin typeface="Consolas" panose="020B0609020204030204" pitchFamily="49" charset="0"/>
+              </a:rPr>
+              <a:t> (</a:t>
+            </a:r>
+            <a:r>
+              <a:rPr lang="en-US" sz="1400" dirty="0" err="1">
+                <a:solidFill>
+                  <a:srgbClr val="DCDCAA"/>
+                </a:solidFill>
+                <a:latin typeface="Consolas" panose="020B0609020204030204" pitchFamily="49" charset="0"/>
+              </a:rPr>
+              <a:t>IsPrime</a:t>
+            </a:r>
+            <a:r>
+              <a:rPr lang="en-US" sz="1400" dirty="0">
+                <a:solidFill>
+                  <a:srgbClr val="D4D4D4"/>
+                </a:solidFill>
+                <a:latin typeface="Consolas" panose="020B0609020204030204" pitchFamily="49" charset="0"/>
+              </a:rPr>
+              <a:t>(p)) {</a:t>
+            </a:r>
+          </a:p>
+          <a:p>
+            <a:r>
+              <a:rPr lang="en-US" sz="1400" dirty="0">
+                <a:solidFill>
+                  <a:srgbClr val="D4D4D4"/>
+                </a:solidFill>
+                <a:latin typeface="Consolas" panose="020B0609020204030204" pitchFamily="49" charset="0"/>
+              </a:rPr>
+              <a:t>            </a:t>
+            </a:r>
+            <a:r>
+              <a:rPr lang="en-US" sz="1400" dirty="0">
+                <a:solidFill>
+                  <a:srgbClr val="C586C0"/>
+                </a:solidFill>
+                <a:latin typeface="Consolas" panose="020B0609020204030204" pitchFamily="49" charset="0"/>
+              </a:rPr>
+              <a:t>if</a:t>
+            </a:r>
+            <a:r>
+              <a:rPr lang="en-US" sz="1400" dirty="0">
+                <a:solidFill>
+                  <a:srgbClr val="D4D4D4"/>
+                </a:solidFill>
+                <a:latin typeface="Consolas" panose="020B0609020204030204" pitchFamily="49" charset="0"/>
+              </a:rPr>
+              <a:t> </a:t>
+            </a:r>
+            <a:r>
+              <a:rPr lang="en-US" sz="1400" dirty="0" smtClean="0">
+                <a:solidFill>
+                  <a:srgbClr val="D4D4D4"/>
+                </a:solidFill>
+                <a:latin typeface="Consolas" panose="020B0609020204030204" pitchFamily="49" charset="0"/>
+              </a:rPr>
+              <a:t>(</a:t>
+            </a:r>
+            <a:r>
+              <a:rPr lang="en-US" sz="1400" dirty="0" err="1" smtClean="0">
+                <a:solidFill>
+                  <a:srgbClr val="D4D4D4"/>
+                </a:solidFill>
+                <a:latin typeface="Consolas" panose="020B0609020204030204" pitchFamily="49" charset="0"/>
+              </a:rPr>
+              <a:t>Get</a:t>
+            </a:r>
+            <a:r>
+              <a:rPr lang="en-US" sz="1400" dirty="0" err="1" smtClean="0">
+                <a:solidFill>
+                  <a:srgbClr val="DCDCAA"/>
+                </a:solidFill>
+                <a:latin typeface="Consolas" panose="020B0609020204030204" pitchFamily="49" charset="0"/>
+              </a:rPr>
+              <a:t>Size</a:t>
+            </a:r>
+            <a:r>
+              <a:rPr lang="en-US" sz="1400" dirty="0" smtClean="0">
+                <a:solidFill>
+                  <a:srgbClr val="D4D4D4"/>
+                </a:solidFill>
+                <a:latin typeface="Consolas" panose="020B0609020204030204" pitchFamily="49" charset="0"/>
+              </a:rPr>
+              <a:t>(array</a:t>
+            </a:r>
+            <a:r>
+              <a:rPr lang="en-US" sz="1400" dirty="0">
+                <a:solidFill>
+                  <a:srgbClr val="D4D4D4"/>
+                </a:solidFill>
+                <a:latin typeface="Consolas" panose="020B0609020204030204" pitchFamily="49" charset="0"/>
+              </a:rPr>
+              <a:t>) &lt;= </a:t>
+            </a:r>
+            <a:r>
+              <a:rPr lang="en-US" sz="1400" dirty="0" err="1">
+                <a:solidFill>
+                  <a:srgbClr val="D4D4D4"/>
+                </a:solidFill>
+                <a:latin typeface="Consolas" panose="020B0609020204030204" pitchFamily="49" charset="0"/>
+              </a:rPr>
+              <a:t>idx</a:t>
+            </a:r>
+            <a:r>
+              <a:rPr lang="en-US" sz="1400" dirty="0">
+                <a:solidFill>
+                  <a:srgbClr val="D4D4D4"/>
+                </a:solidFill>
+                <a:latin typeface="Consolas" panose="020B0609020204030204" pitchFamily="49" charset="0"/>
+              </a:rPr>
+              <a:t>) {</a:t>
+            </a:r>
+          </a:p>
+          <a:p>
+            <a:r>
+              <a:rPr lang="en-US" sz="1400" dirty="0">
+                <a:solidFill>
+                  <a:srgbClr val="D4D4D4"/>
+                </a:solidFill>
+                <a:latin typeface="Consolas" panose="020B0609020204030204" pitchFamily="49" charset="0"/>
+              </a:rPr>
+              <a:t>                </a:t>
+            </a:r>
+            <a:r>
+              <a:rPr lang="en-US" sz="1400" dirty="0">
+                <a:solidFill>
+                  <a:srgbClr val="DCDCAA"/>
+                </a:solidFill>
+                <a:latin typeface="Consolas" panose="020B0609020204030204" pitchFamily="49" charset="0"/>
+              </a:rPr>
+              <a:t>Resize</a:t>
+            </a:r>
+            <a:r>
+              <a:rPr lang="en-US" sz="1400" dirty="0">
+                <a:solidFill>
+                  <a:srgbClr val="D4D4D4"/>
+                </a:solidFill>
+                <a:latin typeface="Consolas" panose="020B0609020204030204" pitchFamily="49" charset="0"/>
+              </a:rPr>
+              <a:t>(array, </a:t>
+            </a:r>
+            <a:r>
+              <a:rPr lang="en-US" sz="1400" dirty="0">
+                <a:solidFill>
+                  <a:srgbClr val="B5CEA8"/>
+                </a:solidFill>
+                <a:latin typeface="Consolas" panose="020B0609020204030204" pitchFamily="49" charset="0"/>
+              </a:rPr>
+              <a:t>1</a:t>
+            </a:r>
+            <a:r>
+              <a:rPr lang="en-US" sz="1400" dirty="0">
+                <a:solidFill>
+                  <a:srgbClr val="D4D4D4"/>
+                </a:solidFill>
+                <a:latin typeface="Consolas" panose="020B0609020204030204" pitchFamily="49" charset="0"/>
+              </a:rPr>
+              <a:t> + </a:t>
+            </a:r>
+            <a:r>
+              <a:rPr lang="en-US" sz="1400" dirty="0">
+                <a:solidFill>
+                  <a:srgbClr val="B5CEA8"/>
+                </a:solidFill>
+                <a:latin typeface="Consolas" panose="020B0609020204030204" pitchFamily="49" charset="0"/>
+              </a:rPr>
+              <a:t>2</a:t>
+            </a:r>
+            <a:r>
+              <a:rPr lang="en-US" sz="1400" dirty="0">
+                <a:solidFill>
+                  <a:srgbClr val="D4D4D4"/>
+                </a:solidFill>
+                <a:latin typeface="Consolas" panose="020B0609020204030204" pitchFamily="49" charset="0"/>
+              </a:rPr>
+              <a:t> * </a:t>
+            </a:r>
+            <a:r>
+              <a:rPr lang="en-US" sz="1400" dirty="0" err="1">
+                <a:solidFill>
+                  <a:srgbClr val="D4D4D4"/>
+                </a:solidFill>
+                <a:latin typeface="Consolas" panose="020B0609020204030204" pitchFamily="49" charset="0"/>
+              </a:rPr>
+              <a:t>idx</a:t>
+            </a:r>
+            <a:r>
+              <a:rPr lang="en-US" sz="1400" dirty="0">
+                <a:solidFill>
+                  <a:srgbClr val="D4D4D4"/>
+                </a:solidFill>
+                <a:latin typeface="Consolas" panose="020B0609020204030204" pitchFamily="49" charset="0"/>
+              </a:rPr>
+              <a:t>);</a:t>
+            </a:r>
+          </a:p>
+          <a:p>
+            <a:r>
+              <a:rPr lang="en-US" sz="1400" dirty="0">
+                <a:solidFill>
+                  <a:srgbClr val="D4D4D4"/>
+                </a:solidFill>
+                <a:latin typeface="Consolas" panose="020B0609020204030204" pitchFamily="49" charset="0"/>
+              </a:rPr>
+              <a:t>            }</a:t>
+            </a:r>
+          </a:p>
+          <a:p>
+            <a:r>
+              <a:rPr lang="en-US" sz="1400" dirty="0">
+                <a:solidFill>
+                  <a:srgbClr val="D4D4D4"/>
+                </a:solidFill>
+                <a:latin typeface="Consolas" panose="020B0609020204030204" pitchFamily="49" charset="0"/>
+              </a:rPr>
+              <a:t>            </a:t>
+            </a:r>
+            <a:r>
+              <a:rPr lang="en-US" sz="1400" dirty="0">
+                <a:solidFill>
+                  <a:srgbClr val="DCDCAA"/>
+                </a:solidFill>
+                <a:latin typeface="Consolas" panose="020B0609020204030204" pitchFamily="49" charset="0"/>
+              </a:rPr>
+              <a:t>Assign</a:t>
+            </a:r>
+            <a:r>
+              <a:rPr lang="en-US" sz="1400" dirty="0">
+                <a:solidFill>
+                  <a:srgbClr val="D4D4D4"/>
+                </a:solidFill>
+                <a:latin typeface="Consolas" panose="020B0609020204030204" pitchFamily="49" charset="0"/>
+              </a:rPr>
+              <a:t>(array, </a:t>
+            </a:r>
+            <a:r>
+              <a:rPr lang="en-US" sz="1400" dirty="0" err="1">
+                <a:solidFill>
+                  <a:srgbClr val="D4D4D4"/>
+                </a:solidFill>
+                <a:latin typeface="Consolas" panose="020B0609020204030204" pitchFamily="49" charset="0"/>
+              </a:rPr>
+              <a:t>idx</a:t>
+            </a:r>
+            <a:r>
+              <a:rPr lang="en-US" sz="1400" dirty="0">
+                <a:solidFill>
+                  <a:srgbClr val="D4D4D4"/>
+                </a:solidFill>
+                <a:latin typeface="Consolas" panose="020B0609020204030204" pitchFamily="49" charset="0"/>
+              </a:rPr>
+              <a:t>, p</a:t>
+            </a:r>
+            <a:r>
+              <a:rPr lang="en-US" sz="1400" dirty="0" smtClean="0">
+                <a:solidFill>
+                  <a:srgbClr val="D4D4D4"/>
+                </a:solidFill>
+                <a:latin typeface="Consolas" panose="020B0609020204030204" pitchFamily="49" charset="0"/>
+              </a:rPr>
+              <a:t>);</a:t>
+            </a:r>
+          </a:p>
+          <a:p>
+            <a:r>
+              <a:rPr lang="en-US" sz="1400" dirty="0">
+                <a:solidFill>
+                  <a:srgbClr val="D4D4D4"/>
+                </a:solidFill>
+                <a:latin typeface="Consolas" panose="020B0609020204030204" pitchFamily="49" charset="0"/>
+              </a:rPr>
+              <a:t> </a:t>
+            </a:r>
+            <a:r>
+              <a:rPr lang="en-US" sz="1400" dirty="0" smtClean="0">
+                <a:solidFill>
+                  <a:srgbClr val="D4D4D4"/>
+                </a:solidFill>
+                <a:latin typeface="Consolas" panose="020B0609020204030204" pitchFamily="49" charset="0"/>
+              </a:rPr>
+              <a:t>           </a:t>
+            </a:r>
+            <a:r>
+              <a:rPr lang="en-US" sz="1400" dirty="0" err="1" smtClean="0">
+                <a:solidFill>
+                  <a:srgbClr val="D4D4D4"/>
+                </a:solidFill>
+                <a:latin typeface="Consolas" panose="020B0609020204030204" pitchFamily="49" charset="0"/>
+              </a:rPr>
+              <a:t>idx</a:t>
+            </a:r>
+            <a:r>
+              <a:rPr lang="en-US" sz="1400" dirty="0" smtClean="0">
+                <a:solidFill>
+                  <a:srgbClr val="D4D4D4"/>
+                </a:solidFill>
+                <a:latin typeface="Consolas" panose="020B0609020204030204" pitchFamily="49" charset="0"/>
+              </a:rPr>
+              <a:t> += 1;</a:t>
+            </a:r>
+            <a:endParaRPr lang="en-US" sz="1400" dirty="0">
+              <a:solidFill>
+                <a:srgbClr val="D4D4D4"/>
+              </a:solidFill>
+              <a:latin typeface="Consolas" panose="020B0609020204030204" pitchFamily="49" charset="0"/>
+            </a:endParaRPr>
+          </a:p>
+          <a:p>
+            <a:r>
+              <a:rPr lang="en-US" sz="1400" dirty="0">
+                <a:solidFill>
+                  <a:srgbClr val="D4D4D4"/>
+                </a:solidFill>
+                <a:latin typeface="Consolas" panose="020B0609020204030204" pitchFamily="49" charset="0"/>
+              </a:rPr>
+              <a:t>        }</a:t>
+            </a:r>
+          </a:p>
+          <a:p>
+            <a:r>
+              <a:rPr lang="en-US" sz="1400" dirty="0">
+                <a:solidFill>
+                  <a:srgbClr val="D4D4D4"/>
+                </a:solidFill>
+                <a:latin typeface="Consolas" panose="020B0609020204030204" pitchFamily="49" charset="0"/>
+              </a:rPr>
+              <a:t>    }</a:t>
+            </a:r>
+          </a:p>
+          <a:p>
+            <a:r>
+              <a:rPr lang="en-US" sz="1400" dirty="0" smtClean="0">
+                <a:solidFill>
+                  <a:srgbClr val="D4D4D4"/>
+                </a:solidFill>
+                <a:latin typeface="Consolas" panose="020B0609020204030204" pitchFamily="49" charset="0"/>
+              </a:rPr>
+              <a:t>}</a:t>
+            </a:r>
+            <a:endParaRPr lang="en-US" sz="1400" b="0" dirty="0">
+              <a:solidFill>
+                <a:srgbClr val="D4D4D4"/>
+              </a:solidFill>
+              <a:effectLst/>
+              <a:latin typeface="Consolas" panose="020B0609020204030204" pitchFamily="49" charset="0"/>
+            </a:endParaRPr>
+          </a:p>
+        </p:txBody>
+      </p:sp>
+      <p:sp>
+        <p:nvSpPr>
+          <p:cNvPr id="9" name="Flowchart: Process 6"/>
+          <p:cNvSpPr/>
+          <p:nvPr/>
+        </p:nvSpPr>
+        <p:spPr>
+          <a:xfrm>
+            <a:off x="1981200" y="4522293"/>
             <a:ext cx="2857499" cy="647700"/>
           </a:xfrm>
           <a:prstGeom prst="flowChartProcess">
@@ -26071,11 +25871,7 @@
           <a:p>
             <a:r>
               <a:rPr lang="ru-RU" dirty="0" smtClean="0"/>
-              <a:t>Зацепление по </a:t>
-            </a:r>
-            <a:r>
-              <a:rPr lang="ru-RU" dirty="0" smtClean="0"/>
-              <a:t>данным</a:t>
+              <a:t>Зацепление по данным</a:t>
             </a:r>
             <a:endParaRPr lang="ru-RU" dirty="0"/>
           </a:p>
@@ -26239,11 +26035,7 @@
           <a:p>
             <a:r>
               <a:rPr lang="ru-RU" dirty="0" smtClean="0"/>
-              <a:t>Зацепление по </a:t>
-            </a:r>
-            <a:r>
-              <a:rPr lang="ru-RU" dirty="0" smtClean="0"/>
-              <a:t>данным</a:t>
+              <a:t>Зацепление по данным</a:t>
             </a:r>
             <a:endParaRPr lang="ru-RU" dirty="0"/>
           </a:p>
@@ -26387,11 +26179,7 @@
           <a:p>
             <a:r>
               <a:rPr lang="ru-RU" dirty="0" smtClean="0"/>
-              <a:t>Зацепление по </a:t>
-            </a:r>
-            <a:r>
-              <a:rPr lang="ru-RU" dirty="0" smtClean="0"/>
-              <a:t>данным</a:t>
+              <a:t>Зацепление по данным</a:t>
             </a:r>
             <a:endParaRPr lang="ru-RU" dirty="0"/>
           </a:p>
@@ -26527,11 +26315,7 @@
           <a:p>
             <a:r>
               <a:rPr lang="ru-RU" dirty="0" smtClean="0"/>
-              <a:t>Зацепление по </a:t>
-            </a:r>
-            <a:r>
-              <a:rPr lang="ru-RU" dirty="0" smtClean="0"/>
-              <a:t>данным</a:t>
+              <a:t>Зацепление по данным</a:t>
             </a:r>
             <a:endParaRPr lang="ru-RU" dirty="0"/>
           </a:p>
@@ -26615,11 +26399,6 @@
               </a:rPr>
               <a:t>Избегаем поэлементных действий</a:t>
             </a:r>
-            <a:endParaRPr lang="ru-RU" dirty="0">
-              <a:solidFill>
-                <a:schemeClr val="bg1"/>
-              </a:solidFill>
-            </a:endParaRPr>
           </a:p>
         </p:txBody>
       </p:sp>
@@ -26662,7 +26441,7 @@
         </p:style>
         <p:txBody>
           <a:bodyPr rtlCol="0" anchor="ctr">
-            <a:normAutofit lnSpcReduction="10000"/>
+            <a:normAutofit fontScale="92500" lnSpcReduction="10000"/>
           </a:bodyPr>
           <a:lstStyle/>
           <a:p>
@@ -27269,6 +27048,41 @@
               </a:rPr>
               <a:t>        }</a:t>
             </a:r>
+          </a:p>
+          <a:p>
+            <a:r>
+              <a:rPr lang="en-US" sz="1200" dirty="0" smtClean="0">
+                <a:solidFill>
+                  <a:srgbClr val="D4D4D4"/>
+                </a:solidFill>
+                <a:latin typeface="Consolas" panose="020B0609020204030204" pitchFamily="49" charset="0"/>
+              </a:rPr>
+              <a:t>         </a:t>
+            </a:r>
+            <a:r>
+              <a:rPr lang="en-US" sz="1200" dirty="0" err="1">
+                <a:solidFill>
+                  <a:srgbClr val="D4D4D4"/>
+                </a:solidFill>
+                <a:latin typeface="Consolas" panose="020B0609020204030204" pitchFamily="49" charset="0"/>
+              </a:rPr>
+              <a:t>idx</a:t>
+            </a:r>
+            <a:r>
+              <a:rPr lang="en-US" sz="1200" dirty="0">
+                <a:solidFill>
+                  <a:srgbClr val="D4D4D4"/>
+                </a:solidFill>
+                <a:latin typeface="Consolas" panose="020B0609020204030204" pitchFamily="49" charset="0"/>
+              </a:rPr>
+              <a:t> += 1;</a:t>
+            </a:r>
+            <a:endParaRPr lang="en-US" sz="1300" dirty="0" smtClean="0">
+              <a:solidFill>
+                <a:srgbClr val="D4D4D4"/>
+              </a:solidFill>
+              <a:latin typeface="Consolas" panose="020B0609020204030204" pitchFamily="49" charset="0"/>
+            </a:endParaRPr>
           </a:p>
           <a:p>
             <a:r>
@@ -27309,8 +27123,8 @@
         </p:nvSpPr>
         <p:spPr>
           <a:xfrm>
-            <a:off x="1638301" y="5200650"/>
-            <a:ext cx="2286000" cy="590550"/>
+            <a:off x="1563486" y="5100897"/>
+            <a:ext cx="2286000" cy="518507"/>
           </a:xfrm>
           <a:prstGeom prst="flowChartProcess">
             <a:avLst/>
@@ -27403,11 +27217,7 @@
           <a:p>
             <a:r>
               <a:rPr lang="ru-RU" dirty="0" smtClean="0"/>
-              <a:t>Зацепление по </a:t>
-            </a:r>
-            <a:r>
-              <a:rPr lang="ru-RU" dirty="0" smtClean="0"/>
-              <a:t>данным</a:t>
+              <a:t>Зацепление по данным</a:t>
             </a:r>
             <a:endParaRPr lang="ru-RU" dirty="0"/>
           </a:p>
@@ -27489,7 +27299,7 @@
       </p:sp>
       <p:sp>
         <p:nvSpPr>
-          <p:cNvPr id="5" name="Flowchart: Process 4"/>
+          <p:cNvPr id="8" name="Flowchart: Process 4"/>
           <p:cNvSpPr/>
           <p:nvPr/>
         </p:nvSpPr>
@@ -27526,7 +27336,7 @@
         </p:style>
         <p:txBody>
           <a:bodyPr rtlCol="0" anchor="ctr">
-            <a:normAutofit lnSpcReduction="10000"/>
+            <a:normAutofit fontScale="92500" lnSpcReduction="10000"/>
           </a:bodyPr>
           <a:lstStyle/>
           <a:p>
@@ -28136,6 +27946,41 @@
           </a:p>
           <a:p>
             <a:r>
+              <a:rPr lang="en-US" sz="1200" dirty="0" smtClean="0">
+                <a:solidFill>
+                  <a:srgbClr val="D4D4D4"/>
+                </a:solidFill>
+                <a:latin typeface="Consolas" panose="020B0609020204030204" pitchFamily="49" charset="0"/>
+              </a:rPr>
+              <a:t>         </a:t>
+            </a:r>
+            <a:r>
+              <a:rPr lang="en-US" sz="1200" dirty="0" err="1">
+                <a:solidFill>
+                  <a:srgbClr val="D4D4D4"/>
+                </a:solidFill>
+                <a:latin typeface="Consolas" panose="020B0609020204030204" pitchFamily="49" charset="0"/>
+              </a:rPr>
+              <a:t>idx</a:t>
+            </a:r>
+            <a:r>
+              <a:rPr lang="en-US" sz="1200" dirty="0">
+                <a:solidFill>
+                  <a:srgbClr val="D4D4D4"/>
+                </a:solidFill>
+                <a:latin typeface="Consolas" panose="020B0609020204030204" pitchFamily="49" charset="0"/>
+              </a:rPr>
+              <a:t> += 1;</a:t>
+            </a:r>
+            <a:endParaRPr lang="en-US" sz="1300" dirty="0" smtClean="0">
+              <a:solidFill>
+                <a:srgbClr val="D4D4D4"/>
+              </a:solidFill>
+              <a:latin typeface="Consolas" panose="020B0609020204030204" pitchFamily="49" charset="0"/>
+            </a:endParaRPr>
+          </a:p>
+          <a:p>
+            <a:r>
               <a:rPr lang="en-US" sz="1300" dirty="0">
                 <a:solidFill>
                   <a:srgbClr val="D4D4D4"/>
@@ -28167,14 +28012,14 @@
       </p:sp>
       <p:sp>
         <p:nvSpPr>
-          <p:cNvPr id="7" name="Flowchart: Process 6"/>
+          <p:cNvPr id="9" name="Flowchart: Process 6"/>
           <p:cNvSpPr/>
           <p:nvPr/>
         </p:nvSpPr>
         <p:spPr>
           <a:xfrm>
-            <a:off x="1638301" y="5200650"/>
-            <a:ext cx="2286000" cy="590550"/>
+            <a:off x="1563486" y="5100897"/>
+            <a:ext cx="2286000" cy="518507"/>
           </a:xfrm>
           <a:prstGeom prst="flowChartProcess">
             <a:avLst/>
@@ -28267,11 +28112,7 @@
           <a:p>
             <a:r>
               <a:rPr lang="ru-RU" dirty="0" smtClean="0"/>
-              <a:t>Зацепление по </a:t>
-            </a:r>
-            <a:r>
-              <a:rPr lang="ru-RU" dirty="0" smtClean="0"/>
-              <a:t>данным</a:t>
+              <a:t>Зацепление по данным</a:t>
             </a:r>
             <a:endParaRPr lang="ru-RU" dirty="0"/>
           </a:p>
@@ -28347,685 +28188,6 @@
               <a:rPr lang="ru-RU" dirty="0"/>
               <a:t>Избегаем поэлементных действий</a:t>
             </a:r>
-            <a:endParaRPr lang="ru-RU" dirty="0"/>
-          </a:p>
-        </p:txBody>
-      </p:sp>
-      <p:sp>
-        <p:nvSpPr>
-          <p:cNvPr id="5" name="Flowchart: Process 4"/>
-          <p:cNvSpPr/>
-          <p:nvPr/>
-        </p:nvSpPr>
-        <p:spPr>
-          <a:xfrm>
-            <a:off x="838200" y="3883026"/>
-            <a:ext cx="5181600" cy="2293937"/>
-          </a:xfrm>
-          <a:prstGeom prst="flowChartProcess">
-            <a:avLst/>
-          </a:prstGeom>
-          <a:solidFill>
-            <a:schemeClr val="tx1"/>
-          </a:solidFill>
-          <a:ln>
-            <a:noFill/>
-          </a:ln>
-        </p:spPr>
-        <p:style>
-          <a:lnRef idx="2">
-            <a:schemeClr val="accent1">
-              <a:shade val="50000"/>
-            </a:schemeClr>
-          </a:lnRef>
-          <a:fillRef idx="1">
-            <a:schemeClr val="accent1"/>
-          </a:fillRef>
-          <a:effectRef idx="0">
-            <a:schemeClr val="accent1"/>
-          </a:effectRef>
-          <a:fontRef idx="minor">
-            <a:schemeClr val="lt1"/>
-          </a:fontRef>
-        </p:style>
-        <p:txBody>
-          <a:bodyPr rtlCol="0" anchor="ctr">
-            <a:normAutofit lnSpcReduction="10000"/>
-          </a:bodyPr>
-          <a:lstStyle/>
-          <a:p>
-            <a:r>
-              <a:rPr lang="en-US" sz="1300" dirty="0">
-                <a:solidFill>
-                  <a:srgbClr val="569CD6"/>
-                </a:solidFill>
-                <a:latin typeface="Consolas" panose="020B0609020204030204" pitchFamily="49" charset="0"/>
-              </a:rPr>
-              <a:t>struct</a:t>
-            </a:r>
-            <a:r>
-              <a:rPr lang="en-US" sz="1300" dirty="0">
-                <a:solidFill>
-                  <a:srgbClr val="D4D4D4"/>
-                </a:solidFill>
-                <a:latin typeface="Consolas" panose="020B0609020204030204" pitchFamily="49" charset="0"/>
-              </a:rPr>
-              <a:t> </a:t>
-            </a:r>
-            <a:r>
-              <a:rPr lang="en-US" sz="1300" dirty="0" err="1">
-                <a:solidFill>
-                  <a:srgbClr val="D4D4D4"/>
-                </a:solidFill>
-                <a:latin typeface="Consolas" panose="020B0609020204030204" pitchFamily="49" charset="0"/>
-              </a:rPr>
-              <a:t>TArrayOfInt</a:t>
-            </a:r>
-            <a:r>
-              <a:rPr lang="en-US" sz="1300" dirty="0">
-                <a:solidFill>
-                  <a:srgbClr val="D4D4D4"/>
-                </a:solidFill>
-                <a:latin typeface="Consolas" panose="020B0609020204030204" pitchFamily="49" charset="0"/>
-              </a:rPr>
-              <a:t>;</a:t>
-            </a:r>
-          </a:p>
-          <a:p>
-            <a:r>
-              <a:rPr lang="en-US" sz="1300" dirty="0">
-                <a:solidFill>
-                  <a:srgbClr val="569CD6"/>
-                </a:solidFill>
-                <a:latin typeface="Consolas" panose="020B0609020204030204" pitchFamily="49" charset="0"/>
-              </a:rPr>
-              <a:t>void</a:t>
-            </a:r>
-            <a:r>
-              <a:rPr lang="en-US" sz="1300" dirty="0">
-                <a:solidFill>
-                  <a:srgbClr val="D4D4D4"/>
-                </a:solidFill>
-                <a:latin typeface="Consolas" panose="020B0609020204030204" pitchFamily="49" charset="0"/>
-              </a:rPr>
-              <a:t> </a:t>
-            </a:r>
-            <a:r>
-              <a:rPr lang="en-US" sz="1300" dirty="0" smtClean="0">
-                <a:solidFill>
-                  <a:srgbClr val="DCDCAA"/>
-                </a:solidFill>
-                <a:latin typeface="Consolas" panose="020B0609020204030204" pitchFamily="49" charset="0"/>
-              </a:rPr>
-              <a:t>Assign</a:t>
-            </a:r>
-            <a:r>
-              <a:rPr lang="en-US" sz="1300" dirty="0" smtClean="0">
-                <a:solidFill>
-                  <a:srgbClr val="D4D4D4"/>
-                </a:solidFill>
-                <a:latin typeface="Consolas" panose="020B0609020204030204" pitchFamily="49" charset="0"/>
-              </a:rPr>
-              <a:t>(</a:t>
-            </a:r>
-            <a:r>
-              <a:rPr lang="en-US" sz="1300" dirty="0" smtClean="0">
-                <a:solidFill>
-                  <a:srgbClr val="569CD6"/>
-                </a:solidFill>
-                <a:latin typeface="Consolas" panose="020B0609020204030204" pitchFamily="49" charset="0"/>
-              </a:rPr>
-              <a:t>struct</a:t>
-            </a:r>
-            <a:r>
-              <a:rPr lang="en-US" sz="1300" dirty="0">
-                <a:solidFill>
-                  <a:srgbClr val="D4D4D4"/>
-                </a:solidFill>
-                <a:latin typeface="Consolas" panose="020B0609020204030204" pitchFamily="49" charset="0"/>
-              </a:rPr>
-              <a:t> </a:t>
-            </a:r>
-            <a:r>
-              <a:rPr lang="en-US" sz="1300" dirty="0" err="1">
-                <a:solidFill>
-                  <a:srgbClr val="D4D4D4"/>
-                </a:solidFill>
-                <a:latin typeface="Consolas" panose="020B0609020204030204" pitchFamily="49" charset="0"/>
-              </a:rPr>
-              <a:t>TArrayOfInt</a:t>
-            </a:r>
-            <a:r>
-              <a:rPr lang="en-US" sz="1300" dirty="0">
-                <a:solidFill>
-                  <a:srgbClr val="D4D4D4"/>
-                </a:solidFill>
-                <a:latin typeface="Consolas" panose="020B0609020204030204" pitchFamily="49" charset="0"/>
-              </a:rPr>
-              <a:t>* </a:t>
-            </a:r>
-            <a:r>
-              <a:rPr lang="en-US" sz="1300" dirty="0">
-                <a:solidFill>
-                  <a:srgbClr val="9CDCFE"/>
-                </a:solidFill>
-                <a:latin typeface="Consolas" panose="020B0609020204030204" pitchFamily="49" charset="0"/>
-              </a:rPr>
-              <a:t>array</a:t>
-            </a:r>
-            <a:r>
-              <a:rPr lang="en-US" sz="1300" dirty="0">
-                <a:solidFill>
-                  <a:srgbClr val="D4D4D4"/>
-                </a:solidFill>
-                <a:latin typeface="Consolas" panose="020B0609020204030204" pitchFamily="49" charset="0"/>
-              </a:rPr>
-              <a:t>, </a:t>
-            </a:r>
-            <a:r>
-              <a:rPr lang="en-US" sz="1300" dirty="0">
-                <a:solidFill>
-                  <a:srgbClr val="569CD6"/>
-                </a:solidFill>
-                <a:latin typeface="Consolas" panose="020B0609020204030204" pitchFamily="49" charset="0"/>
-              </a:rPr>
-              <a:t>int</a:t>
-            </a:r>
-            <a:r>
-              <a:rPr lang="en-US" sz="1300" dirty="0">
-                <a:solidFill>
-                  <a:srgbClr val="D4D4D4"/>
-                </a:solidFill>
-                <a:latin typeface="Consolas" panose="020B0609020204030204" pitchFamily="49" charset="0"/>
-              </a:rPr>
-              <a:t> </a:t>
-            </a:r>
-            <a:r>
-              <a:rPr lang="en-US" sz="1300" dirty="0" err="1" smtClean="0">
-                <a:solidFill>
-                  <a:srgbClr val="9CDCFE"/>
-                </a:solidFill>
-                <a:latin typeface="Consolas" panose="020B0609020204030204" pitchFamily="49" charset="0"/>
-              </a:rPr>
-              <a:t>i</a:t>
-            </a:r>
-            <a:r>
-              <a:rPr lang="en-US" sz="1300" dirty="0" smtClean="0">
-                <a:solidFill>
-                  <a:srgbClr val="D4D4D4"/>
-                </a:solidFill>
-                <a:latin typeface="Consolas" panose="020B0609020204030204" pitchFamily="49" charset="0"/>
-              </a:rPr>
-              <a:t>,</a:t>
-            </a:r>
-            <a:r>
-              <a:rPr lang="en-US" sz="1300" dirty="0">
-                <a:solidFill>
-                  <a:srgbClr val="D4D4D4"/>
-                </a:solidFill>
-                <a:latin typeface="Consolas" panose="020B0609020204030204" pitchFamily="49" charset="0"/>
-              </a:rPr>
-              <a:t> </a:t>
-            </a:r>
-            <a:r>
-              <a:rPr lang="en-US" sz="1300" dirty="0">
-                <a:solidFill>
-                  <a:srgbClr val="569CD6"/>
-                </a:solidFill>
-                <a:latin typeface="Consolas" panose="020B0609020204030204" pitchFamily="49" charset="0"/>
-              </a:rPr>
-              <a:t>int</a:t>
-            </a:r>
-            <a:r>
-              <a:rPr lang="en-US" sz="1300" dirty="0">
-                <a:solidFill>
-                  <a:srgbClr val="D4D4D4"/>
-                </a:solidFill>
-                <a:latin typeface="Consolas" panose="020B0609020204030204" pitchFamily="49" charset="0"/>
-              </a:rPr>
-              <a:t> </a:t>
-            </a:r>
-            <a:r>
-              <a:rPr lang="en-US" sz="1300" dirty="0" smtClean="0">
-                <a:solidFill>
-                  <a:srgbClr val="9CDCFE"/>
-                </a:solidFill>
-                <a:latin typeface="Consolas" panose="020B0609020204030204" pitchFamily="49" charset="0"/>
-              </a:rPr>
-              <a:t>v</a:t>
-            </a:r>
-            <a:r>
-              <a:rPr lang="en-US" sz="1300" dirty="0" smtClean="0">
-                <a:solidFill>
-                  <a:srgbClr val="D4D4D4"/>
-                </a:solidFill>
-                <a:latin typeface="Consolas" panose="020B0609020204030204" pitchFamily="49" charset="0"/>
-              </a:rPr>
-              <a:t>);</a:t>
-            </a:r>
-            <a:endParaRPr lang="en-US" sz="1300" dirty="0">
-              <a:solidFill>
-                <a:srgbClr val="D4D4D4"/>
-              </a:solidFill>
-              <a:latin typeface="Consolas" panose="020B0609020204030204" pitchFamily="49" charset="0"/>
-            </a:endParaRPr>
-          </a:p>
-          <a:p>
-            <a:r>
-              <a:rPr lang="en-US" sz="1300" dirty="0">
-                <a:solidFill>
-                  <a:srgbClr val="D4D4D4"/>
-                </a:solidFill>
-                <a:latin typeface="Consolas" panose="020B0609020204030204" pitchFamily="49" charset="0"/>
-              </a:rPr>
-              <a:t/>
-            </a:r>
-            <a:br>
-              <a:rPr lang="en-US" sz="1300" dirty="0">
-                <a:solidFill>
-                  <a:srgbClr val="D4D4D4"/>
-                </a:solidFill>
-                <a:latin typeface="Consolas" panose="020B0609020204030204" pitchFamily="49" charset="0"/>
-              </a:rPr>
-            </a:br>
-            <a:endParaRPr lang="en-US" sz="1300" dirty="0">
-              <a:solidFill>
-                <a:srgbClr val="D4D4D4"/>
-              </a:solidFill>
-              <a:latin typeface="Consolas" panose="020B0609020204030204" pitchFamily="49" charset="0"/>
-            </a:endParaRPr>
-          </a:p>
-          <a:p>
-            <a:r>
-              <a:rPr lang="en-US" sz="1300" dirty="0" smtClean="0">
-                <a:solidFill>
-                  <a:srgbClr val="569CD6"/>
-                </a:solidFill>
-                <a:latin typeface="Consolas" panose="020B0609020204030204" pitchFamily="49" charset="0"/>
-              </a:rPr>
-              <a:t>void</a:t>
-            </a:r>
-            <a:r>
-              <a:rPr lang="en-US" sz="1300" dirty="0" smtClean="0">
-                <a:solidFill>
-                  <a:srgbClr val="D4D4D4"/>
-                </a:solidFill>
-                <a:latin typeface="Consolas" panose="020B0609020204030204" pitchFamily="49" charset="0"/>
-              </a:rPr>
-              <a:t> </a:t>
-            </a:r>
-            <a:r>
-              <a:rPr lang="en-US" sz="1300" dirty="0" err="1" smtClean="0">
-                <a:solidFill>
-                  <a:srgbClr val="DCDCAA"/>
-                </a:solidFill>
-                <a:latin typeface="Consolas" panose="020B0609020204030204" pitchFamily="49" charset="0"/>
-              </a:rPr>
-              <a:t>MakePrimes</a:t>
-            </a:r>
-            <a:r>
-              <a:rPr lang="en-US" sz="1300" dirty="0" smtClean="0">
-                <a:solidFill>
-                  <a:srgbClr val="D4D4D4"/>
-                </a:solidFill>
-                <a:latin typeface="Consolas" panose="020B0609020204030204" pitchFamily="49" charset="0"/>
-              </a:rPr>
-              <a:t>(</a:t>
-            </a:r>
-            <a:r>
-              <a:rPr lang="en-US" sz="1300" dirty="0" smtClean="0">
-                <a:solidFill>
-                  <a:srgbClr val="569CD6"/>
-                </a:solidFill>
-                <a:latin typeface="Consolas" panose="020B0609020204030204" pitchFamily="49" charset="0"/>
-              </a:rPr>
-              <a:t>int</a:t>
-            </a:r>
-            <a:r>
-              <a:rPr lang="en-US" sz="1300" dirty="0" smtClean="0">
-                <a:solidFill>
-                  <a:srgbClr val="D4D4D4"/>
-                </a:solidFill>
-                <a:latin typeface="Consolas" panose="020B0609020204030204" pitchFamily="49" charset="0"/>
-              </a:rPr>
-              <a:t> </a:t>
-            </a:r>
-            <a:r>
-              <a:rPr lang="en-US" sz="1300" dirty="0" smtClean="0">
-                <a:solidFill>
-                  <a:srgbClr val="9CDCFE"/>
-                </a:solidFill>
-                <a:latin typeface="Consolas" panose="020B0609020204030204" pitchFamily="49" charset="0"/>
-              </a:rPr>
-              <a:t>n</a:t>
-            </a:r>
-            <a:r>
-              <a:rPr lang="en-US" sz="1300" dirty="0" smtClean="0">
-                <a:solidFill>
-                  <a:srgbClr val="D4D4D4"/>
-                </a:solidFill>
-                <a:latin typeface="Consolas" panose="020B0609020204030204" pitchFamily="49" charset="0"/>
-              </a:rPr>
-              <a:t>, </a:t>
-            </a:r>
-            <a:r>
-              <a:rPr lang="en-US" sz="1300" dirty="0" smtClean="0">
-                <a:solidFill>
-                  <a:srgbClr val="569CD6"/>
-                </a:solidFill>
-                <a:latin typeface="Consolas" panose="020B0609020204030204" pitchFamily="49" charset="0"/>
-              </a:rPr>
-              <a:t>struct</a:t>
-            </a:r>
-            <a:r>
-              <a:rPr lang="en-US" sz="1300" dirty="0" smtClean="0">
-                <a:solidFill>
-                  <a:srgbClr val="D4D4D4"/>
-                </a:solidFill>
-                <a:latin typeface="Consolas" panose="020B0609020204030204" pitchFamily="49" charset="0"/>
-              </a:rPr>
-              <a:t> </a:t>
-            </a:r>
-            <a:r>
-              <a:rPr lang="en-US" sz="1300" dirty="0" err="1" smtClean="0">
-                <a:solidFill>
-                  <a:srgbClr val="D4D4D4"/>
-                </a:solidFill>
-                <a:latin typeface="Consolas" panose="020B0609020204030204" pitchFamily="49" charset="0"/>
-              </a:rPr>
-              <a:t>TArrayOfInt</a:t>
-            </a:r>
-            <a:r>
-              <a:rPr lang="en-US" sz="1300" dirty="0" smtClean="0">
-                <a:solidFill>
-                  <a:srgbClr val="D4D4D4"/>
-                </a:solidFill>
-                <a:latin typeface="Consolas" panose="020B0609020204030204" pitchFamily="49" charset="0"/>
-              </a:rPr>
-              <a:t>* </a:t>
-            </a:r>
-            <a:r>
-              <a:rPr lang="en-US" sz="1300" dirty="0" smtClean="0">
-                <a:solidFill>
-                  <a:srgbClr val="9CDCFE"/>
-                </a:solidFill>
-                <a:latin typeface="Consolas" panose="020B0609020204030204" pitchFamily="49" charset="0"/>
-              </a:rPr>
-              <a:t>array</a:t>
-            </a:r>
-            <a:r>
-              <a:rPr lang="en-US" sz="1300" dirty="0" smtClean="0">
-                <a:solidFill>
-                  <a:srgbClr val="D4D4D4"/>
-                </a:solidFill>
-                <a:latin typeface="Consolas" panose="020B0609020204030204" pitchFamily="49" charset="0"/>
-              </a:rPr>
-              <a:t>) {</a:t>
-            </a:r>
-          </a:p>
-          <a:p>
-            <a:r>
-              <a:rPr lang="en-US" sz="1300" dirty="0">
-                <a:solidFill>
-                  <a:srgbClr val="D4D4D4"/>
-                </a:solidFill>
-                <a:latin typeface="Consolas" panose="020B0609020204030204" pitchFamily="49" charset="0"/>
-              </a:rPr>
-              <a:t>    </a:t>
-            </a:r>
-            <a:r>
-              <a:rPr lang="en-US" sz="1300" dirty="0">
-                <a:solidFill>
-                  <a:srgbClr val="569CD6"/>
-                </a:solidFill>
-                <a:latin typeface="Consolas" panose="020B0609020204030204" pitchFamily="49" charset="0"/>
-              </a:rPr>
-              <a:t>int</a:t>
-            </a:r>
-            <a:r>
-              <a:rPr lang="en-US" sz="1300" dirty="0">
-                <a:solidFill>
-                  <a:srgbClr val="D4D4D4"/>
-                </a:solidFill>
-                <a:latin typeface="Consolas" panose="020B0609020204030204" pitchFamily="49" charset="0"/>
-              </a:rPr>
-              <a:t> </a:t>
-            </a:r>
-            <a:r>
-              <a:rPr lang="en-US" sz="1300" dirty="0" err="1">
-                <a:solidFill>
-                  <a:srgbClr val="D4D4D4"/>
-                </a:solidFill>
-                <a:latin typeface="Consolas" panose="020B0609020204030204" pitchFamily="49" charset="0"/>
-              </a:rPr>
-              <a:t>idx</a:t>
-            </a:r>
-            <a:r>
-              <a:rPr lang="en-US" sz="1300" dirty="0">
-                <a:solidFill>
-                  <a:srgbClr val="D4D4D4"/>
-                </a:solidFill>
-                <a:latin typeface="Consolas" panose="020B0609020204030204" pitchFamily="49" charset="0"/>
-              </a:rPr>
-              <a:t> = </a:t>
-            </a:r>
-            <a:r>
-              <a:rPr lang="en-US" sz="1300" dirty="0">
-                <a:solidFill>
-                  <a:srgbClr val="B5CEA8"/>
-                </a:solidFill>
-                <a:latin typeface="Consolas" panose="020B0609020204030204" pitchFamily="49" charset="0"/>
-              </a:rPr>
-              <a:t>0</a:t>
-            </a:r>
-            <a:r>
-              <a:rPr lang="en-US" sz="1300" dirty="0">
-                <a:solidFill>
-                  <a:srgbClr val="D4D4D4"/>
-                </a:solidFill>
-                <a:latin typeface="Consolas" panose="020B0609020204030204" pitchFamily="49" charset="0"/>
-              </a:rPr>
-              <a:t>;</a:t>
-            </a:r>
-          </a:p>
-          <a:p>
-            <a:r>
-              <a:rPr lang="en-US" sz="1300" dirty="0">
-                <a:solidFill>
-                  <a:srgbClr val="D4D4D4"/>
-                </a:solidFill>
-                <a:latin typeface="Consolas" panose="020B0609020204030204" pitchFamily="49" charset="0"/>
-              </a:rPr>
-              <a:t>    </a:t>
-            </a:r>
-            <a:r>
-              <a:rPr lang="en-US" sz="1300" dirty="0">
-                <a:solidFill>
-                  <a:srgbClr val="C586C0"/>
-                </a:solidFill>
-                <a:latin typeface="Consolas" panose="020B0609020204030204" pitchFamily="49" charset="0"/>
-              </a:rPr>
-              <a:t>for</a:t>
-            </a:r>
-            <a:r>
-              <a:rPr lang="en-US" sz="1300" dirty="0">
-                <a:solidFill>
-                  <a:srgbClr val="D4D4D4"/>
-                </a:solidFill>
-                <a:latin typeface="Consolas" panose="020B0609020204030204" pitchFamily="49" charset="0"/>
-              </a:rPr>
-              <a:t> (</a:t>
-            </a:r>
-            <a:r>
-              <a:rPr lang="en-US" sz="1300" dirty="0">
-                <a:solidFill>
-                  <a:srgbClr val="569CD6"/>
-                </a:solidFill>
-                <a:latin typeface="Consolas" panose="020B0609020204030204" pitchFamily="49" charset="0"/>
-              </a:rPr>
-              <a:t>int</a:t>
-            </a:r>
-            <a:r>
-              <a:rPr lang="en-US" sz="1300" dirty="0">
-                <a:solidFill>
-                  <a:srgbClr val="D4D4D4"/>
-                </a:solidFill>
-                <a:latin typeface="Consolas" panose="020B0609020204030204" pitchFamily="49" charset="0"/>
-              </a:rPr>
-              <a:t> p = </a:t>
-            </a:r>
-            <a:r>
-              <a:rPr lang="en-US" sz="1300" dirty="0">
-                <a:solidFill>
-                  <a:srgbClr val="B5CEA8"/>
-                </a:solidFill>
-                <a:latin typeface="Consolas" panose="020B0609020204030204" pitchFamily="49" charset="0"/>
-              </a:rPr>
-              <a:t>2</a:t>
-            </a:r>
-            <a:r>
-              <a:rPr lang="en-US" sz="1300" dirty="0">
-                <a:solidFill>
-                  <a:srgbClr val="D4D4D4"/>
-                </a:solidFill>
-                <a:latin typeface="Consolas" panose="020B0609020204030204" pitchFamily="49" charset="0"/>
-              </a:rPr>
-              <a:t>; p &lt; n; ++p) {</a:t>
-            </a:r>
-          </a:p>
-          <a:p>
-            <a:r>
-              <a:rPr lang="en-US" sz="1300" dirty="0">
-                <a:solidFill>
-                  <a:srgbClr val="D4D4D4"/>
-                </a:solidFill>
-                <a:latin typeface="Consolas" panose="020B0609020204030204" pitchFamily="49" charset="0"/>
-              </a:rPr>
-              <a:t>        </a:t>
-            </a:r>
-            <a:r>
-              <a:rPr lang="en-US" sz="1300" dirty="0">
-                <a:solidFill>
-                  <a:srgbClr val="C586C0"/>
-                </a:solidFill>
-                <a:latin typeface="Consolas" panose="020B0609020204030204" pitchFamily="49" charset="0"/>
-              </a:rPr>
-              <a:t>if</a:t>
-            </a:r>
-            <a:r>
-              <a:rPr lang="en-US" sz="1300" dirty="0">
-                <a:solidFill>
-                  <a:srgbClr val="D4D4D4"/>
-                </a:solidFill>
-                <a:latin typeface="Consolas" panose="020B0609020204030204" pitchFamily="49" charset="0"/>
-              </a:rPr>
-              <a:t> (</a:t>
-            </a:r>
-            <a:r>
-              <a:rPr lang="en-US" sz="1300" dirty="0" err="1">
-                <a:solidFill>
-                  <a:srgbClr val="DCDCAA"/>
-                </a:solidFill>
-                <a:latin typeface="Consolas" panose="020B0609020204030204" pitchFamily="49" charset="0"/>
-              </a:rPr>
-              <a:t>IsPrime</a:t>
-            </a:r>
-            <a:r>
-              <a:rPr lang="en-US" sz="1300" dirty="0">
-                <a:solidFill>
-                  <a:srgbClr val="D4D4D4"/>
-                </a:solidFill>
-                <a:latin typeface="Consolas" panose="020B0609020204030204" pitchFamily="49" charset="0"/>
-              </a:rPr>
-              <a:t>(p)) {</a:t>
-            </a:r>
-          </a:p>
-          <a:p>
-            <a:r>
-              <a:rPr lang="en-US" sz="1300" dirty="0" smtClean="0">
-                <a:solidFill>
-                  <a:srgbClr val="D4D4D4"/>
-                </a:solidFill>
-                <a:latin typeface="Consolas" panose="020B0609020204030204" pitchFamily="49" charset="0"/>
-              </a:rPr>
-              <a:t>           </a:t>
-            </a:r>
-            <a:r>
-              <a:rPr lang="en-US" sz="1300" dirty="0" smtClean="0">
-                <a:solidFill>
-                  <a:srgbClr val="DCDCAA"/>
-                </a:solidFill>
-                <a:latin typeface="Consolas" panose="020B0609020204030204" pitchFamily="49" charset="0"/>
-              </a:rPr>
-              <a:t>Assign</a:t>
-            </a:r>
-            <a:r>
-              <a:rPr lang="en-US" sz="1300" dirty="0" smtClean="0">
-                <a:solidFill>
-                  <a:srgbClr val="D4D4D4"/>
-                </a:solidFill>
-                <a:latin typeface="Consolas" panose="020B0609020204030204" pitchFamily="49" charset="0"/>
-              </a:rPr>
-              <a:t>(array, </a:t>
-            </a:r>
-            <a:r>
-              <a:rPr lang="en-US" sz="1300" dirty="0" err="1" smtClean="0">
-                <a:solidFill>
-                  <a:srgbClr val="D4D4D4"/>
-                </a:solidFill>
-                <a:latin typeface="Consolas" panose="020B0609020204030204" pitchFamily="49" charset="0"/>
-              </a:rPr>
-              <a:t>idx</a:t>
-            </a:r>
-            <a:r>
-              <a:rPr lang="en-US" sz="1300" dirty="0" smtClean="0">
-                <a:solidFill>
-                  <a:srgbClr val="D4D4D4"/>
-                </a:solidFill>
-                <a:latin typeface="Consolas" panose="020B0609020204030204" pitchFamily="49" charset="0"/>
-              </a:rPr>
-              <a:t>, p);</a:t>
-            </a:r>
-          </a:p>
-          <a:p>
-            <a:r>
-              <a:rPr lang="en-US" sz="1300" dirty="0">
-                <a:solidFill>
-                  <a:srgbClr val="D4D4D4"/>
-                </a:solidFill>
-                <a:latin typeface="Consolas" panose="020B0609020204030204" pitchFamily="49" charset="0"/>
-              </a:rPr>
-              <a:t>        }</a:t>
-            </a:r>
-          </a:p>
-          <a:p>
-            <a:r>
-              <a:rPr lang="en-US" sz="1300" dirty="0">
-                <a:solidFill>
-                  <a:srgbClr val="D4D4D4"/>
-                </a:solidFill>
-                <a:latin typeface="Consolas" panose="020B0609020204030204" pitchFamily="49" charset="0"/>
-              </a:rPr>
-              <a:t>    }</a:t>
-            </a:r>
-          </a:p>
-          <a:p>
-            <a:r>
-              <a:rPr lang="en-US" sz="1300" dirty="0" smtClean="0">
-                <a:solidFill>
-                  <a:srgbClr val="D4D4D4"/>
-                </a:solidFill>
-                <a:latin typeface="Consolas" panose="020B0609020204030204" pitchFamily="49" charset="0"/>
-              </a:rPr>
-              <a:t>}</a:t>
-            </a:r>
-            <a:endParaRPr lang="en-US" sz="1300" b="0" dirty="0">
-              <a:solidFill>
-                <a:srgbClr val="D4D4D4"/>
-              </a:solidFill>
-              <a:effectLst/>
-              <a:latin typeface="Consolas" panose="020B0609020204030204" pitchFamily="49" charset="0"/>
-            </a:endParaRPr>
           </a:p>
         </p:txBody>
       </p:sp>
@@ -29725,14 +28887,14 @@
       </p:sp>
       <p:sp>
         <p:nvSpPr>
-          <p:cNvPr id="7" name="Flowchart: Process 6"/>
+          <p:cNvPr id="8" name="Flowchart: Process 7"/>
           <p:cNvSpPr/>
           <p:nvPr/>
         </p:nvSpPr>
         <p:spPr>
           <a:xfrm>
-            <a:off x="1638301" y="5200650"/>
-            <a:ext cx="2286000" cy="590550"/>
+            <a:off x="6600826" y="5334000"/>
+            <a:ext cx="2581274" cy="457200"/>
           </a:xfrm>
           <a:prstGeom prst="flowChartProcess">
             <a:avLst/>
@@ -29773,14 +28935,727 @@
       </p:sp>
       <p:sp>
         <p:nvSpPr>
-          <p:cNvPr id="8" name="Flowchart: Process 7"/>
+          <p:cNvPr id="9" name="Flowchart: Process 4"/>
           <p:cNvSpPr/>
           <p:nvPr/>
         </p:nvSpPr>
         <p:spPr>
           <a:xfrm>
-            <a:off x="6600826" y="5334000"/>
-            <a:ext cx="2581274" cy="457200"/>
+            <a:off x="838200" y="3883026"/>
+            <a:ext cx="5181600" cy="2293937"/>
+          </a:xfrm>
+          <a:prstGeom prst="flowChartProcess">
+            <a:avLst/>
+          </a:prstGeom>
+          <a:solidFill>
+            <a:schemeClr val="tx1"/>
+          </a:solidFill>
+          <a:ln>
+            <a:noFill/>
+          </a:ln>
+        </p:spPr>
+        <p:style>
+          <a:lnRef idx="2">
+            <a:schemeClr val="accent1">
+              <a:shade val="50000"/>
+            </a:schemeClr>
+          </a:lnRef>
+          <a:fillRef idx="1">
+            <a:schemeClr val="accent1"/>
+          </a:fillRef>
+          <a:effectRef idx="0">
+            <a:schemeClr val="accent1"/>
+          </a:effectRef>
+          <a:fontRef idx="minor">
+            <a:schemeClr val="lt1"/>
+          </a:fontRef>
+        </p:style>
+        <p:txBody>
+          <a:bodyPr rtlCol="0" anchor="ctr">
+            <a:normAutofit fontScale="92500" lnSpcReduction="10000"/>
+          </a:bodyPr>
+          <a:lstStyle/>
+          <a:p>
+            <a:r>
+              <a:rPr lang="en-US" sz="1300" dirty="0">
+                <a:solidFill>
+                  <a:srgbClr val="569CD6"/>
+                </a:solidFill>
+                <a:latin typeface="Consolas" panose="020B0609020204030204" pitchFamily="49" charset="0"/>
+              </a:rPr>
+              <a:t>struct</a:t>
+            </a:r>
+            <a:r>
+              <a:rPr lang="en-US" sz="1300" dirty="0">
+                <a:solidFill>
+                  <a:srgbClr val="D4D4D4"/>
+                </a:solidFill>
+                <a:latin typeface="Consolas" panose="020B0609020204030204" pitchFamily="49" charset="0"/>
+              </a:rPr>
+              <a:t> </a:t>
+            </a:r>
+            <a:r>
+              <a:rPr lang="en-US" sz="1300" dirty="0" err="1">
+                <a:solidFill>
+                  <a:srgbClr val="D4D4D4"/>
+                </a:solidFill>
+                <a:latin typeface="Consolas" panose="020B0609020204030204" pitchFamily="49" charset="0"/>
+              </a:rPr>
+              <a:t>TArrayOfInt</a:t>
+            </a:r>
+            <a:r>
+              <a:rPr lang="en-US" sz="1300" dirty="0">
+                <a:solidFill>
+                  <a:srgbClr val="D4D4D4"/>
+                </a:solidFill>
+                <a:latin typeface="Consolas" panose="020B0609020204030204" pitchFamily="49" charset="0"/>
+              </a:rPr>
+              <a:t>;</a:t>
+            </a:r>
+          </a:p>
+          <a:p>
+            <a:r>
+              <a:rPr lang="en-US" sz="1300" dirty="0">
+                <a:solidFill>
+                  <a:srgbClr val="569CD6"/>
+                </a:solidFill>
+                <a:latin typeface="Consolas" panose="020B0609020204030204" pitchFamily="49" charset="0"/>
+              </a:rPr>
+              <a:t>void</a:t>
+            </a:r>
+            <a:r>
+              <a:rPr lang="en-US" sz="1300" dirty="0">
+                <a:solidFill>
+                  <a:srgbClr val="D4D4D4"/>
+                </a:solidFill>
+                <a:latin typeface="Consolas" panose="020B0609020204030204" pitchFamily="49" charset="0"/>
+              </a:rPr>
+              <a:t> </a:t>
+            </a:r>
+            <a:r>
+              <a:rPr lang="en-US" sz="1300" dirty="0" smtClean="0">
+                <a:solidFill>
+                  <a:srgbClr val="DCDCAA"/>
+                </a:solidFill>
+                <a:latin typeface="Consolas" panose="020B0609020204030204" pitchFamily="49" charset="0"/>
+              </a:rPr>
+              <a:t>Assign</a:t>
+            </a:r>
+            <a:r>
+              <a:rPr lang="en-US" sz="1300" dirty="0" smtClean="0">
+                <a:solidFill>
+                  <a:srgbClr val="D4D4D4"/>
+                </a:solidFill>
+                <a:latin typeface="Consolas" panose="020B0609020204030204" pitchFamily="49" charset="0"/>
+              </a:rPr>
+              <a:t>(</a:t>
+            </a:r>
+            <a:r>
+              <a:rPr lang="en-US" sz="1300" dirty="0" smtClean="0">
+                <a:solidFill>
+                  <a:srgbClr val="569CD6"/>
+                </a:solidFill>
+                <a:latin typeface="Consolas" panose="020B0609020204030204" pitchFamily="49" charset="0"/>
+              </a:rPr>
+              <a:t>struct</a:t>
+            </a:r>
+            <a:r>
+              <a:rPr lang="en-US" sz="1300" dirty="0">
+                <a:solidFill>
+                  <a:srgbClr val="D4D4D4"/>
+                </a:solidFill>
+                <a:latin typeface="Consolas" panose="020B0609020204030204" pitchFamily="49" charset="0"/>
+              </a:rPr>
+              <a:t> </a:t>
+            </a:r>
+            <a:r>
+              <a:rPr lang="en-US" sz="1300" dirty="0" err="1">
+                <a:solidFill>
+                  <a:srgbClr val="D4D4D4"/>
+                </a:solidFill>
+                <a:latin typeface="Consolas" panose="020B0609020204030204" pitchFamily="49" charset="0"/>
+              </a:rPr>
+              <a:t>TArrayOfInt</a:t>
+            </a:r>
+            <a:r>
+              <a:rPr lang="en-US" sz="1300" dirty="0">
+                <a:solidFill>
+                  <a:srgbClr val="D4D4D4"/>
+                </a:solidFill>
+                <a:latin typeface="Consolas" panose="020B0609020204030204" pitchFamily="49" charset="0"/>
+              </a:rPr>
+              <a:t>* </a:t>
+            </a:r>
+            <a:r>
+              <a:rPr lang="en-US" sz="1300" dirty="0">
+                <a:solidFill>
+                  <a:srgbClr val="9CDCFE"/>
+                </a:solidFill>
+                <a:latin typeface="Consolas" panose="020B0609020204030204" pitchFamily="49" charset="0"/>
+              </a:rPr>
+              <a:t>array</a:t>
+            </a:r>
+            <a:r>
+              <a:rPr lang="en-US" sz="1300" dirty="0">
+                <a:solidFill>
+                  <a:srgbClr val="D4D4D4"/>
+                </a:solidFill>
+                <a:latin typeface="Consolas" panose="020B0609020204030204" pitchFamily="49" charset="0"/>
+              </a:rPr>
+              <a:t>, </a:t>
+            </a:r>
+            <a:r>
+              <a:rPr lang="en-US" sz="1300" dirty="0">
+                <a:solidFill>
+                  <a:srgbClr val="569CD6"/>
+                </a:solidFill>
+                <a:latin typeface="Consolas" panose="020B0609020204030204" pitchFamily="49" charset="0"/>
+              </a:rPr>
+              <a:t>int</a:t>
+            </a:r>
+            <a:r>
+              <a:rPr lang="en-US" sz="1300" dirty="0">
+                <a:solidFill>
+                  <a:srgbClr val="D4D4D4"/>
+                </a:solidFill>
+                <a:latin typeface="Consolas" panose="020B0609020204030204" pitchFamily="49" charset="0"/>
+              </a:rPr>
+              <a:t> </a:t>
+            </a:r>
+            <a:r>
+              <a:rPr lang="en-US" sz="1300" dirty="0" err="1" smtClean="0">
+                <a:solidFill>
+                  <a:srgbClr val="9CDCFE"/>
+                </a:solidFill>
+                <a:latin typeface="Consolas" panose="020B0609020204030204" pitchFamily="49" charset="0"/>
+              </a:rPr>
+              <a:t>i</a:t>
+            </a:r>
+            <a:r>
+              <a:rPr lang="en-US" sz="1300" dirty="0" smtClean="0">
+                <a:solidFill>
+                  <a:srgbClr val="D4D4D4"/>
+                </a:solidFill>
+                <a:latin typeface="Consolas" panose="020B0609020204030204" pitchFamily="49" charset="0"/>
+              </a:rPr>
+              <a:t>,</a:t>
+            </a:r>
+            <a:r>
+              <a:rPr lang="en-US" sz="1300" dirty="0">
+                <a:solidFill>
+                  <a:srgbClr val="D4D4D4"/>
+                </a:solidFill>
+                <a:latin typeface="Consolas" panose="020B0609020204030204" pitchFamily="49" charset="0"/>
+              </a:rPr>
+              <a:t> </a:t>
+            </a:r>
+            <a:r>
+              <a:rPr lang="en-US" sz="1300" dirty="0">
+                <a:solidFill>
+                  <a:srgbClr val="569CD6"/>
+                </a:solidFill>
+                <a:latin typeface="Consolas" panose="020B0609020204030204" pitchFamily="49" charset="0"/>
+              </a:rPr>
+              <a:t>int</a:t>
+            </a:r>
+            <a:r>
+              <a:rPr lang="en-US" sz="1300" dirty="0">
+                <a:solidFill>
+                  <a:srgbClr val="D4D4D4"/>
+                </a:solidFill>
+                <a:latin typeface="Consolas" panose="020B0609020204030204" pitchFamily="49" charset="0"/>
+              </a:rPr>
+              <a:t> </a:t>
+            </a:r>
+            <a:r>
+              <a:rPr lang="en-US" sz="1300" dirty="0" smtClean="0">
+                <a:solidFill>
+                  <a:srgbClr val="9CDCFE"/>
+                </a:solidFill>
+                <a:latin typeface="Consolas" panose="020B0609020204030204" pitchFamily="49" charset="0"/>
+              </a:rPr>
+              <a:t>v</a:t>
+            </a:r>
+            <a:r>
+              <a:rPr lang="en-US" sz="1300" dirty="0" smtClean="0">
+                <a:solidFill>
+                  <a:srgbClr val="D4D4D4"/>
+                </a:solidFill>
+                <a:latin typeface="Consolas" panose="020B0609020204030204" pitchFamily="49" charset="0"/>
+              </a:rPr>
+              <a:t>);</a:t>
+            </a:r>
+            <a:endParaRPr lang="en-US" sz="1300" dirty="0">
+              <a:solidFill>
+                <a:srgbClr val="D4D4D4"/>
+              </a:solidFill>
+              <a:latin typeface="Consolas" panose="020B0609020204030204" pitchFamily="49" charset="0"/>
+            </a:endParaRPr>
+          </a:p>
+          <a:p>
+            <a:r>
+              <a:rPr lang="en-US" sz="1300" dirty="0">
+                <a:solidFill>
+                  <a:srgbClr val="D4D4D4"/>
+                </a:solidFill>
+                <a:latin typeface="Consolas" panose="020B0609020204030204" pitchFamily="49" charset="0"/>
+              </a:rPr>
+              <a:t/>
+            </a:r>
+            <a:br>
+              <a:rPr lang="en-US" sz="1300" dirty="0">
+                <a:solidFill>
+                  <a:srgbClr val="D4D4D4"/>
+                </a:solidFill>
+                <a:latin typeface="Consolas" panose="020B0609020204030204" pitchFamily="49" charset="0"/>
+              </a:rPr>
+            </a:br>
+            <a:endParaRPr lang="en-US" sz="1300" dirty="0">
+              <a:solidFill>
+                <a:srgbClr val="D4D4D4"/>
+              </a:solidFill>
+              <a:latin typeface="Consolas" panose="020B0609020204030204" pitchFamily="49" charset="0"/>
+            </a:endParaRPr>
+          </a:p>
+          <a:p>
+            <a:r>
+              <a:rPr lang="en-US" sz="1300" dirty="0" smtClean="0">
+                <a:solidFill>
+                  <a:srgbClr val="569CD6"/>
+                </a:solidFill>
+                <a:latin typeface="Consolas" panose="020B0609020204030204" pitchFamily="49" charset="0"/>
+              </a:rPr>
+              <a:t>void</a:t>
+            </a:r>
+            <a:r>
+              <a:rPr lang="en-US" sz="1300" dirty="0" smtClean="0">
+                <a:solidFill>
+                  <a:srgbClr val="D4D4D4"/>
+                </a:solidFill>
+                <a:latin typeface="Consolas" panose="020B0609020204030204" pitchFamily="49" charset="0"/>
+              </a:rPr>
+              <a:t> </a:t>
+            </a:r>
+            <a:r>
+              <a:rPr lang="en-US" sz="1300" dirty="0" err="1" smtClean="0">
+                <a:solidFill>
+                  <a:srgbClr val="DCDCAA"/>
+                </a:solidFill>
+                <a:latin typeface="Consolas" panose="020B0609020204030204" pitchFamily="49" charset="0"/>
+              </a:rPr>
+              <a:t>MakePrimes</a:t>
+            </a:r>
+            <a:r>
+              <a:rPr lang="en-US" sz="1300" dirty="0" smtClean="0">
+                <a:solidFill>
+                  <a:srgbClr val="D4D4D4"/>
+                </a:solidFill>
+                <a:latin typeface="Consolas" panose="020B0609020204030204" pitchFamily="49" charset="0"/>
+              </a:rPr>
+              <a:t>(</a:t>
+            </a:r>
+            <a:r>
+              <a:rPr lang="en-US" sz="1300" dirty="0" smtClean="0">
+                <a:solidFill>
+                  <a:srgbClr val="569CD6"/>
+                </a:solidFill>
+                <a:latin typeface="Consolas" panose="020B0609020204030204" pitchFamily="49" charset="0"/>
+              </a:rPr>
+              <a:t>int</a:t>
+            </a:r>
+            <a:r>
+              <a:rPr lang="en-US" sz="1300" dirty="0" smtClean="0">
+                <a:solidFill>
+                  <a:srgbClr val="D4D4D4"/>
+                </a:solidFill>
+                <a:latin typeface="Consolas" panose="020B0609020204030204" pitchFamily="49" charset="0"/>
+              </a:rPr>
+              <a:t> </a:t>
+            </a:r>
+            <a:r>
+              <a:rPr lang="en-US" sz="1300" dirty="0" smtClean="0">
+                <a:solidFill>
+                  <a:srgbClr val="9CDCFE"/>
+                </a:solidFill>
+                <a:latin typeface="Consolas" panose="020B0609020204030204" pitchFamily="49" charset="0"/>
+              </a:rPr>
+              <a:t>n</a:t>
+            </a:r>
+            <a:r>
+              <a:rPr lang="en-US" sz="1300" dirty="0" smtClean="0">
+                <a:solidFill>
+                  <a:srgbClr val="D4D4D4"/>
+                </a:solidFill>
+                <a:latin typeface="Consolas" panose="020B0609020204030204" pitchFamily="49" charset="0"/>
+              </a:rPr>
+              <a:t>, </a:t>
+            </a:r>
+            <a:r>
+              <a:rPr lang="en-US" sz="1300" dirty="0" smtClean="0">
+                <a:solidFill>
+                  <a:srgbClr val="569CD6"/>
+                </a:solidFill>
+                <a:latin typeface="Consolas" panose="020B0609020204030204" pitchFamily="49" charset="0"/>
+              </a:rPr>
+              <a:t>struct</a:t>
+            </a:r>
+            <a:r>
+              <a:rPr lang="en-US" sz="1300" dirty="0" smtClean="0">
+                <a:solidFill>
+                  <a:srgbClr val="D4D4D4"/>
+                </a:solidFill>
+                <a:latin typeface="Consolas" panose="020B0609020204030204" pitchFamily="49" charset="0"/>
+              </a:rPr>
+              <a:t> </a:t>
+            </a:r>
+            <a:r>
+              <a:rPr lang="en-US" sz="1300" dirty="0" err="1" smtClean="0">
+                <a:solidFill>
+                  <a:srgbClr val="D4D4D4"/>
+                </a:solidFill>
+                <a:latin typeface="Consolas" panose="020B0609020204030204" pitchFamily="49" charset="0"/>
+              </a:rPr>
+              <a:t>TArrayOfInt</a:t>
+            </a:r>
+            <a:r>
+              <a:rPr lang="en-US" sz="1300" dirty="0" smtClean="0">
+                <a:solidFill>
+                  <a:srgbClr val="D4D4D4"/>
+                </a:solidFill>
+                <a:latin typeface="Consolas" panose="020B0609020204030204" pitchFamily="49" charset="0"/>
+              </a:rPr>
+              <a:t>* </a:t>
+            </a:r>
+            <a:r>
+              <a:rPr lang="en-US" sz="1300" dirty="0" smtClean="0">
+                <a:solidFill>
+                  <a:srgbClr val="9CDCFE"/>
+                </a:solidFill>
+                <a:latin typeface="Consolas" panose="020B0609020204030204" pitchFamily="49" charset="0"/>
+              </a:rPr>
+              <a:t>array</a:t>
+            </a:r>
+            <a:r>
+              <a:rPr lang="en-US" sz="1300" dirty="0" smtClean="0">
+                <a:solidFill>
+                  <a:srgbClr val="D4D4D4"/>
+                </a:solidFill>
+                <a:latin typeface="Consolas" panose="020B0609020204030204" pitchFamily="49" charset="0"/>
+              </a:rPr>
+              <a:t>) {</a:t>
+            </a:r>
+          </a:p>
+          <a:p>
+            <a:r>
+              <a:rPr lang="en-US" sz="1300" dirty="0">
+                <a:solidFill>
+                  <a:srgbClr val="D4D4D4"/>
+                </a:solidFill>
+                <a:latin typeface="Consolas" panose="020B0609020204030204" pitchFamily="49" charset="0"/>
+              </a:rPr>
+              <a:t>    </a:t>
+            </a:r>
+            <a:r>
+              <a:rPr lang="en-US" sz="1300" dirty="0">
+                <a:solidFill>
+                  <a:srgbClr val="569CD6"/>
+                </a:solidFill>
+                <a:latin typeface="Consolas" panose="020B0609020204030204" pitchFamily="49" charset="0"/>
+              </a:rPr>
+              <a:t>int</a:t>
+            </a:r>
+            <a:r>
+              <a:rPr lang="en-US" sz="1300" dirty="0">
+                <a:solidFill>
+                  <a:srgbClr val="D4D4D4"/>
+                </a:solidFill>
+                <a:latin typeface="Consolas" panose="020B0609020204030204" pitchFamily="49" charset="0"/>
+              </a:rPr>
+              <a:t> </a:t>
+            </a:r>
+            <a:r>
+              <a:rPr lang="en-US" sz="1300" dirty="0" err="1">
+                <a:solidFill>
+                  <a:srgbClr val="D4D4D4"/>
+                </a:solidFill>
+                <a:latin typeface="Consolas" panose="020B0609020204030204" pitchFamily="49" charset="0"/>
+              </a:rPr>
+              <a:t>idx</a:t>
+            </a:r>
+            <a:r>
+              <a:rPr lang="en-US" sz="1300" dirty="0">
+                <a:solidFill>
+                  <a:srgbClr val="D4D4D4"/>
+                </a:solidFill>
+                <a:latin typeface="Consolas" panose="020B0609020204030204" pitchFamily="49" charset="0"/>
+              </a:rPr>
+              <a:t> = </a:t>
+            </a:r>
+            <a:r>
+              <a:rPr lang="en-US" sz="1300" dirty="0">
+                <a:solidFill>
+                  <a:srgbClr val="B5CEA8"/>
+                </a:solidFill>
+                <a:latin typeface="Consolas" panose="020B0609020204030204" pitchFamily="49" charset="0"/>
+              </a:rPr>
+              <a:t>0</a:t>
+            </a:r>
+            <a:r>
+              <a:rPr lang="en-US" sz="1300" dirty="0">
+                <a:solidFill>
+                  <a:srgbClr val="D4D4D4"/>
+                </a:solidFill>
+                <a:latin typeface="Consolas" panose="020B0609020204030204" pitchFamily="49" charset="0"/>
+              </a:rPr>
+              <a:t>;</a:t>
+            </a:r>
+          </a:p>
+          <a:p>
+            <a:r>
+              <a:rPr lang="en-US" sz="1300" dirty="0">
+                <a:solidFill>
+                  <a:srgbClr val="D4D4D4"/>
+                </a:solidFill>
+                <a:latin typeface="Consolas" panose="020B0609020204030204" pitchFamily="49" charset="0"/>
+              </a:rPr>
+              <a:t>    </a:t>
+            </a:r>
+            <a:r>
+              <a:rPr lang="en-US" sz="1300" dirty="0">
+                <a:solidFill>
+                  <a:srgbClr val="C586C0"/>
+                </a:solidFill>
+                <a:latin typeface="Consolas" panose="020B0609020204030204" pitchFamily="49" charset="0"/>
+              </a:rPr>
+              <a:t>for</a:t>
+            </a:r>
+            <a:r>
+              <a:rPr lang="en-US" sz="1300" dirty="0">
+                <a:solidFill>
+                  <a:srgbClr val="D4D4D4"/>
+                </a:solidFill>
+                <a:latin typeface="Consolas" panose="020B0609020204030204" pitchFamily="49" charset="0"/>
+              </a:rPr>
+              <a:t> (</a:t>
+            </a:r>
+            <a:r>
+              <a:rPr lang="en-US" sz="1300" dirty="0">
+                <a:solidFill>
+                  <a:srgbClr val="569CD6"/>
+                </a:solidFill>
+                <a:latin typeface="Consolas" panose="020B0609020204030204" pitchFamily="49" charset="0"/>
+              </a:rPr>
+              <a:t>int</a:t>
+            </a:r>
+            <a:r>
+              <a:rPr lang="en-US" sz="1300" dirty="0">
+                <a:solidFill>
+                  <a:srgbClr val="D4D4D4"/>
+                </a:solidFill>
+                <a:latin typeface="Consolas" panose="020B0609020204030204" pitchFamily="49" charset="0"/>
+              </a:rPr>
+              <a:t> p = </a:t>
+            </a:r>
+            <a:r>
+              <a:rPr lang="en-US" sz="1300" dirty="0">
+                <a:solidFill>
+                  <a:srgbClr val="B5CEA8"/>
+                </a:solidFill>
+                <a:latin typeface="Consolas" panose="020B0609020204030204" pitchFamily="49" charset="0"/>
+              </a:rPr>
+              <a:t>2</a:t>
+            </a:r>
+            <a:r>
+              <a:rPr lang="en-US" sz="1300" dirty="0">
+                <a:solidFill>
+                  <a:srgbClr val="D4D4D4"/>
+                </a:solidFill>
+                <a:latin typeface="Consolas" panose="020B0609020204030204" pitchFamily="49" charset="0"/>
+              </a:rPr>
+              <a:t>; p &lt; n; ++p) {</a:t>
+            </a:r>
+          </a:p>
+          <a:p>
+            <a:r>
+              <a:rPr lang="en-US" sz="1300" dirty="0">
+                <a:solidFill>
+                  <a:srgbClr val="D4D4D4"/>
+                </a:solidFill>
+                <a:latin typeface="Consolas" panose="020B0609020204030204" pitchFamily="49" charset="0"/>
+              </a:rPr>
+              <a:t>        </a:t>
+            </a:r>
+            <a:r>
+              <a:rPr lang="en-US" sz="1300" dirty="0">
+                <a:solidFill>
+                  <a:srgbClr val="C586C0"/>
+                </a:solidFill>
+                <a:latin typeface="Consolas" panose="020B0609020204030204" pitchFamily="49" charset="0"/>
+              </a:rPr>
+              <a:t>if</a:t>
+            </a:r>
+            <a:r>
+              <a:rPr lang="en-US" sz="1300" dirty="0">
+                <a:solidFill>
+                  <a:srgbClr val="D4D4D4"/>
+                </a:solidFill>
+                <a:latin typeface="Consolas" panose="020B0609020204030204" pitchFamily="49" charset="0"/>
+              </a:rPr>
+              <a:t> (</a:t>
+            </a:r>
+            <a:r>
+              <a:rPr lang="en-US" sz="1300" dirty="0" err="1">
+                <a:solidFill>
+                  <a:srgbClr val="DCDCAA"/>
+                </a:solidFill>
+                <a:latin typeface="Consolas" panose="020B0609020204030204" pitchFamily="49" charset="0"/>
+              </a:rPr>
+              <a:t>IsPrime</a:t>
+            </a:r>
+            <a:r>
+              <a:rPr lang="en-US" sz="1300" dirty="0">
+                <a:solidFill>
+                  <a:srgbClr val="D4D4D4"/>
+                </a:solidFill>
+                <a:latin typeface="Consolas" panose="020B0609020204030204" pitchFamily="49" charset="0"/>
+              </a:rPr>
+              <a:t>(p)) {</a:t>
+            </a:r>
+          </a:p>
+          <a:p>
+            <a:r>
+              <a:rPr lang="en-US" sz="1300" dirty="0" smtClean="0">
+                <a:solidFill>
+                  <a:srgbClr val="D4D4D4"/>
+                </a:solidFill>
+                <a:latin typeface="Consolas" panose="020B0609020204030204" pitchFamily="49" charset="0"/>
+              </a:rPr>
+              <a:t>           </a:t>
+            </a:r>
+            <a:r>
+              <a:rPr lang="en-US" sz="1300" dirty="0" smtClean="0">
+                <a:solidFill>
+                  <a:srgbClr val="DCDCAA"/>
+                </a:solidFill>
+                <a:latin typeface="Consolas" panose="020B0609020204030204" pitchFamily="49" charset="0"/>
+              </a:rPr>
+              <a:t>Assign</a:t>
+            </a:r>
+            <a:r>
+              <a:rPr lang="en-US" sz="1300" dirty="0" smtClean="0">
+                <a:solidFill>
+                  <a:srgbClr val="D4D4D4"/>
+                </a:solidFill>
+                <a:latin typeface="Consolas" panose="020B0609020204030204" pitchFamily="49" charset="0"/>
+              </a:rPr>
+              <a:t>(array, </a:t>
+            </a:r>
+            <a:r>
+              <a:rPr lang="en-US" sz="1300" dirty="0" err="1" smtClean="0">
+                <a:solidFill>
+                  <a:srgbClr val="D4D4D4"/>
+                </a:solidFill>
+                <a:latin typeface="Consolas" panose="020B0609020204030204" pitchFamily="49" charset="0"/>
+              </a:rPr>
+              <a:t>idx</a:t>
+            </a:r>
+            <a:r>
+              <a:rPr lang="en-US" sz="1300" dirty="0" smtClean="0">
+                <a:solidFill>
+                  <a:srgbClr val="D4D4D4"/>
+                </a:solidFill>
+                <a:latin typeface="Consolas" panose="020B0609020204030204" pitchFamily="49" charset="0"/>
+              </a:rPr>
+              <a:t>, p);</a:t>
+            </a:r>
+          </a:p>
+          <a:p>
+            <a:r>
+              <a:rPr lang="en-US" sz="1300" dirty="0">
+                <a:solidFill>
+                  <a:srgbClr val="D4D4D4"/>
+                </a:solidFill>
+                <a:latin typeface="Consolas" panose="020B0609020204030204" pitchFamily="49" charset="0"/>
+              </a:rPr>
+              <a:t>        }</a:t>
+            </a:r>
+          </a:p>
+          <a:p>
+            <a:r>
+              <a:rPr lang="en-US" sz="1200" dirty="0" smtClean="0">
+                <a:solidFill>
+                  <a:srgbClr val="D4D4D4"/>
+                </a:solidFill>
+                <a:latin typeface="Consolas" panose="020B0609020204030204" pitchFamily="49" charset="0"/>
+              </a:rPr>
+              <a:t>         </a:t>
+            </a:r>
+            <a:r>
+              <a:rPr lang="en-US" sz="1200" dirty="0" err="1">
+                <a:solidFill>
+                  <a:srgbClr val="D4D4D4"/>
+                </a:solidFill>
+                <a:latin typeface="Consolas" panose="020B0609020204030204" pitchFamily="49" charset="0"/>
+              </a:rPr>
+              <a:t>idx</a:t>
+            </a:r>
+            <a:r>
+              <a:rPr lang="en-US" sz="1200" dirty="0">
+                <a:solidFill>
+                  <a:srgbClr val="D4D4D4"/>
+                </a:solidFill>
+                <a:latin typeface="Consolas" panose="020B0609020204030204" pitchFamily="49" charset="0"/>
+              </a:rPr>
+              <a:t> += 1;</a:t>
+            </a:r>
+            <a:endParaRPr lang="en-US" sz="1300" dirty="0" smtClean="0">
+              <a:solidFill>
+                <a:srgbClr val="D4D4D4"/>
+              </a:solidFill>
+              <a:latin typeface="Consolas" panose="020B0609020204030204" pitchFamily="49" charset="0"/>
+            </a:endParaRPr>
+          </a:p>
+          <a:p>
+            <a:r>
+              <a:rPr lang="en-US" sz="1300" dirty="0">
+                <a:solidFill>
+                  <a:srgbClr val="D4D4D4"/>
+                </a:solidFill>
+                <a:latin typeface="Consolas" panose="020B0609020204030204" pitchFamily="49" charset="0"/>
+              </a:rPr>
+              <a:t>    }</a:t>
+            </a:r>
+          </a:p>
+          <a:p>
+            <a:r>
+              <a:rPr lang="en-US" sz="1300" dirty="0" smtClean="0">
+                <a:solidFill>
+                  <a:srgbClr val="D4D4D4"/>
+                </a:solidFill>
+                <a:latin typeface="Consolas" panose="020B0609020204030204" pitchFamily="49" charset="0"/>
+              </a:rPr>
+              <a:t>}</a:t>
+            </a:r>
+            <a:endParaRPr lang="en-US" sz="1300" b="0" dirty="0">
+              <a:solidFill>
+                <a:srgbClr val="D4D4D4"/>
+              </a:solidFill>
+              <a:effectLst/>
+              <a:latin typeface="Consolas" panose="020B0609020204030204" pitchFamily="49" charset="0"/>
+            </a:endParaRPr>
+          </a:p>
+        </p:txBody>
+      </p:sp>
+      <p:sp>
+        <p:nvSpPr>
+          <p:cNvPr id="10" name="Flowchart: Process 6"/>
+          <p:cNvSpPr/>
+          <p:nvPr/>
+        </p:nvSpPr>
+        <p:spPr>
+          <a:xfrm>
+            <a:off x="1563486" y="5100897"/>
+            <a:ext cx="2286000" cy="518507"/>
           </a:xfrm>
           <a:prstGeom prst="flowChartProcess">
             <a:avLst/>
@@ -29932,47 +29807,18 @@
                   <a:schemeClr val="bg1"/>
                 </a:solidFill>
               </a:rPr>
-              <a:t>Избегаем </a:t>
-            </a:r>
+              <a:t>Избегаем невыразительных и неоднозначных слов</a:t>
+            </a:r>
+          </a:p>
+          <a:p>
+            <a:pPr lvl="1"/>
             <a:r>
               <a:rPr lang="ru-RU" dirty="0" smtClean="0">
                 <a:solidFill>
                   <a:schemeClr val="bg1"/>
                 </a:solidFill>
               </a:rPr>
-              <a:t>невыразительных и неоднозначных </a:t>
-            </a:r>
-            <a:r>
-              <a:rPr lang="ru-RU" dirty="0" smtClean="0">
-                <a:solidFill>
-                  <a:schemeClr val="bg1"/>
-                </a:solidFill>
-              </a:rPr>
-              <a:t>слов</a:t>
-            </a:r>
-            <a:endParaRPr lang="ru-RU" dirty="0" smtClean="0">
-              <a:solidFill>
-                <a:schemeClr val="bg1"/>
-              </a:solidFill>
-            </a:endParaRPr>
-          </a:p>
-          <a:p>
-            <a:pPr lvl="1"/>
-            <a:r>
-              <a:rPr lang="ru-RU" dirty="0" smtClean="0">
-                <a:solidFill>
-                  <a:schemeClr val="bg1"/>
-                </a:solidFill>
-              </a:rPr>
-              <a:t>Не </a:t>
-            </a:r>
-            <a:r>
-              <a:rPr lang="ru-RU" dirty="0" smtClean="0">
-                <a:solidFill>
-                  <a:schemeClr val="bg1"/>
-                </a:solidFill>
-              </a:rPr>
-              <a:t>используем номера</a:t>
+              <a:t>Не используем номера</a:t>
             </a:r>
           </a:p>
           <a:p>
@@ -30149,47 +29995,18 @@
                   <a:schemeClr val="bg1"/>
                 </a:solidFill>
               </a:rPr>
-              <a:t>Избегаем </a:t>
-            </a:r>
+              <a:t>Избегаем невыразительных и неоднозначных слов</a:t>
+            </a:r>
+          </a:p>
+          <a:p>
+            <a:pPr lvl="1"/>
             <a:r>
               <a:rPr lang="ru-RU" dirty="0" smtClean="0">
                 <a:solidFill>
                   <a:schemeClr val="bg1"/>
                 </a:solidFill>
               </a:rPr>
-              <a:t>невыразительных и неоднозначных </a:t>
-            </a:r>
-            <a:r>
-              <a:rPr lang="ru-RU" dirty="0" smtClean="0">
-                <a:solidFill>
-                  <a:schemeClr val="bg1"/>
-                </a:solidFill>
-              </a:rPr>
-              <a:t>слов</a:t>
-            </a:r>
-            <a:endParaRPr lang="ru-RU" dirty="0" smtClean="0">
-              <a:solidFill>
-                <a:schemeClr val="bg1"/>
-              </a:solidFill>
-            </a:endParaRPr>
-          </a:p>
-          <a:p>
-            <a:pPr lvl="1"/>
-            <a:r>
-              <a:rPr lang="ru-RU" dirty="0" smtClean="0">
-                <a:solidFill>
-                  <a:schemeClr val="bg1"/>
-                </a:solidFill>
-              </a:rPr>
-              <a:t>Не </a:t>
-            </a:r>
-            <a:r>
-              <a:rPr lang="ru-RU" dirty="0" smtClean="0">
-                <a:solidFill>
-                  <a:schemeClr val="bg1"/>
-                </a:solidFill>
-              </a:rPr>
-              <a:t>используем номера</a:t>
+              <a:t>Не используем номера</a:t>
             </a:r>
           </a:p>
           <a:p>
@@ -30540,27 +30357,14 @@
           <a:p>
             <a:r>
               <a:rPr lang="ru-RU" dirty="0" smtClean="0"/>
-              <a:t>Избегаем </a:t>
-            </a:r>
+              <a:t>Избегаем невыразительных и неоднозначных слов</a:t>
+            </a:r>
+          </a:p>
+          <a:p>
+            <a:pPr lvl="1"/>
             <a:r>
               <a:rPr lang="ru-RU" dirty="0" smtClean="0"/>
-              <a:t>невыразительных и неоднозначных </a:t>
-            </a:r>
-            <a:r>
-              <a:rPr lang="ru-RU" dirty="0" smtClean="0"/>
-              <a:t>слов</a:t>
-            </a:r>
-            <a:endParaRPr lang="ru-RU" dirty="0" smtClean="0"/>
-          </a:p>
-          <a:p>
-            <a:pPr lvl="1"/>
-            <a:r>
-              <a:rPr lang="ru-RU" dirty="0" smtClean="0"/>
-              <a:t>Не </a:t>
-            </a:r>
-            <a:r>
-              <a:rPr lang="ru-RU" dirty="0" smtClean="0"/>
-              <a:t>используем номера</a:t>
+              <a:t>Не используем номера</a:t>
             </a:r>
           </a:p>
           <a:p>
@@ -30627,11 +30431,6 @@
               </a:rPr>
               <a:t>отрицания</a:t>
             </a:r>
-            <a:endParaRPr lang="ru-RU" dirty="0" smtClean="0">
-              <a:solidFill>
-                <a:schemeClr val="bg1"/>
-              </a:solidFill>
-            </a:endParaRPr>
           </a:p>
         </p:txBody>
       </p:sp>
@@ -30752,27 +30551,14 @@
           <a:p>
             <a:r>
               <a:rPr lang="ru-RU" dirty="0" smtClean="0"/>
-              <a:t>Избегаем </a:t>
-            </a:r>
+              <a:t>Избегаем невыразительных и неоднозначных слов</a:t>
+            </a:r>
+          </a:p>
+          <a:p>
+            <a:pPr lvl="1"/>
             <a:r>
               <a:rPr lang="ru-RU" dirty="0" smtClean="0"/>
-              <a:t>невыразительных и неоднозначных </a:t>
-            </a:r>
-            <a:r>
-              <a:rPr lang="ru-RU" dirty="0" smtClean="0"/>
-              <a:t>слов</a:t>
-            </a:r>
-            <a:endParaRPr lang="ru-RU" dirty="0" smtClean="0"/>
-          </a:p>
-          <a:p>
-            <a:pPr lvl="1"/>
-            <a:r>
-              <a:rPr lang="ru-RU" dirty="0" smtClean="0"/>
-              <a:t>Не </a:t>
-            </a:r>
-            <a:r>
-              <a:rPr lang="ru-RU" dirty="0" smtClean="0"/>
-              <a:t>используем номера</a:t>
+              <a:t>Не используем номера</a:t>
             </a:r>
           </a:p>
           <a:p>
@@ -30944,27 +30730,14 @@
           <a:p>
             <a:r>
               <a:rPr lang="ru-RU" dirty="0" smtClean="0"/>
-              <a:t>Избегаем </a:t>
-            </a:r>
+              <a:t>Избегаем невыразительных и неоднозначных слов</a:t>
+            </a:r>
+          </a:p>
+          <a:p>
+            <a:pPr lvl="1"/>
             <a:r>
               <a:rPr lang="ru-RU" dirty="0" smtClean="0"/>
-              <a:t>невыразительных и неоднозначных </a:t>
-            </a:r>
-            <a:r>
-              <a:rPr lang="ru-RU" dirty="0" smtClean="0"/>
-              <a:t>слов</a:t>
-            </a:r>
-            <a:endParaRPr lang="ru-RU" dirty="0" smtClean="0"/>
-          </a:p>
-          <a:p>
-            <a:pPr lvl="1"/>
-            <a:r>
-              <a:rPr lang="ru-RU" dirty="0" smtClean="0"/>
-              <a:t>Не </a:t>
-            </a:r>
-            <a:r>
-              <a:rPr lang="ru-RU" dirty="0" smtClean="0"/>
-              <a:t>используем номера</a:t>
+              <a:t>Не используем номера</a:t>
             </a:r>
           </a:p>
           <a:p>
@@ -31090,32 +30863,19 @@
                   <a:schemeClr val="bg1"/>
                 </a:solidFill>
               </a:rPr>
-              <a:t>Описываем все, что функция </a:t>
-            </a:r>
+              <a:t>Описываем все, что функция делает</a:t>
+            </a:r>
+          </a:p>
+          <a:p>
+            <a:pPr lvl="1"/>
             <a:r>
               <a:rPr lang="ru-RU" dirty="0" smtClean="0">
                 <a:solidFill>
                   <a:schemeClr val="bg1"/>
                 </a:solidFill>
               </a:rPr>
-              <a:t>делает</a:t>
-            </a:r>
-          </a:p>
-          <a:p>
-            <a:pPr lvl="1"/>
-            <a:r>
-              <a:rPr lang="ru-RU" dirty="0" smtClean="0">
-                <a:solidFill>
-                  <a:schemeClr val="bg1"/>
-                </a:solidFill>
-              </a:rPr>
               <a:t>Снижаем гибридное зацепление</a:t>
             </a:r>
-            <a:endParaRPr lang="ru-RU" dirty="0" smtClean="0">
-              <a:solidFill>
-                <a:schemeClr val="bg1"/>
-              </a:solidFill>
-            </a:endParaRPr>
           </a:p>
           <a:p>
             <a:endParaRPr lang="ru-RU" dirty="0" smtClean="0">
@@ -31295,11 +31055,7 @@
           <a:p>
             <a:r>
               <a:rPr lang="ru-RU" dirty="0" smtClean="0"/>
-              <a:t>Описываем все, что функция </a:t>
-            </a:r>
-            <a:r>
-              <a:rPr lang="ru-RU" dirty="0" smtClean="0"/>
-              <a:t>делает</a:t>
+              <a:t>Описываем все, что функция делает</a:t>
             </a:r>
           </a:p>
           <a:p>
@@ -31308,7 +31064,6 @@
               <a:rPr lang="ru-RU" dirty="0" smtClean="0"/>
               <a:t>Снижаем гибридное зацепление</a:t>
             </a:r>
-            <a:endParaRPr lang="ru-RU" dirty="0" smtClean="0"/>
           </a:p>
           <a:p>
             <a:endParaRPr lang="ru-RU" dirty="0" smtClean="0"/>
@@ -31484,11 +31239,7 @@
           <a:p>
             <a:r>
               <a:rPr lang="ru-RU" dirty="0" smtClean="0"/>
-              <a:t>Описываем все, что функция </a:t>
-            </a:r>
-            <a:r>
-              <a:rPr lang="ru-RU" dirty="0" smtClean="0"/>
-              <a:t>делает</a:t>
+              <a:t>Описываем все, что функция делает</a:t>
             </a:r>
           </a:p>
           <a:p>
@@ -31497,7 +31248,6 @@
               <a:rPr lang="ru-RU" dirty="0" smtClean="0"/>
               <a:t>Снижаем гибридное зацепление</a:t>
             </a:r>
-            <a:endParaRPr lang="ru-RU" dirty="0" smtClean="0"/>
           </a:p>
           <a:p>
             <a:endParaRPr lang="ru-RU" dirty="0" smtClean="0"/>
@@ -31683,11 +31433,6 @@
               </a:rPr>
               <a:t> храним</a:t>
             </a:r>
-            <a:endParaRPr lang="ru-RU" dirty="0" smtClean="0">
-              <a:solidFill>
-                <a:schemeClr val="bg1"/>
-              </a:solidFill>
-            </a:endParaRPr>
           </a:p>
           <a:p>
             <a:pPr lvl="1"/>
@@ -31856,7 +31601,6 @@
               <a:rPr lang="ru-RU" dirty="0" smtClean="0"/>
               <a:t> храним</a:t>
             </a:r>
-            <a:endParaRPr lang="ru-RU" dirty="0" smtClean="0"/>
           </a:p>
           <a:p>
             <a:pPr lvl="1"/>
@@ -32017,7 +31761,6 @@
               <a:rPr lang="ru-RU" dirty="0" smtClean="0"/>
               <a:t> храним</a:t>
             </a:r>
-            <a:endParaRPr lang="ru-RU" dirty="0" smtClean="0"/>
           </a:p>
           <a:p>
             <a:pPr lvl="1"/>
@@ -32317,7 +32060,6 @@
               <a:rPr lang="ru-RU" dirty="0" smtClean="0"/>
               <a:t> храним</a:t>
             </a:r>
-            <a:endParaRPr lang="ru-RU" dirty="0" smtClean="0"/>
           </a:p>
           <a:p>
             <a:pPr lvl="1"/>
@@ -33292,23 +33034,7 @@
                   <a:schemeClr val="bg1"/>
                 </a:solidFill>
               </a:rPr>
-              <a:t>Инициализируем </a:t>
-            </a:r>
-            <a:r>
-              <a:rPr lang="ru-RU" dirty="0" smtClean="0">
-                <a:solidFill>
-                  <a:schemeClr val="bg1"/>
-                </a:solidFill>
-              </a:rPr>
-              <a:t>каждую переменную при ее </a:t>
-            </a:r>
-            <a:r>
-              <a:rPr lang="ru-RU" dirty="0" smtClean="0">
-                <a:solidFill>
-                  <a:schemeClr val="bg1"/>
-                </a:solidFill>
-              </a:rPr>
-              <a:t>объявлении</a:t>
+              <a:t>Инициализируем каждую переменную при ее объявлении</a:t>
             </a:r>
             <a:endParaRPr lang="ru-RU" dirty="0">
               <a:solidFill>
@@ -33430,11 +33156,7 @@
           <a:p>
             <a:r>
               <a:rPr lang="ru-RU" dirty="0" smtClean="0"/>
-              <a:t>Объявляем </a:t>
-            </a:r>
-            <a:r>
-              <a:rPr lang="ru-RU" dirty="0" smtClean="0"/>
-              <a:t>и инициализируем непосредственно перед первым использованием</a:t>
+              <a:t>Объявляем и инициализируем непосредственно перед первым использованием</a:t>
             </a:r>
           </a:p>
           <a:p>
@@ -33451,7 +33173,6 @@
               <a:rPr lang="ru-RU" dirty="0" smtClean="0"/>
               <a:t>Снижаем патологическое зацепление</a:t>
             </a:r>
-            <a:endParaRPr lang="ru-RU" dirty="0" smtClean="0"/>
           </a:p>
         </p:txBody>
       </p:sp>
@@ -33551,6 +33272,8 @@
               </a:rPr>
               <a:t>Снижаем патологическое зацепление</a:t>
             </a:r>
+          </a:p>
+          <a:p>
             <a:endParaRPr lang="ru-RU" dirty="0" smtClean="0">
               <a:solidFill>
                 <a:schemeClr val="bg1"/>
@@ -33558,6 +33281,16 @@
             </a:endParaRPr>
           </a:p>
           <a:p>
+            <a:r>
+              <a:rPr lang="ru-RU" dirty="0" smtClean="0">
+                <a:solidFill>
+                  <a:schemeClr val="bg1"/>
+                </a:solidFill>
+              </a:rPr>
+              <a:t>Изолируем друг от друга независимые переменные</a:t>
+            </a:r>
+          </a:p>
+          <a:p>
             <a:endParaRPr lang="ru-RU" dirty="0" smtClean="0">
               <a:solidFill>
                 <a:schemeClr val="bg1"/>
@@ -33571,35 +33304,8 @@
                   <a:schemeClr val="bg1"/>
                 </a:solidFill>
               </a:rPr>
-              <a:t>Изолируем друг от друга независимые переменные</a:t>
-            </a:r>
-            <a:endParaRPr lang="ru-RU" dirty="0" smtClean="0">
-              <a:solidFill>
-                <a:schemeClr val="bg1"/>
-              </a:solidFill>
-            </a:endParaRPr>
-          </a:p>
-          <a:p>
-            <a:endParaRPr lang="ru-RU" dirty="0" smtClean="0">
-              <a:solidFill>
-                <a:schemeClr val="bg1"/>
-              </a:solidFill>
-            </a:endParaRPr>
-          </a:p>
-          <a:p>
-            <a:r>
-              <a:rPr lang="ru-RU" dirty="0" smtClean="0">
-                <a:solidFill>
-                  <a:schemeClr val="bg1"/>
-                </a:solidFill>
-              </a:rPr>
               <a:t>Группируем зависящие между собой переменные</a:t>
             </a:r>
-            <a:endParaRPr lang="ru-RU" dirty="0" smtClean="0">
-              <a:solidFill>
-                <a:schemeClr val="bg1"/>
-              </a:solidFill>
-            </a:endParaRPr>
           </a:p>
           <a:p>
             <a:pPr lvl="1"/>
@@ -33774,12 +33480,11 @@
               <a:rPr lang="ru-RU" dirty="0" smtClean="0"/>
               <a:t>Снижаем патологическое зацепление</a:t>
             </a:r>
+          </a:p>
+          <a:p>
             <a:endParaRPr lang="ru-RU" dirty="0" smtClean="0"/>
           </a:p>
           <a:p>
-            <a:endParaRPr lang="ru-RU" dirty="0" smtClean="0"/>
-          </a:p>
-          <a:p>
             <a:r>
               <a:rPr lang="ru-RU" dirty="0" smtClean="0">
                 <a:solidFill>
@@ -33788,6 +33493,8 @@
               </a:rPr>
               <a:t>Изолируем друг от друга независимые переменные</a:t>
             </a:r>
+          </a:p>
+          <a:p>
             <a:endParaRPr lang="ru-RU" dirty="0" smtClean="0">
               <a:solidFill>
                 <a:schemeClr val="bg1"/>
@@ -33795,13 +33502,6 @@
             </a:endParaRPr>
           </a:p>
           <a:p>
-            <a:endParaRPr lang="ru-RU" dirty="0" smtClean="0">
-              <a:solidFill>
-                <a:schemeClr val="bg1"/>
-              </a:solidFill>
-            </a:endParaRPr>
-          </a:p>
-          <a:p>
             <a:r>
               <a:rPr lang="ru-RU" dirty="0" smtClean="0">
                 <a:solidFill>
@@ -33810,11 +33510,6 @@
               </a:rPr>
               <a:t>Группируем зависящие между собой переменные</a:t>
             </a:r>
-            <a:endParaRPr lang="ru-RU" dirty="0" smtClean="0">
-              <a:solidFill>
-                <a:schemeClr val="bg1"/>
-              </a:solidFill>
-            </a:endParaRPr>
           </a:p>
           <a:p>
             <a:pPr lvl="1"/>
@@ -33989,7 +33684,6 @@
               <a:rPr lang="ru-RU" dirty="0" smtClean="0"/>
               <a:t>Снижаем патологическое зацепление</a:t>
             </a:r>
-            <a:endParaRPr lang="ru-RU" dirty="0" smtClean="0"/>
           </a:p>
           <a:p>
             <a:endParaRPr lang="ru-RU" dirty="0" smtClean="0"/>
@@ -33999,12 +33693,11 @@
               <a:rPr lang="ru-RU" dirty="0" smtClean="0"/>
               <a:t>Изолируем друг от друга независимые переменные</a:t>
             </a:r>
+          </a:p>
+          <a:p>
             <a:endParaRPr lang="ru-RU" dirty="0" smtClean="0"/>
           </a:p>
           <a:p>
-            <a:endParaRPr lang="ru-RU" dirty="0" smtClean="0"/>
-          </a:p>
-          <a:p>
             <a:r>
               <a:rPr lang="ru-RU" dirty="0" smtClean="0">
                 <a:solidFill>
@@ -34013,11 +33706,6 @@
               </a:rPr>
               <a:t>Группируем зависящие между собой переменные</a:t>
             </a:r>
-            <a:endParaRPr lang="ru-RU" dirty="0" smtClean="0">
-              <a:solidFill>
-                <a:schemeClr val="bg1"/>
-              </a:solidFill>
-            </a:endParaRPr>
           </a:p>
           <a:p>
             <a:pPr lvl="1"/>
@@ -34192,7 +33880,6 @@
               <a:rPr lang="ru-RU" dirty="0" smtClean="0"/>
               <a:t>Снижаем патологическое зацепление</a:t>
             </a:r>
-            <a:endParaRPr lang="ru-RU" dirty="0" smtClean="0"/>
           </a:p>
           <a:p>
             <a:endParaRPr lang="ru-RU" dirty="0" smtClean="0"/>
@@ -34202,7 +33889,6 @@
               <a:rPr lang="ru-RU" dirty="0" smtClean="0"/>
               <a:t>Изолируем друг от друга независимые переменные</a:t>
             </a:r>
-            <a:endParaRPr lang="ru-RU" dirty="0" smtClean="0"/>
           </a:p>
           <a:p>
             <a:endParaRPr lang="ru-RU" dirty="0" smtClean="0"/>
@@ -34212,7 +33898,6 @@
               <a:rPr lang="ru-RU" dirty="0" smtClean="0"/>
               <a:t>Группируем зависящие между собой переменные</a:t>
             </a:r>
-            <a:endParaRPr lang="ru-RU" dirty="0" smtClean="0"/>
           </a:p>
           <a:p>
             <a:pPr lvl="1"/>
@@ -34298,7 +33983,7 @@
       </p:grpSpPr>
       <p:sp>
         <p:nvSpPr>
-          <p:cNvPr id="2" name="Заголовок 1"/>
+          <p:cNvPr id="2" name="Title 1"/>
           <p:cNvSpPr>
             <a:spLocks noGrp="1"/>
           </p:cNvSpPr>
@@ -34312,8 +33997,8 @@
           <a:lstStyle/>
           <a:p>
             <a:r>
-              <a:rPr lang="ru-RU" dirty="0" smtClean="0"/>
-              <a:t>Макросы</a:t>
+              <a:rPr lang="en-US" dirty="0" smtClean="0"/>
+              <a:t>Steve McConnell – “Code Complete”</a:t>
             </a:r>
             <a:endParaRPr lang="ru-RU" dirty="0"/>
           </a:p>
@@ -34321,7 +34006,7 @@
       </p:sp>
       <p:sp>
         <p:nvSpPr>
-          <p:cNvPr id="3" name="Объект 2"/>
+          <p:cNvPr id="3" name="Content Placeholder 2"/>
           <p:cNvSpPr>
             <a:spLocks noGrp="1"/>
           </p:cNvSpPr>
@@ -34331,44 +34016,65 @@
         </p:nvSpPr>
         <p:spPr/>
         <p:txBody>
-          <a:bodyPr>
-            <a:normAutofit/>
-          </a:bodyPr>
+          <a:bodyPr anchor="ctr"/>
           <a:lstStyle/>
           <a:p>
             <a:r>
-              <a:rPr lang="en-US" dirty="0" smtClean="0">
-                <a:solidFill>
-                  <a:schemeClr val="bg1"/>
-                </a:solidFill>
-              </a:rPr>
-              <a:t>Bjarne </a:t>
-            </a:r>
-            <a:r>
-              <a:rPr lang="ru-RU" dirty="0" err="1" smtClean="0">
-                <a:solidFill>
-                  <a:schemeClr val="bg1"/>
-                </a:solidFill>
-              </a:rPr>
-              <a:t>Stroustrup</a:t>
-            </a:r>
-            <a:r>
-              <a:rPr lang="ru-RU" dirty="0">
-                <a:solidFill>
-                  <a:schemeClr val="bg1"/>
-                </a:solidFill>
-              </a:rPr>
-              <a:t>, 1997: «Макрос почти всегда указывает на недостаток языка программирования, программы или программиста… Если вы используете макросы, значит, вам не хватает возможностей отладчиков, инструментов, генерирующих перекрестные ссылки, средств профилирования и т. д.»</a:t>
-            </a:r>
-          </a:p>
-          <a:p>
-            <a:endParaRPr lang="ru-RU" dirty="0">
-              <a:solidFill>
-                <a:schemeClr val="bg1"/>
-              </a:solidFill>
-            </a:endParaRPr>
-          </a:p>
-          <a:p>
+              <a:rPr lang="en-US" dirty="0" smtClean="0"/>
+              <a:t>…</a:t>
+            </a:r>
+            <a:r>
+              <a:rPr lang="ru-RU" dirty="0" smtClean="0"/>
+              <a:t>Если </a:t>
+            </a:r>
+            <a:r>
+              <a:rPr lang="ru-RU" dirty="0"/>
+              <a:t>вам трудно понять </a:t>
+            </a:r>
+            <a:r>
+              <a:rPr lang="ru-RU" dirty="0" smtClean="0"/>
+              <a:t>какой</a:t>
+            </a:r>
+            <a:r>
+              <a:rPr lang="en-US" dirty="0" smtClean="0"/>
+              <a:t>-</a:t>
+            </a:r>
+            <a:r>
+              <a:rPr lang="ru-RU" dirty="0" smtClean="0"/>
+              <a:t>то </a:t>
+            </a:r>
+            <a:r>
+              <a:rPr lang="ru-RU" dirty="0"/>
+              <a:t>фрагмент кода, подумайте о </a:t>
+            </a:r>
+            <a:r>
+              <a:rPr lang="ru-RU" dirty="0" smtClean="0"/>
+              <a:t>переименовании</a:t>
+            </a:r>
+            <a:r>
+              <a:rPr lang="en-US" dirty="0" smtClean="0"/>
+              <a:t> </a:t>
+            </a:r>
+            <a:r>
+              <a:rPr lang="ru-RU" dirty="0" smtClean="0"/>
+              <a:t>переменных</a:t>
+            </a:r>
+            <a:r>
+              <a:rPr lang="ru-RU" dirty="0"/>
+              <a:t>. В отличие от детективных романов код программ не должен </a:t>
+            </a:r>
+            <a:r>
+              <a:rPr lang="ru-RU" dirty="0" smtClean="0"/>
+              <a:t>содержать </a:t>
+            </a:r>
+            <a:r>
+              <a:rPr lang="ru-RU" dirty="0"/>
+              <a:t>загадок. Его нужно просто </a:t>
+            </a:r>
+            <a:r>
+              <a:rPr lang="ru-RU" dirty="0" smtClean="0"/>
+              <a:t>читать…</a:t>
+            </a:r>
             <a:endParaRPr lang="ru-RU" dirty="0"/>
           </a:p>
         </p:txBody>
@@ -34376,20 +34082,13 @@
     </p:spTree>
     <p:extLst>
       <p:ext uri="{BB962C8B-B14F-4D97-AF65-F5344CB8AC3E}">
-        <p14:creationId xmlns:p14="http://schemas.microsoft.com/office/powerpoint/2010/main" val="3055828997"/>
+        <p14:creationId xmlns:p14="http://schemas.microsoft.com/office/powerpoint/2010/main" val="82635988"/>
       </p:ext>
     </p:extLst>
   </p:cSld>
   <p:clrMapOvr>
     <a:masterClrMapping/>
   </p:clrMapOvr>
-  <p:timing>
-    <p:tnLst>
-      <p:par>
-        <p:cTn id="1" dur="indefinite" restart="never" nodeType="tmRoot"/>
-      </p:par>
-    </p:tnLst>
-  </p:timing>
 </p:sld>
 </file>
 
@@ -34427,7 +34126,7 @@
           <a:p>
             <a:r>
               <a:rPr lang="ru-RU" dirty="0" smtClean="0"/>
-              <a:t>Макросы</a:t>
+              <a:t>Заключение</a:t>
             </a:r>
             <a:endParaRPr lang="ru-RU" dirty="0"/>
           </a:p>
@@ -34445,36 +34144,33 @@
         </p:nvSpPr>
         <p:spPr/>
         <p:txBody>
-          <a:bodyPr>
-            <a:normAutofit/>
-          </a:bodyPr>
+          <a:bodyPr/>
           <a:lstStyle/>
           <a:p>
             <a:r>
-              <a:rPr lang="en-US" dirty="0" smtClean="0"/>
-              <a:t>Bjarne </a:t>
-            </a:r>
-            <a:r>
-              <a:rPr lang="ru-RU" dirty="0" err="1" smtClean="0"/>
-              <a:t>Stroustrup</a:t>
-            </a:r>
-            <a:r>
-              <a:rPr lang="ru-RU" dirty="0"/>
-              <a:t>, 1997: «Макрос почти всегда указывает на недостаток языка программирования, программы или программиста… Если вы используете макросы, значит, вам не хватает возможностей отладчиков, инструментов, генерирующих перекрестные ссылки, средств профилирования и т. д.»</a:t>
-            </a:r>
-          </a:p>
-          <a:p>
+              <a:rPr lang="ru-RU" dirty="0" smtClean="0"/>
+              <a:t>Зацепление частей программы</a:t>
+            </a:r>
             <a:endParaRPr lang="ru-RU" dirty="0"/>
           </a:p>
           <a:p>
-            <a:endParaRPr lang="ru-RU" dirty="0"/>
+            <a:r>
+              <a:rPr lang="ru-RU" dirty="0" smtClean="0"/>
+              <a:t>Именование переменных</a:t>
+            </a:r>
+          </a:p>
+          <a:p>
+            <a:r>
+              <a:rPr lang="ru-RU" dirty="0" smtClean="0"/>
+              <a:t>Именование функций</a:t>
+            </a:r>
           </a:p>
         </p:txBody>
       </p:sp>
     </p:spTree>
     <p:extLst>
       <p:ext uri="{BB962C8B-B14F-4D97-AF65-F5344CB8AC3E}">
-        <p14:creationId xmlns:p14="http://schemas.microsoft.com/office/powerpoint/2010/main" val="755935674"/>
+        <p14:creationId xmlns:p14="http://schemas.microsoft.com/office/powerpoint/2010/main" val="3324202321"/>
       </p:ext>
     </p:extLst>
   </p:cSld>
@@ -34525,7 +34221,7 @@
           <a:p>
             <a:r>
               <a:rPr lang="ru-RU" dirty="0" smtClean="0"/>
-              <a:t>Заключение</a:t>
+              <a:t>Макросы</a:t>
             </a:r>
             <a:endParaRPr lang="ru-RU" dirty="0"/>
           </a:p>
@@ -34543,34 +34239,150 @@
         </p:nvSpPr>
         <p:spPr/>
         <p:txBody>
-          <a:bodyPr/>
+          <a:bodyPr>
+            <a:normAutofit/>
+          </a:bodyPr>
           <a:lstStyle/>
           <a:p>
             <a:r>
-              <a:rPr lang="ru-RU" dirty="0" smtClean="0"/>
-              <a:t>Зацепление частей программы</a:t>
-            </a:r>
+              <a:rPr lang="en-US" dirty="0" smtClean="0">
+                <a:solidFill>
+                  <a:schemeClr val="bg1"/>
+                </a:solidFill>
+              </a:rPr>
+              <a:t>Bjarne </a:t>
+            </a:r>
+            <a:r>
+              <a:rPr lang="ru-RU" dirty="0" err="1" smtClean="0">
+                <a:solidFill>
+                  <a:schemeClr val="bg1"/>
+                </a:solidFill>
+              </a:rPr>
+              <a:t>Stroustrup</a:t>
+            </a:r>
+            <a:r>
+              <a:rPr lang="ru-RU" dirty="0">
+                <a:solidFill>
+                  <a:schemeClr val="bg1"/>
+                </a:solidFill>
+              </a:rPr>
+              <a:t>, 1997: «Макрос почти всегда указывает на недостаток языка программирования, программы или программиста… Если вы используете макросы, значит, вам не хватает возможностей отладчиков, инструментов, генерирующих перекрестные ссылки, средств профилирования и т. д.»</a:t>
+            </a:r>
+          </a:p>
+          <a:p>
+            <a:endParaRPr lang="ru-RU" dirty="0">
+              <a:solidFill>
+                <a:schemeClr val="bg1"/>
+              </a:solidFill>
+            </a:endParaRPr>
+          </a:p>
+          <a:p>
             <a:endParaRPr lang="ru-RU" dirty="0"/>
-          </a:p>
-          <a:p>
-            <a:r>
-              <a:rPr lang="ru-RU" dirty="0" smtClean="0"/>
-              <a:t>Именование переменных</a:t>
-            </a:r>
-          </a:p>
-          <a:p>
-            <a:r>
-              <a:rPr lang="ru-RU" dirty="0" smtClean="0"/>
-              <a:t>Именование функций</a:t>
-            </a:r>
-            <a:endParaRPr lang="ru-RU" dirty="0" smtClean="0"/>
           </a:p>
         </p:txBody>
       </p:sp>
     </p:spTree>
     <p:extLst>
       <p:ext uri="{BB962C8B-B14F-4D97-AF65-F5344CB8AC3E}">
-        <p14:creationId xmlns:p14="http://schemas.microsoft.com/office/powerpoint/2010/main" val="3324202321"/>
+        <p14:creationId xmlns:p14="http://schemas.microsoft.com/office/powerpoint/2010/main" val="3055828997"/>
+      </p:ext>
+    </p:extLst>
+  </p:cSld>
+  <p:clrMapOvr>
+    <a:masterClrMapping/>
+  </p:clrMapOvr>
+  <p:timing>
+    <p:tnLst>
+      <p:par>
+        <p:cTn id="1" dur="indefinite" restart="never" nodeType="tmRoot"/>
+      </p:par>
+    </p:tnLst>
+  </p:timing>
+</p:sld>
+</file>
+
+<file path=ppt/slides/slide69.xml><?xml version="1.0" encoding="utf-8"?>
+<p:sld xmlns:a="http://schemas.openxmlformats.org/drawingml/2006/main" xmlns:r="http://schemas.openxmlformats.org/officeDocument/2006/relationships" xmlns:p="http://schemas.openxmlformats.org/presentationml/2006/main">
+  <p:cSld>
+    <p:spTree>
+      <p:nvGrpSpPr>
+        <p:cNvPr id="1" name=""/>
+        <p:cNvGrpSpPr/>
+        <p:nvPr/>
+      </p:nvGrpSpPr>
+      <p:grpSpPr>
+        <a:xfrm>
+          <a:off x="0" y="0"/>
+          <a:ext cx="0" cy="0"/>
+          <a:chOff x="0" y="0"/>
+          <a:chExt cx="0" cy="0"/>
+        </a:xfrm>
+      </p:grpSpPr>
+      <p:sp>
+        <p:nvSpPr>
+          <p:cNvPr id="2" name="Заголовок 1"/>
+          <p:cNvSpPr>
+            <a:spLocks noGrp="1"/>
+          </p:cNvSpPr>
+          <p:nvPr>
+            <p:ph type="title"/>
+          </p:nvPr>
+        </p:nvSpPr>
+        <p:spPr/>
+        <p:txBody>
+          <a:bodyPr/>
+          <a:lstStyle/>
+          <a:p>
+            <a:r>
+              <a:rPr lang="ru-RU" dirty="0" smtClean="0"/>
+              <a:t>Макросы</a:t>
+            </a:r>
+            <a:endParaRPr lang="ru-RU" dirty="0"/>
+          </a:p>
+        </p:txBody>
+      </p:sp>
+      <p:sp>
+        <p:nvSpPr>
+          <p:cNvPr id="3" name="Объект 2"/>
+          <p:cNvSpPr>
+            <a:spLocks noGrp="1"/>
+          </p:cNvSpPr>
+          <p:nvPr>
+            <p:ph idx="1"/>
+          </p:nvPr>
+        </p:nvSpPr>
+        <p:spPr/>
+        <p:txBody>
+          <a:bodyPr>
+            <a:normAutofit/>
+          </a:bodyPr>
+          <a:lstStyle/>
+          <a:p>
+            <a:r>
+              <a:rPr lang="en-US" dirty="0" smtClean="0"/>
+              <a:t>Bjarne </a:t>
+            </a:r>
+            <a:r>
+              <a:rPr lang="ru-RU" dirty="0" err="1" smtClean="0"/>
+              <a:t>Stroustrup</a:t>
+            </a:r>
+            <a:r>
+              <a:rPr lang="ru-RU" dirty="0"/>
+              <a:t>, 1997: «Макрос почти всегда указывает на недостаток языка программирования, программы или программиста… Если вы используете макросы, значит, вам не хватает возможностей отладчиков, инструментов, генерирующих перекрестные ссылки, средств профилирования и т. д.»</a:t>
+            </a:r>
+          </a:p>
+          <a:p>
+            <a:endParaRPr lang="ru-RU" dirty="0"/>
+          </a:p>
+          <a:p>
+            <a:endParaRPr lang="ru-RU" dirty="0"/>
+          </a:p>
+        </p:txBody>
+      </p:sp>
+    </p:spTree>
+    <p:extLst>
+      <p:ext uri="{BB962C8B-B14F-4D97-AF65-F5344CB8AC3E}">
+        <p14:creationId xmlns:p14="http://schemas.microsoft.com/office/powerpoint/2010/main" val="755935674"/>
       </p:ext>
     </p:extLst>
   </p:cSld>
